--- a/Files/Poster Presentation.pptx
+++ b/Files/Poster Presentation.pptx
@@ -104,100 +104,5410 @@
       </a:defRPr>
     </a:lvl9pPr>
   </p:defaultTextStyle>
+  <p:extLst>
+    <p:ext uri="{EFAFB233-063F-42B5-8137-9DF3F51BA10A}">
+      <p15:sldGuideLst xmlns:p15="http://schemas.microsoft.com/office/powerpoint/2012/main"/>
+    </p:ext>
+  </p:extLst>
 </p:presentation>
 </file>
 
-<file path=ppt/changesInfos/changesInfo1.xml><?xml version="1.0" encoding="utf-8"?>
-<pc:chgInfo xmlns:a="http://schemas.openxmlformats.org/drawingml/2006/main" xmlns:r="http://schemas.openxmlformats.org/officeDocument/2006/relationships" xmlns:ac="http://schemas.microsoft.com/office/drawing/2013/main/command" xmlns:pc="http://schemas.microsoft.com/office/powerpoint/2013/main/command">
-  <pc:docChgLst>
-    <pc:chgData name="Kieran Best" userId="c7c36bce6989d40b" providerId="LiveId" clId="{85C6879D-2B3F-4F70-BD5B-918CC3836B32}"/>
-    <pc:docChg chg="undo redo custSel modSld">
-      <pc:chgData name="Kieran Best" userId="c7c36bce6989d40b" providerId="LiveId" clId="{85C6879D-2B3F-4F70-BD5B-918CC3836B32}" dt="2022-12-12T18:47:12.952" v="22" actId="732"/>
-      <pc:docMkLst>
-        <pc:docMk/>
-      </pc:docMkLst>
-      <pc:sldChg chg="modSp mod">
-        <pc:chgData name="Kieran Best" userId="c7c36bce6989d40b" providerId="LiveId" clId="{85C6879D-2B3F-4F70-BD5B-918CC3836B32}" dt="2022-12-12T18:47:12.952" v="22" actId="732"/>
-        <pc:sldMkLst>
-          <pc:docMk/>
-          <pc:sldMk cId="1332185085" sldId="256"/>
-        </pc:sldMkLst>
-        <pc:spChg chg="mod">
-          <ac:chgData name="Kieran Best" userId="c7c36bce6989d40b" providerId="LiveId" clId="{85C6879D-2B3F-4F70-BD5B-918CC3836B32}" dt="2022-12-12T18:45:48.375" v="1" actId="1582"/>
-          <ac:spMkLst>
-            <pc:docMk/>
-            <pc:sldMk cId="1332185085" sldId="256"/>
-            <ac:spMk id="11" creationId="{F1077C22-3313-41CD-A4AE-4A9FECE998CA}"/>
-          </ac:spMkLst>
-        </pc:spChg>
-        <pc:spChg chg="mod">
-          <ac:chgData name="Kieran Best" userId="c7c36bce6989d40b" providerId="LiveId" clId="{85C6879D-2B3F-4F70-BD5B-918CC3836B32}" dt="2022-12-12T18:45:48.007" v="0" actId="1582"/>
-          <ac:spMkLst>
-            <pc:docMk/>
-            <pc:sldMk cId="1332185085" sldId="256"/>
-            <ac:spMk id="15" creationId="{E9030AFA-232B-4E35-B685-1966BEE6A5AA}"/>
-          </ac:spMkLst>
-        </pc:spChg>
-        <pc:spChg chg="mod">
-          <ac:chgData name="Kieran Best" userId="c7c36bce6989d40b" providerId="LiveId" clId="{85C6879D-2B3F-4F70-BD5B-918CC3836B32}" dt="2022-12-12T18:45:49.154" v="3" actId="1582"/>
-          <ac:spMkLst>
-            <pc:docMk/>
-            <pc:sldMk cId="1332185085" sldId="256"/>
-            <ac:spMk id="16" creationId="{D899A7F2-3FA1-4D61-BE20-6BB614D85445}"/>
-          </ac:spMkLst>
-        </pc:spChg>
-        <pc:spChg chg="mod">
-          <ac:chgData name="Kieran Best" userId="c7c36bce6989d40b" providerId="LiveId" clId="{85C6879D-2B3F-4F70-BD5B-918CC3836B32}" dt="2022-12-12T18:45:48.760" v="2" actId="1582"/>
-          <ac:spMkLst>
-            <pc:docMk/>
-            <pc:sldMk cId="1332185085" sldId="256"/>
-            <ac:spMk id="17" creationId="{56B58F79-9BBF-40A5-80ED-DA892BF2CEEA}"/>
-          </ac:spMkLst>
-        </pc:spChg>
-        <pc:spChg chg="mod">
-          <ac:chgData name="Kieran Best" userId="c7c36bce6989d40b" providerId="LiveId" clId="{85C6879D-2B3F-4F70-BD5B-918CC3836B32}" dt="2022-12-12T18:45:49.464" v="4" actId="1582"/>
-          <ac:spMkLst>
-            <pc:docMk/>
-            <pc:sldMk cId="1332185085" sldId="256"/>
-            <ac:spMk id="22" creationId="{4BF3E9EC-F19D-4A49-B6EB-F26E2B325163}"/>
-          </ac:spMkLst>
-        </pc:spChg>
-        <pc:spChg chg="mod">
-          <ac:chgData name="Kieran Best" userId="c7c36bce6989d40b" providerId="LiveId" clId="{85C6879D-2B3F-4F70-BD5B-918CC3836B32}" dt="2022-12-12T18:45:49.863" v="5" actId="1582"/>
-          <ac:spMkLst>
-            <pc:docMk/>
-            <pc:sldMk cId="1332185085" sldId="256"/>
-            <ac:spMk id="25" creationId="{9DD45DD6-481F-4590-AB00-FAAD25F8E935}"/>
-          </ac:spMkLst>
-        </pc:spChg>
-        <pc:spChg chg="mod">
-          <ac:chgData name="Kieran Best" userId="c7c36bce6989d40b" providerId="LiveId" clId="{85C6879D-2B3F-4F70-BD5B-918CC3836B32}" dt="2022-12-12T18:45:50.230" v="6" actId="1582"/>
-          <ac:spMkLst>
-            <pc:docMk/>
-            <pc:sldMk cId="1332185085" sldId="256"/>
-            <ac:spMk id="38" creationId="{D5094DC7-FE50-440C-9AF9-3FF95AB8EBFC}"/>
-          </ac:spMkLst>
-        </pc:spChg>
-        <pc:picChg chg="mod modCrop">
-          <ac:chgData name="Kieran Best" userId="c7c36bce6989d40b" providerId="LiveId" clId="{85C6879D-2B3F-4F70-BD5B-918CC3836B32}" dt="2022-12-12T18:47:12.952" v="22" actId="732"/>
-          <ac:picMkLst>
-            <pc:docMk/>
-            <pc:sldMk cId="1332185085" sldId="256"/>
-            <ac:picMk id="28" creationId="{06DE7134-B069-4CC2-99E0-A8380830A827}"/>
-          </ac:picMkLst>
-        </pc:picChg>
-        <pc:picChg chg="mod">
-          <ac:chgData name="Kieran Best" userId="c7c36bce6989d40b" providerId="LiveId" clId="{85C6879D-2B3F-4F70-BD5B-918CC3836B32}" dt="2022-12-12T18:46:50.501" v="19" actId="1582"/>
-          <ac:picMkLst>
-            <pc:docMk/>
-            <pc:sldMk cId="1332185085" sldId="256"/>
-            <ac:picMk id="29" creationId="{3747BA6E-F4D0-4B6A-9A4E-58C4C3C1BEA0}"/>
-          </ac:picMkLst>
-        </pc:picChg>
-      </pc:sldChg>
-    </pc:docChg>
-  </pc:docChgLst>
-</pc:chgInfo>
+<file path=ppt/revisionInfo.xml><?xml version="1.0" encoding="utf-8"?>
+<p1510:revInfo xmlns:a="http://schemas.openxmlformats.org/drawingml/2006/main" xmlns:r="http://schemas.openxmlformats.org/officeDocument/2006/relationships" xmlns:p1510="http://schemas.microsoft.com/office/powerpoint/2015/10/main">
+  <p1510:revLst>
+    <p1510:client id="{85C6879D-2B3F-4F70-BD5B-918CC3836B32}" v="1145" dt="2023-01-24T10:29:15.733"/>
+  </p1510:revLst>
+</p1510:revInfo>
+</file>
+
+<file path=ppt/charts/chart1.xml><?xml version="1.0" encoding="utf-8"?>
+<c:chartSpace xmlns:c="http://schemas.openxmlformats.org/drawingml/2006/chart" xmlns:a="http://schemas.openxmlformats.org/drawingml/2006/main" xmlns:r="http://schemas.openxmlformats.org/officeDocument/2006/relationships" xmlns:c16r2="http://schemas.microsoft.com/office/drawing/2015/06/chart">
+  <c:date1904 val="0"/>
+  <c:lang val="en-US"/>
+  <c:roundedCorners val="0"/>
+  <mc:AlternateContent xmlns:mc="http://schemas.openxmlformats.org/markup-compatibility/2006">
+    <mc:Choice xmlns:c14="http://schemas.microsoft.com/office/drawing/2007/8/2/chart" Requires="c14">
+      <c14:style val="102"/>
+    </mc:Choice>
+    <mc:Fallback>
+      <c:style val="2"/>
+    </mc:Fallback>
+  </mc:AlternateContent>
+  <c:chart>
+    <c:title>
+      <c:tx>
+        <c:rich>
+          <a:bodyPr rot="0" spcFirstLastPara="1" vertOverflow="ellipsis" vert="horz" wrap="square" anchor="ctr" anchorCtr="1"/>
+          <a:lstStyle/>
+          <a:p>
+            <a:pPr>
+              <a:defRPr sz="3120" b="0" i="0" u="none" strike="noStrike" kern="1200" spc="0" baseline="0">
+                <a:solidFill>
+                  <a:schemeClr val="tx1">
+                    <a:lumMod val="65000"/>
+                    <a:lumOff val="35000"/>
+                  </a:schemeClr>
+                </a:solidFill>
+                <a:latin typeface="+mn-lt"/>
+                <a:ea typeface="+mn-ea"/>
+                <a:cs typeface="+mn-cs"/>
+              </a:defRPr>
+            </a:pPr>
+            <a:r>
+              <a:rPr lang="en-US"/>
+              <a:t>Long Term Development Graph Example</a:t>
+            </a:r>
+          </a:p>
+        </c:rich>
+      </c:tx>
+      <c:overlay val="0"/>
+      <c:spPr>
+        <a:noFill/>
+        <a:ln>
+          <a:noFill/>
+        </a:ln>
+        <a:effectLst/>
+      </c:spPr>
+      <c:txPr>
+        <a:bodyPr rot="0" spcFirstLastPara="1" vertOverflow="ellipsis" vert="horz" wrap="square" anchor="ctr" anchorCtr="1"/>
+        <a:lstStyle/>
+        <a:p>
+          <a:pPr>
+            <a:defRPr sz="3120" b="0" i="0" u="none" strike="noStrike" kern="1200" spc="0" baseline="0">
+              <a:solidFill>
+                <a:schemeClr val="tx1">
+                  <a:lumMod val="65000"/>
+                  <a:lumOff val="35000"/>
+                </a:schemeClr>
+              </a:solidFill>
+              <a:latin typeface="+mn-lt"/>
+              <a:ea typeface="+mn-ea"/>
+              <a:cs typeface="+mn-cs"/>
+            </a:defRPr>
+          </a:pPr>
+          <a:endParaRPr lang="en-US"/>
+        </a:p>
+      </c:txPr>
+    </c:title>
+    <c:autoTitleDeleted val="0"/>
+    <c:plotArea>
+      <c:layout/>
+      <c:barChart>
+        <c:barDir val="col"/>
+        <c:grouping val="stacked"/>
+        <c:varyColors val="0"/>
+        <c:ser>
+          <c:idx val="0"/>
+          <c:order val="0"/>
+          <c:tx>
+            <c:strRef>
+              <c:f>Sheet1!$B$1</c:f>
+              <c:strCache>
+                <c:ptCount val="1"/>
+                <c:pt idx="0">
+                  <c:v>Level 1</c:v>
+                </c:pt>
+              </c:strCache>
+            </c:strRef>
+          </c:tx>
+          <c:spPr>
+            <a:solidFill>
+              <a:srgbClr val="CC3399"/>
+            </a:solidFill>
+            <a:ln>
+              <a:noFill/>
+            </a:ln>
+            <a:effectLst/>
+          </c:spPr>
+          <c:invertIfNegative val="0"/>
+          <c:cat>
+            <c:strRef>
+              <c:f>Sheet1!$A$2:$A$11</c:f>
+              <c:strCache>
+                <c:ptCount val="10"/>
+                <c:pt idx="0">
+                  <c:v>Stage 1</c:v>
+                </c:pt>
+                <c:pt idx="1">
+                  <c:v>Stage 2</c:v>
+                </c:pt>
+                <c:pt idx="2">
+                  <c:v>Stage 3</c:v>
+                </c:pt>
+                <c:pt idx="3">
+                  <c:v>Stage 4</c:v>
+                </c:pt>
+                <c:pt idx="4">
+                  <c:v>Stage 5</c:v>
+                </c:pt>
+                <c:pt idx="5">
+                  <c:v>Stage 6</c:v>
+                </c:pt>
+                <c:pt idx="6">
+                  <c:v>Stage 7</c:v>
+                </c:pt>
+                <c:pt idx="7">
+                  <c:v>Stage 8</c:v>
+                </c:pt>
+                <c:pt idx="8">
+                  <c:v>Stage 9</c:v>
+                </c:pt>
+                <c:pt idx="9">
+                  <c:v>Stage 10</c:v>
+                </c:pt>
+              </c:strCache>
+            </c:strRef>
+          </c:cat>
+          <c:val>
+            <c:numRef>
+              <c:f>Sheet1!$B$2:$B$11</c:f>
+              <c:numCache>
+                <c:formatCode>General</c:formatCode>
+                <c:ptCount val="10"/>
+                <c:pt idx="0">
+                  <c:v>90</c:v>
+                </c:pt>
+              </c:numCache>
+            </c:numRef>
+          </c:val>
+          <c:extLst>
+            <c:ext xmlns:c16="http://schemas.microsoft.com/office/drawing/2014/chart" uri="{C3380CC4-5D6E-409C-BE32-E72D297353CC}">
+              <c16:uniqueId val="{00000000-E40A-4B71-860E-210EAA3F976D}"/>
+            </c:ext>
+          </c:extLst>
+        </c:ser>
+        <c:ser>
+          <c:idx val="1"/>
+          <c:order val="1"/>
+          <c:tx>
+            <c:strRef>
+              <c:f>Sheet1!$C$1</c:f>
+              <c:strCache>
+                <c:ptCount val="1"/>
+                <c:pt idx="0">
+                  <c:v>Level 2</c:v>
+                </c:pt>
+              </c:strCache>
+            </c:strRef>
+          </c:tx>
+          <c:spPr>
+            <a:solidFill>
+              <a:srgbClr val="CC66FF"/>
+            </a:solidFill>
+            <a:ln>
+              <a:noFill/>
+            </a:ln>
+            <a:effectLst/>
+          </c:spPr>
+          <c:invertIfNegative val="0"/>
+          <c:cat>
+            <c:strRef>
+              <c:f>Sheet1!$A$2:$A$11</c:f>
+              <c:strCache>
+                <c:ptCount val="10"/>
+                <c:pt idx="0">
+                  <c:v>Stage 1</c:v>
+                </c:pt>
+                <c:pt idx="1">
+                  <c:v>Stage 2</c:v>
+                </c:pt>
+                <c:pt idx="2">
+                  <c:v>Stage 3</c:v>
+                </c:pt>
+                <c:pt idx="3">
+                  <c:v>Stage 4</c:v>
+                </c:pt>
+                <c:pt idx="4">
+                  <c:v>Stage 5</c:v>
+                </c:pt>
+                <c:pt idx="5">
+                  <c:v>Stage 6</c:v>
+                </c:pt>
+                <c:pt idx="6">
+                  <c:v>Stage 7</c:v>
+                </c:pt>
+                <c:pt idx="7">
+                  <c:v>Stage 8</c:v>
+                </c:pt>
+                <c:pt idx="8">
+                  <c:v>Stage 9</c:v>
+                </c:pt>
+                <c:pt idx="9">
+                  <c:v>Stage 10</c:v>
+                </c:pt>
+              </c:strCache>
+            </c:strRef>
+          </c:cat>
+          <c:val>
+            <c:numRef>
+              <c:f>Sheet1!$C$2:$C$11</c:f>
+              <c:numCache>
+                <c:formatCode>General</c:formatCode>
+                <c:ptCount val="10"/>
+                <c:pt idx="1">
+                  <c:v>75</c:v>
+                </c:pt>
+              </c:numCache>
+            </c:numRef>
+          </c:val>
+          <c:extLst>
+            <c:ext xmlns:c16="http://schemas.microsoft.com/office/drawing/2014/chart" uri="{C3380CC4-5D6E-409C-BE32-E72D297353CC}">
+              <c16:uniqueId val="{00000004-E40A-4B71-860E-210EAA3F976D}"/>
+            </c:ext>
+          </c:extLst>
+        </c:ser>
+        <c:ser>
+          <c:idx val="2"/>
+          <c:order val="2"/>
+          <c:tx>
+            <c:strRef>
+              <c:f>Sheet1!$D$1</c:f>
+              <c:strCache>
+                <c:ptCount val="1"/>
+                <c:pt idx="0">
+                  <c:v>Level 3</c:v>
+                </c:pt>
+              </c:strCache>
+            </c:strRef>
+          </c:tx>
+          <c:spPr>
+            <a:solidFill>
+              <a:srgbClr val="5B5BC9"/>
+            </a:solidFill>
+            <a:ln>
+              <a:noFill/>
+            </a:ln>
+            <a:effectLst/>
+          </c:spPr>
+          <c:invertIfNegative val="0"/>
+          <c:cat>
+            <c:strRef>
+              <c:f>Sheet1!$A$2:$A$11</c:f>
+              <c:strCache>
+                <c:ptCount val="10"/>
+                <c:pt idx="0">
+                  <c:v>Stage 1</c:v>
+                </c:pt>
+                <c:pt idx="1">
+                  <c:v>Stage 2</c:v>
+                </c:pt>
+                <c:pt idx="2">
+                  <c:v>Stage 3</c:v>
+                </c:pt>
+                <c:pt idx="3">
+                  <c:v>Stage 4</c:v>
+                </c:pt>
+                <c:pt idx="4">
+                  <c:v>Stage 5</c:v>
+                </c:pt>
+                <c:pt idx="5">
+                  <c:v>Stage 6</c:v>
+                </c:pt>
+                <c:pt idx="6">
+                  <c:v>Stage 7</c:v>
+                </c:pt>
+                <c:pt idx="7">
+                  <c:v>Stage 8</c:v>
+                </c:pt>
+                <c:pt idx="8">
+                  <c:v>Stage 9</c:v>
+                </c:pt>
+                <c:pt idx="9">
+                  <c:v>Stage 10</c:v>
+                </c:pt>
+              </c:strCache>
+            </c:strRef>
+          </c:cat>
+          <c:val>
+            <c:numRef>
+              <c:f>Sheet1!$D$2:$D$11</c:f>
+              <c:numCache>
+                <c:formatCode>General</c:formatCode>
+                <c:ptCount val="10"/>
+                <c:pt idx="2">
+                  <c:v>85</c:v>
+                </c:pt>
+              </c:numCache>
+            </c:numRef>
+          </c:val>
+          <c:extLst>
+            <c:ext xmlns:c16="http://schemas.microsoft.com/office/drawing/2014/chart" uri="{C3380CC4-5D6E-409C-BE32-E72D297353CC}">
+              <c16:uniqueId val="{00000005-E40A-4B71-860E-210EAA3F976D}"/>
+            </c:ext>
+          </c:extLst>
+        </c:ser>
+        <c:ser>
+          <c:idx val="3"/>
+          <c:order val="3"/>
+          <c:tx>
+            <c:strRef>
+              <c:f>Sheet1!$E$1</c:f>
+              <c:strCache>
+                <c:ptCount val="1"/>
+                <c:pt idx="0">
+                  <c:v>Level 4</c:v>
+                </c:pt>
+              </c:strCache>
+            </c:strRef>
+          </c:tx>
+          <c:spPr>
+            <a:solidFill>
+              <a:srgbClr val="0099FF"/>
+            </a:solidFill>
+            <a:ln>
+              <a:noFill/>
+            </a:ln>
+            <a:effectLst/>
+          </c:spPr>
+          <c:invertIfNegative val="0"/>
+          <c:cat>
+            <c:strRef>
+              <c:f>Sheet1!$A$2:$A$11</c:f>
+              <c:strCache>
+                <c:ptCount val="10"/>
+                <c:pt idx="0">
+                  <c:v>Stage 1</c:v>
+                </c:pt>
+                <c:pt idx="1">
+                  <c:v>Stage 2</c:v>
+                </c:pt>
+                <c:pt idx="2">
+                  <c:v>Stage 3</c:v>
+                </c:pt>
+                <c:pt idx="3">
+                  <c:v>Stage 4</c:v>
+                </c:pt>
+                <c:pt idx="4">
+                  <c:v>Stage 5</c:v>
+                </c:pt>
+                <c:pt idx="5">
+                  <c:v>Stage 6</c:v>
+                </c:pt>
+                <c:pt idx="6">
+                  <c:v>Stage 7</c:v>
+                </c:pt>
+                <c:pt idx="7">
+                  <c:v>Stage 8</c:v>
+                </c:pt>
+                <c:pt idx="8">
+                  <c:v>Stage 9</c:v>
+                </c:pt>
+                <c:pt idx="9">
+                  <c:v>Stage 10</c:v>
+                </c:pt>
+              </c:strCache>
+            </c:strRef>
+          </c:cat>
+          <c:val>
+            <c:numRef>
+              <c:f>Sheet1!$E$2:$E$11</c:f>
+              <c:numCache>
+                <c:formatCode>General</c:formatCode>
+                <c:ptCount val="10"/>
+                <c:pt idx="3">
+                  <c:v>70</c:v>
+                </c:pt>
+                <c:pt idx="4">
+                  <c:v>90</c:v>
+                </c:pt>
+              </c:numCache>
+            </c:numRef>
+          </c:val>
+          <c:extLst>
+            <c:ext xmlns:c16="http://schemas.microsoft.com/office/drawing/2014/chart" uri="{C3380CC4-5D6E-409C-BE32-E72D297353CC}">
+              <c16:uniqueId val="{0000001D-E40A-4B71-860E-210EAA3F976D}"/>
+            </c:ext>
+          </c:extLst>
+        </c:ser>
+        <c:ser>
+          <c:idx val="4"/>
+          <c:order val="4"/>
+          <c:tx>
+            <c:strRef>
+              <c:f>Sheet1!$F$1</c:f>
+              <c:strCache>
+                <c:ptCount val="1"/>
+                <c:pt idx="0">
+                  <c:v>Level 5</c:v>
+                </c:pt>
+              </c:strCache>
+            </c:strRef>
+          </c:tx>
+          <c:spPr>
+            <a:solidFill>
+              <a:srgbClr val="0DFFC0"/>
+            </a:solidFill>
+            <a:ln>
+              <a:noFill/>
+            </a:ln>
+            <a:effectLst/>
+          </c:spPr>
+          <c:invertIfNegative val="0"/>
+          <c:cat>
+            <c:strRef>
+              <c:f>Sheet1!$A$2:$A$11</c:f>
+              <c:strCache>
+                <c:ptCount val="10"/>
+                <c:pt idx="0">
+                  <c:v>Stage 1</c:v>
+                </c:pt>
+                <c:pt idx="1">
+                  <c:v>Stage 2</c:v>
+                </c:pt>
+                <c:pt idx="2">
+                  <c:v>Stage 3</c:v>
+                </c:pt>
+                <c:pt idx="3">
+                  <c:v>Stage 4</c:v>
+                </c:pt>
+                <c:pt idx="4">
+                  <c:v>Stage 5</c:v>
+                </c:pt>
+                <c:pt idx="5">
+                  <c:v>Stage 6</c:v>
+                </c:pt>
+                <c:pt idx="6">
+                  <c:v>Stage 7</c:v>
+                </c:pt>
+                <c:pt idx="7">
+                  <c:v>Stage 8</c:v>
+                </c:pt>
+                <c:pt idx="8">
+                  <c:v>Stage 9</c:v>
+                </c:pt>
+                <c:pt idx="9">
+                  <c:v>Stage 10</c:v>
+                </c:pt>
+              </c:strCache>
+            </c:strRef>
+          </c:cat>
+          <c:val>
+            <c:numRef>
+              <c:f>Sheet1!$F$2:$F$11</c:f>
+              <c:numCache>
+                <c:formatCode>General</c:formatCode>
+                <c:ptCount val="10"/>
+                <c:pt idx="5">
+                  <c:v>85</c:v>
+                </c:pt>
+              </c:numCache>
+            </c:numRef>
+          </c:val>
+          <c:extLst>
+            <c:ext xmlns:c16="http://schemas.microsoft.com/office/drawing/2014/chart" uri="{C3380CC4-5D6E-409C-BE32-E72D297353CC}">
+              <c16:uniqueId val="{0000001E-E40A-4B71-860E-210EAA3F976D}"/>
+            </c:ext>
+          </c:extLst>
+        </c:ser>
+        <c:ser>
+          <c:idx val="5"/>
+          <c:order val="5"/>
+          <c:tx>
+            <c:strRef>
+              <c:f>Sheet1!$G$1</c:f>
+              <c:strCache>
+                <c:ptCount val="1"/>
+                <c:pt idx="0">
+                  <c:v>Level 6</c:v>
+                </c:pt>
+              </c:strCache>
+            </c:strRef>
+          </c:tx>
+          <c:spPr>
+            <a:solidFill>
+              <a:srgbClr val="00FF00"/>
+            </a:solidFill>
+            <a:ln>
+              <a:noFill/>
+            </a:ln>
+            <a:effectLst/>
+          </c:spPr>
+          <c:invertIfNegative val="0"/>
+          <c:cat>
+            <c:strRef>
+              <c:f>Sheet1!$A$2:$A$11</c:f>
+              <c:strCache>
+                <c:ptCount val="10"/>
+                <c:pt idx="0">
+                  <c:v>Stage 1</c:v>
+                </c:pt>
+                <c:pt idx="1">
+                  <c:v>Stage 2</c:v>
+                </c:pt>
+                <c:pt idx="2">
+                  <c:v>Stage 3</c:v>
+                </c:pt>
+                <c:pt idx="3">
+                  <c:v>Stage 4</c:v>
+                </c:pt>
+                <c:pt idx="4">
+                  <c:v>Stage 5</c:v>
+                </c:pt>
+                <c:pt idx="5">
+                  <c:v>Stage 6</c:v>
+                </c:pt>
+                <c:pt idx="6">
+                  <c:v>Stage 7</c:v>
+                </c:pt>
+                <c:pt idx="7">
+                  <c:v>Stage 8</c:v>
+                </c:pt>
+                <c:pt idx="8">
+                  <c:v>Stage 9</c:v>
+                </c:pt>
+                <c:pt idx="9">
+                  <c:v>Stage 10</c:v>
+                </c:pt>
+              </c:strCache>
+            </c:strRef>
+          </c:cat>
+          <c:val>
+            <c:numRef>
+              <c:f>Sheet1!$G$2:$G$11</c:f>
+              <c:numCache>
+                <c:formatCode>General</c:formatCode>
+                <c:ptCount val="10"/>
+                <c:pt idx="6">
+                  <c:v>66</c:v>
+                </c:pt>
+                <c:pt idx="7">
+                  <c:v>72</c:v>
+                </c:pt>
+                <c:pt idx="8">
+                  <c:v>85</c:v>
+                </c:pt>
+              </c:numCache>
+            </c:numRef>
+          </c:val>
+          <c:extLst>
+            <c:ext xmlns:c16="http://schemas.microsoft.com/office/drawing/2014/chart" uri="{C3380CC4-5D6E-409C-BE32-E72D297353CC}">
+              <c16:uniqueId val="{0000001F-E40A-4B71-860E-210EAA3F976D}"/>
+            </c:ext>
+          </c:extLst>
+        </c:ser>
+        <c:ser>
+          <c:idx val="6"/>
+          <c:order val="6"/>
+          <c:tx>
+            <c:strRef>
+              <c:f>Sheet1!$H$1</c:f>
+              <c:strCache>
+                <c:ptCount val="1"/>
+                <c:pt idx="0">
+                  <c:v>Level 7</c:v>
+                </c:pt>
+              </c:strCache>
+            </c:strRef>
+          </c:tx>
+          <c:spPr>
+            <a:solidFill>
+              <a:srgbClr val="CCFF66"/>
+            </a:solidFill>
+            <a:ln>
+              <a:noFill/>
+            </a:ln>
+            <a:effectLst/>
+          </c:spPr>
+          <c:invertIfNegative val="0"/>
+          <c:cat>
+            <c:strRef>
+              <c:f>Sheet1!$A$2:$A$11</c:f>
+              <c:strCache>
+                <c:ptCount val="10"/>
+                <c:pt idx="0">
+                  <c:v>Stage 1</c:v>
+                </c:pt>
+                <c:pt idx="1">
+                  <c:v>Stage 2</c:v>
+                </c:pt>
+                <c:pt idx="2">
+                  <c:v>Stage 3</c:v>
+                </c:pt>
+                <c:pt idx="3">
+                  <c:v>Stage 4</c:v>
+                </c:pt>
+                <c:pt idx="4">
+                  <c:v>Stage 5</c:v>
+                </c:pt>
+                <c:pt idx="5">
+                  <c:v>Stage 6</c:v>
+                </c:pt>
+                <c:pt idx="6">
+                  <c:v>Stage 7</c:v>
+                </c:pt>
+                <c:pt idx="7">
+                  <c:v>Stage 8</c:v>
+                </c:pt>
+                <c:pt idx="8">
+                  <c:v>Stage 9</c:v>
+                </c:pt>
+                <c:pt idx="9">
+                  <c:v>Stage 10</c:v>
+                </c:pt>
+              </c:strCache>
+            </c:strRef>
+          </c:cat>
+          <c:val>
+            <c:numRef>
+              <c:f>Sheet1!$H$2:$H$11</c:f>
+              <c:numCache>
+                <c:formatCode>General</c:formatCode>
+                <c:ptCount val="10"/>
+                <c:pt idx="9">
+                  <c:v>50</c:v>
+                </c:pt>
+              </c:numCache>
+            </c:numRef>
+          </c:val>
+          <c:extLst>
+            <c:ext xmlns:c16="http://schemas.microsoft.com/office/drawing/2014/chart" uri="{C3380CC4-5D6E-409C-BE32-E72D297353CC}">
+              <c16:uniqueId val="{00000020-E40A-4B71-860E-210EAA3F976D}"/>
+            </c:ext>
+          </c:extLst>
+        </c:ser>
+        <c:dLbls>
+          <c:showLegendKey val="0"/>
+          <c:showVal val="0"/>
+          <c:showCatName val="0"/>
+          <c:showSerName val="0"/>
+          <c:showPercent val="0"/>
+          <c:showBubbleSize val="0"/>
+        </c:dLbls>
+        <c:gapWidth val="0"/>
+        <c:overlap val="93"/>
+        <c:axId val="368816511"/>
+        <c:axId val="368815263"/>
+      </c:barChart>
+      <c:catAx>
+        <c:axId val="368816511"/>
+        <c:scaling>
+          <c:orientation val="minMax"/>
+        </c:scaling>
+        <c:delete val="1"/>
+        <c:axPos val="b"/>
+        <c:title>
+          <c:tx>
+            <c:rich>
+              <a:bodyPr rot="0" spcFirstLastPara="1" vertOverflow="ellipsis" vert="horz" wrap="square" anchor="ctr" anchorCtr="1"/>
+              <a:lstStyle/>
+              <a:p>
+                <a:pPr>
+                  <a:defRPr sz="2600" b="0" i="0" u="none" strike="noStrike" kern="1200" baseline="0">
+                    <a:solidFill>
+                      <a:schemeClr val="tx1">
+                        <a:lumMod val="65000"/>
+                        <a:lumOff val="35000"/>
+                      </a:schemeClr>
+                    </a:solidFill>
+                    <a:latin typeface="+mn-lt"/>
+                    <a:ea typeface="+mn-ea"/>
+                    <a:cs typeface="+mn-cs"/>
+                  </a:defRPr>
+                </a:pPr>
+                <a:r>
+                  <a:rPr lang="en-GB" dirty="0"/>
+                  <a:t>Levels</a:t>
+                </a:r>
+              </a:p>
+            </c:rich>
+          </c:tx>
+          <c:overlay val="0"/>
+          <c:spPr>
+            <a:noFill/>
+            <a:ln>
+              <a:noFill/>
+            </a:ln>
+            <a:effectLst/>
+          </c:spPr>
+          <c:txPr>
+            <a:bodyPr rot="0" spcFirstLastPara="1" vertOverflow="ellipsis" vert="horz" wrap="square" anchor="ctr" anchorCtr="1"/>
+            <a:lstStyle/>
+            <a:p>
+              <a:pPr>
+                <a:defRPr sz="2600" b="0" i="0" u="none" strike="noStrike" kern="1200" baseline="0">
+                  <a:solidFill>
+                    <a:schemeClr val="tx1">
+                      <a:lumMod val="65000"/>
+                      <a:lumOff val="35000"/>
+                    </a:schemeClr>
+                  </a:solidFill>
+                  <a:latin typeface="+mn-lt"/>
+                  <a:ea typeface="+mn-ea"/>
+                  <a:cs typeface="+mn-cs"/>
+                </a:defRPr>
+              </a:pPr>
+              <a:endParaRPr lang="en-US"/>
+            </a:p>
+          </c:txPr>
+        </c:title>
+        <c:numFmt formatCode="General" sourceLinked="1"/>
+        <c:majorTickMark val="none"/>
+        <c:minorTickMark val="none"/>
+        <c:tickLblPos val="low"/>
+        <c:crossAx val="368815263"/>
+        <c:crosses val="autoZero"/>
+        <c:auto val="1"/>
+        <c:lblAlgn val="ctr"/>
+        <c:lblOffset val="0"/>
+        <c:noMultiLvlLbl val="0"/>
+      </c:catAx>
+      <c:valAx>
+        <c:axId val="368815263"/>
+        <c:scaling>
+          <c:orientation val="minMax"/>
+        </c:scaling>
+        <c:delete val="0"/>
+        <c:axPos val="l"/>
+        <c:majorGridlines>
+          <c:spPr>
+            <a:ln w="9525" cap="flat" cmpd="sng" algn="ctr">
+              <a:solidFill>
+                <a:schemeClr val="tx1">
+                  <a:lumMod val="15000"/>
+                  <a:lumOff val="85000"/>
+                </a:schemeClr>
+              </a:solidFill>
+              <a:round/>
+            </a:ln>
+            <a:effectLst/>
+          </c:spPr>
+        </c:majorGridlines>
+        <c:title>
+          <c:tx>
+            <c:rich>
+              <a:bodyPr rot="-5400000" spcFirstLastPara="1" vertOverflow="ellipsis" vert="horz" wrap="square" anchor="ctr" anchorCtr="1"/>
+              <a:lstStyle/>
+              <a:p>
+                <a:pPr>
+                  <a:defRPr sz="2600" b="0" i="0" u="none" strike="noStrike" kern="1200" baseline="0">
+                    <a:solidFill>
+                      <a:schemeClr val="tx1">
+                        <a:lumMod val="65000"/>
+                        <a:lumOff val="35000"/>
+                      </a:schemeClr>
+                    </a:solidFill>
+                    <a:latin typeface="+mn-lt"/>
+                    <a:ea typeface="+mn-ea"/>
+                    <a:cs typeface="+mn-cs"/>
+                  </a:defRPr>
+                </a:pPr>
+                <a:r>
+                  <a:rPr lang="en-GB"/>
+                  <a:t>Accuracy</a:t>
+                </a:r>
+              </a:p>
+            </c:rich>
+          </c:tx>
+          <c:overlay val="0"/>
+          <c:spPr>
+            <a:noFill/>
+            <a:ln>
+              <a:noFill/>
+            </a:ln>
+            <a:effectLst/>
+          </c:spPr>
+          <c:txPr>
+            <a:bodyPr rot="-5400000" spcFirstLastPara="1" vertOverflow="ellipsis" vert="horz" wrap="square" anchor="ctr" anchorCtr="1"/>
+            <a:lstStyle/>
+            <a:p>
+              <a:pPr>
+                <a:defRPr sz="2600" b="0" i="0" u="none" strike="noStrike" kern="1200" baseline="0">
+                  <a:solidFill>
+                    <a:schemeClr val="tx1">
+                      <a:lumMod val="65000"/>
+                      <a:lumOff val="35000"/>
+                    </a:schemeClr>
+                  </a:solidFill>
+                  <a:latin typeface="+mn-lt"/>
+                  <a:ea typeface="+mn-ea"/>
+                  <a:cs typeface="+mn-cs"/>
+                </a:defRPr>
+              </a:pPr>
+              <a:endParaRPr lang="en-US"/>
+            </a:p>
+          </c:txPr>
+        </c:title>
+        <c:numFmt formatCode="General" sourceLinked="1"/>
+        <c:majorTickMark val="out"/>
+        <c:minorTickMark val="none"/>
+        <c:tickLblPos val="nextTo"/>
+        <c:spPr>
+          <a:noFill/>
+          <a:ln>
+            <a:noFill/>
+          </a:ln>
+          <a:effectLst/>
+        </c:spPr>
+        <c:txPr>
+          <a:bodyPr rot="-60000000" spcFirstLastPara="1" vertOverflow="ellipsis" vert="horz" wrap="square" anchor="ctr" anchorCtr="1"/>
+          <a:lstStyle/>
+          <a:p>
+            <a:pPr>
+              <a:defRPr sz="2600" b="0" i="0" u="none" strike="noStrike" kern="1200" baseline="0">
+                <a:solidFill>
+                  <a:schemeClr val="tx1">
+                    <a:lumMod val="65000"/>
+                    <a:lumOff val="35000"/>
+                  </a:schemeClr>
+                </a:solidFill>
+                <a:latin typeface="+mn-lt"/>
+                <a:ea typeface="+mn-ea"/>
+                <a:cs typeface="+mn-cs"/>
+              </a:defRPr>
+            </a:pPr>
+            <a:endParaRPr lang="en-US"/>
+          </a:p>
+        </c:txPr>
+        <c:crossAx val="368816511"/>
+        <c:crosses val="autoZero"/>
+        <c:crossBetween val="between"/>
+      </c:valAx>
+      <c:spPr>
+        <a:noFill/>
+        <a:ln>
+          <a:noFill/>
+        </a:ln>
+        <a:effectLst/>
+      </c:spPr>
+    </c:plotArea>
+    <c:plotVisOnly val="1"/>
+    <c:dispBlanksAs val="gap"/>
+    <c:extLst>
+      <c:ext xmlns:c16r3="http://schemas.microsoft.com/office/drawing/2017/03/chart" uri="{56B9EC1D-385E-4148-901F-78D8002777C0}">
+        <c16r3:dataDisplayOptions16>
+          <c16r3:dispNaAsBlank val="1"/>
+        </c16r3:dataDisplayOptions16>
+      </c:ext>
+    </c:extLst>
+    <c:showDLblsOverMax val="0"/>
+  </c:chart>
+  <c:spPr>
+    <a:noFill/>
+    <a:ln>
+      <a:noFill/>
+    </a:ln>
+    <a:effectLst/>
+  </c:spPr>
+  <c:txPr>
+    <a:bodyPr/>
+    <a:lstStyle/>
+    <a:p>
+      <a:pPr>
+        <a:defRPr sz="2600"/>
+      </a:pPr>
+      <a:endParaRPr lang="en-US"/>
+    </a:p>
+  </c:txPr>
+  <c:externalData r:id="rId3">
+    <c:autoUpdate val="0"/>
+  </c:externalData>
+</c:chartSpace>
+</file>
+
+<file path=ppt/charts/colors1.xml><?xml version="1.0" encoding="utf-8"?>
+<cs:colorStyle xmlns:cs="http://schemas.microsoft.com/office/drawing/2012/chartStyle" xmlns:a="http://schemas.openxmlformats.org/drawingml/2006/main" meth="cycle" id="10">
+  <a:schemeClr val="accent1"/>
+  <a:schemeClr val="accent2"/>
+  <a:schemeClr val="accent3"/>
+  <a:schemeClr val="accent4"/>
+  <a:schemeClr val="accent5"/>
+  <a:schemeClr val="accent6"/>
+  <cs:variation/>
+  <cs:variation>
+    <a:lumMod val="60000"/>
+  </cs:variation>
+  <cs:variation>
+    <a:lumMod val="80000"/>
+    <a:lumOff val="20000"/>
+  </cs:variation>
+  <cs:variation>
+    <a:lumMod val="80000"/>
+  </cs:variation>
+  <cs:variation>
+    <a:lumMod val="60000"/>
+    <a:lumOff val="40000"/>
+  </cs:variation>
+  <cs:variation>
+    <a:lumMod val="50000"/>
+  </cs:variation>
+  <cs:variation>
+    <a:lumMod val="70000"/>
+    <a:lumOff val="30000"/>
+  </cs:variation>
+  <cs:variation>
+    <a:lumMod val="70000"/>
+  </cs:variation>
+  <cs:variation>
+    <a:lumMod val="50000"/>
+    <a:lumOff val="50000"/>
+  </cs:variation>
+</cs:colorStyle>
+</file>
+
+<file path=ppt/charts/style1.xml><?xml version="1.0" encoding="utf-8"?>
+<cs:chartStyle xmlns:cs="http://schemas.microsoft.com/office/drawing/2012/chartStyle" xmlns:a="http://schemas.openxmlformats.org/drawingml/2006/main" id="227">
+  <cs:axisTitle>
+    <cs:lnRef idx="0"/>
+    <cs:fillRef idx="0"/>
+    <cs:effectRef idx="0"/>
+    <cs:fontRef idx="minor">
+      <a:schemeClr val="tx1">
+        <a:lumMod val="65000"/>
+        <a:lumOff val="35000"/>
+      </a:schemeClr>
+    </cs:fontRef>
+    <cs:defRPr sz="1330" kern="1200"/>
+  </cs:axisTitle>
+  <cs:categoryAxis>
+    <cs:lnRef idx="0"/>
+    <cs:fillRef idx="0"/>
+    <cs:effectRef idx="0"/>
+    <cs:fontRef idx="minor">
+      <a:schemeClr val="tx1">
+        <a:lumMod val="65000"/>
+        <a:lumOff val="35000"/>
+      </a:schemeClr>
+    </cs:fontRef>
+    <cs:spPr>
+      <a:ln w="9525" cap="flat" cmpd="sng" algn="ctr">
+        <a:solidFill>
+          <a:schemeClr val="tx1">
+            <a:lumMod val="15000"/>
+            <a:lumOff val="85000"/>
+          </a:schemeClr>
+        </a:solidFill>
+        <a:round/>
+      </a:ln>
+    </cs:spPr>
+    <cs:defRPr sz="1197" kern="1200"/>
+  </cs:categoryAxis>
+  <cs:chartArea mods="allowNoFillOverride allowNoLineOverride">
+    <cs:lnRef idx="0"/>
+    <cs:fillRef idx="0"/>
+    <cs:effectRef idx="0"/>
+    <cs:fontRef idx="minor">
+      <a:schemeClr val="tx1"/>
+    </cs:fontRef>
+    <cs:spPr>
+      <a:solidFill>
+        <a:schemeClr val="bg1"/>
+      </a:solidFill>
+      <a:ln w="9525" cap="flat" cmpd="sng" algn="ctr">
+        <a:solidFill>
+          <a:schemeClr val="tx1">
+            <a:lumMod val="15000"/>
+            <a:lumOff val="85000"/>
+          </a:schemeClr>
+        </a:solidFill>
+        <a:round/>
+      </a:ln>
+    </cs:spPr>
+    <cs:defRPr sz="1330" kern="1200"/>
+  </cs:chartArea>
+  <cs:dataLabel>
+    <cs:lnRef idx="0"/>
+    <cs:fillRef idx="0"/>
+    <cs:effectRef idx="0"/>
+    <cs:fontRef idx="minor">
+      <a:schemeClr val="tx1">
+        <a:lumMod val="75000"/>
+        <a:lumOff val="25000"/>
+      </a:schemeClr>
+    </cs:fontRef>
+    <cs:defRPr sz="1197" kern="1200"/>
+  </cs:dataLabel>
+  <cs:dataLabelCallout>
+    <cs:lnRef idx="0"/>
+    <cs:fillRef idx="0"/>
+    <cs:effectRef idx="0"/>
+    <cs:fontRef idx="minor">
+      <a:schemeClr val="dk1">
+        <a:lumMod val="65000"/>
+        <a:lumOff val="35000"/>
+      </a:schemeClr>
+    </cs:fontRef>
+    <cs:spPr>
+      <a:solidFill>
+        <a:schemeClr val="lt1"/>
+      </a:solidFill>
+      <a:ln>
+        <a:solidFill>
+          <a:schemeClr val="dk1">
+            <a:lumMod val="25000"/>
+            <a:lumOff val="75000"/>
+          </a:schemeClr>
+        </a:solidFill>
+      </a:ln>
+    </cs:spPr>
+    <cs:defRPr sz="1197" kern="1200"/>
+    <cs:bodyPr rot="0" spcFirstLastPara="1" vertOverflow="clip" horzOverflow="clip" vert="horz" wrap="square" lIns="36576" tIns="18288" rIns="36576" bIns="18288" anchor="ctr" anchorCtr="1">
+      <a:spAutoFit/>
+    </cs:bodyPr>
+  </cs:dataLabelCallout>
+  <cs:dataPoint>
+    <cs:lnRef idx="0"/>
+    <cs:fillRef idx="1">
+      <cs:styleClr val="auto"/>
+    </cs:fillRef>
+    <cs:effectRef idx="0"/>
+    <cs:fontRef idx="minor">
+      <a:schemeClr val="tx1"/>
+    </cs:fontRef>
+    <cs:spPr>
+      <a:solidFill>
+        <a:schemeClr val="phClr"/>
+      </a:solidFill>
+    </cs:spPr>
+  </cs:dataPoint>
+  <cs:dataPoint3D>
+    <cs:lnRef idx="0"/>
+    <cs:fillRef idx="1">
+      <cs:styleClr val="auto"/>
+    </cs:fillRef>
+    <cs:effectRef idx="0"/>
+    <cs:fontRef idx="minor">
+      <a:schemeClr val="tx1"/>
+    </cs:fontRef>
+    <cs:spPr>
+      <a:solidFill>
+        <a:schemeClr val="phClr"/>
+      </a:solidFill>
+    </cs:spPr>
+  </cs:dataPoint3D>
+  <cs:dataPointLine>
+    <cs:lnRef idx="0">
+      <cs:styleClr val="auto"/>
+    </cs:lnRef>
+    <cs:fillRef idx="1"/>
+    <cs:effectRef idx="0"/>
+    <cs:fontRef idx="minor">
+      <a:schemeClr val="tx1"/>
+    </cs:fontRef>
+    <cs:spPr>
+      <a:ln w="28575" cap="rnd">
+        <a:solidFill>
+          <a:schemeClr val="phClr"/>
+        </a:solidFill>
+        <a:round/>
+      </a:ln>
+    </cs:spPr>
+  </cs:dataPointLine>
+  <cs:dataPointMarker>
+    <cs:lnRef idx="0">
+      <cs:styleClr val="auto"/>
+    </cs:lnRef>
+    <cs:fillRef idx="1">
+      <cs:styleClr val="auto"/>
+    </cs:fillRef>
+    <cs:effectRef idx="0"/>
+    <cs:fontRef idx="minor">
+      <a:schemeClr val="tx1"/>
+    </cs:fontRef>
+    <cs:spPr>
+      <a:solidFill>
+        <a:schemeClr val="phClr"/>
+      </a:solidFill>
+      <a:ln w="9525">
+        <a:solidFill>
+          <a:schemeClr val="phClr"/>
+        </a:solidFill>
+      </a:ln>
+    </cs:spPr>
+  </cs:dataPointMarker>
+  <cs:dataPointMarkerLayout symbol="circle" size="5"/>
+  <cs:dataPointWireframe>
+    <cs:lnRef idx="0">
+      <cs:styleClr val="auto"/>
+    </cs:lnRef>
+    <cs:fillRef idx="1"/>
+    <cs:effectRef idx="0"/>
+    <cs:fontRef idx="minor">
+      <a:schemeClr val="tx1"/>
+    </cs:fontRef>
+    <cs:spPr>
+      <a:ln w="9525" cap="rnd">
+        <a:solidFill>
+          <a:schemeClr val="phClr"/>
+        </a:solidFill>
+        <a:round/>
+      </a:ln>
+    </cs:spPr>
+  </cs:dataPointWireframe>
+  <cs:dataTable>
+    <cs:lnRef idx="0"/>
+    <cs:fillRef idx="0"/>
+    <cs:effectRef idx="0"/>
+    <cs:fontRef idx="minor">
+      <a:schemeClr val="tx1">
+        <a:lumMod val="65000"/>
+        <a:lumOff val="35000"/>
+      </a:schemeClr>
+    </cs:fontRef>
+    <cs:spPr>
+      <a:noFill/>
+      <a:ln w="9525" cap="flat" cmpd="sng" algn="ctr">
+        <a:solidFill>
+          <a:schemeClr val="tx1">
+            <a:lumMod val="15000"/>
+            <a:lumOff val="85000"/>
+          </a:schemeClr>
+        </a:solidFill>
+        <a:round/>
+      </a:ln>
+    </cs:spPr>
+    <cs:defRPr sz="1197" kern="1200"/>
+  </cs:dataTable>
+  <cs:downBar>
+    <cs:lnRef idx="0"/>
+    <cs:fillRef idx="0"/>
+    <cs:effectRef idx="0"/>
+    <cs:fontRef idx="minor">
+      <a:schemeClr val="dk1"/>
+    </cs:fontRef>
+    <cs:spPr>
+      <a:solidFill>
+        <a:schemeClr val="dk1">
+          <a:lumMod val="65000"/>
+          <a:lumOff val="35000"/>
+        </a:schemeClr>
+      </a:solidFill>
+      <a:ln w="9525">
+        <a:solidFill>
+          <a:schemeClr val="tx1">
+            <a:lumMod val="65000"/>
+            <a:lumOff val="35000"/>
+          </a:schemeClr>
+        </a:solidFill>
+      </a:ln>
+    </cs:spPr>
+  </cs:downBar>
+  <cs:dropLine>
+    <cs:lnRef idx="0"/>
+    <cs:fillRef idx="0"/>
+    <cs:effectRef idx="0"/>
+    <cs:fontRef idx="minor">
+      <a:schemeClr val="tx1"/>
+    </cs:fontRef>
+    <cs:spPr>
+      <a:ln w="9525" cap="flat" cmpd="sng" algn="ctr">
+        <a:solidFill>
+          <a:schemeClr val="tx1">
+            <a:lumMod val="35000"/>
+            <a:lumOff val="65000"/>
+          </a:schemeClr>
+        </a:solidFill>
+        <a:round/>
+      </a:ln>
+    </cs:spPr>
+  </cs:dropLine>
+  <cs:errorBar>
+    <cs:lnRef idx="0"/>
+    <cs:fillRef idx="0"/>
+    <cs:effectRef idx="0"/>
+    <cs:fontRef idx="minor">
+      <a:schemeClr val="tx1"/>
+    </cs:fontRef>
+    <cs:spPr>
+      <a:ln w="9525" cap="flat" cmpd="sng" algn="ctr">
+        <a:solidFill>
+          <a:schemeClr val="tx1">
+            <a:lumMod val="65000"/>
+            <a:lumOff val="35000"/>
+          </a:schemeClr>
+        </a:solidFill>
+        <a:round/>
+      </a:ln>
+    </cs:spPr>
+  </cs:errorBar>
+  <cs:floor>
+    <cs:lnRef idx="0"/>
+    <cs:fillRef idx="0"/>
+    <cs:effectRef idx="0"/>
+    <cs:fontRef idx="minor">
+      <a:schemeClr val="tx1"/>
+    </cs:fontRef>
+    <cs:spPr>
+      <a:noFill/>
+      <a:ln>
+        <a:noFill/>
+      </a:ln>
+    </cs:spPr>
+  </cs:floor>
+  <cs:gridlineMajor>
+    <cs:lnRef idx="0"/>
+    <cs:fillRef idx="0"/>
+    <cs:effectRef idx="0"/>
+    <cs:fontRef idx="minor">
+      <a:schemeClr val="tx1"/>
+    </cs:fontRef>
+    <cs:spPr>
+      <a:ln w="9525" cap="flat" cmpd="sng" algn="ctr">
+        <a:solidFill>
+          <a:schemeClr val="tx1">
+            <a:lumMod val="15000"/>
+            <a:lumOff val="85000"/>
+          </a:schemeClr>
+        </a:solidFill>
+        <a:round/>
+      </a:ln>
+    </cs:spPr>
+  </cs:gridlineMajor>
+  <cs:gridlineMinor>
+    <cs:lnRef idx="0"/>
+    <cs:fillRef idx="0"/>
+    <cs:effectRef idx="0"/>
+    <cs:fontRef idx="minor">
+      <a:schemeClr val="tx1"/>
+    </cs:fontRef>
+    <cs:spPr>
+      <a:ln w="9525" cap="flat" cmpd="sng" algn="ctr">
+        <a:solidFill>
+          <a:schemeClr val="tx1">
+            <a:lumMod val="5000"/>
+            <a:lumOff val="95000"/>
+          </a:schemeClr>
+        </a:solidFill>
+        <a:round/>
+      </a:ln>
+    </cs:spPr>
+  </cs:gridlineMinor>
+  <cs:hiLoLine>
+    <cs:lnRef idx="0"/>
+    <cs:fillRef idx="0"/>
+    <cs:effectRef idx="0"/>
+    <cs:fontRef idx="minor">
+      <a:schemeClr val="tx1"/>
+    </cs:fontRef>
+    <cs:spPr>
+      <a:ln w="9525" cap="flat" cmpd="sng" algn="ctr">
+        <a:solidFill>
+          <a:schemeClr val="tx1">
+            <a:lumMod val="75000"/>
+            <a:lumOff val="25000"/>
+          </a:schemeClr>
+        </a:solidFill>
+        <a:round/>
+      </a:ln>
+    </cs:spPr>
+  </cs:hiLoLine>
+  <cs:leaderLine>
+    <cs:lnRef idx="0"/>
+    <cs:fillRef idx="0"/>
+    <cs:effectRef idx="0"/>
+    <cs:fontRef idx="minor">
+      <a:schemeClr val="tx1"/>
+    </cs:fontRef>
+    <cs:spPr>
+      <a:ln w="9525" cap="flat" cmpd="sng" algn="ctr">
+        <a:solidFill>
+          <a:schemeClr val="tx1">
+            <a:lumMod val="35000"/>
+            <a:lumOff val="65000"/>
+          </a:schemeClr>
+        </a:solidFill>
+        <a:round/>
+      </a:ln>
+    </cs:spPr>
+  </cs:leaderLine>
+  <cs:legend>
+    <cs:lnRef idx="0"/>
+    <cs:fillRef idx="0"/>
+    <cs:effectRef idx="0"/>
+    <cs:fontRef idx="minor">
+      <a:schemeClr val="tx1">
+        <a:lumMod val="65000"/>
+        <a:lumOff val="35000"/>
+      </a:schemeClr>
+    </cs:fontRef>
+    <cs:defRPr sz="1197" kern="1200"/>
+  </cs:legend>
+  <cs:plotArea mods="allowNoFillOverride allowNoLineOverride">
+    <cs:lnRef idx="0"/>
+    <cs:fillRef idx="0"/>
+    <cs:effectRef idx="0"/>
+    <cs:fontRef idx="minor">
+      <a:schemeClr val="tx1"/>
+    </cs:fontRef>
+  </cs:plotArea>
+  <cs:plotArea3D mods="allowNoFillOverride allowNoLineOverride">
+    <cs:lnRef idx="0"/>
+    <cs:fillRef idx="0"/>
+    <cs:effectRef idx="0"/>
+    <cs:fontRef idx="minor">
+      <a:schemeClr val="tx1"/>
+    </cs:fontRef>
+  </cs:plotArea3D>
+  <cs:seriesAxis>
+    <cs:lnRef idx="0"/>
+    <cs:fillRef idx="0"/>
+    <cs:effectRef idx="0"/>
+    <cs:fontRef idx="minor">
+      <a:schemeClr val="tx1">
+        <a:lumMod val="65000"/>
+        <a:lumOff val="35000"/>
+      </a:schemeClr>
+    </cs:fontRef>
+    <cs:defRPr sz="1197" kern="1200"/>
+  </cs:seriesAxis>
+  <cs:seriesLine>
+    <cs:lnRef idx="0"/>
+    <cs:fillRef idx="0"/>
+    <cs:effectRef idx="0"/>
+    <cs:fontRef idx="minor">
+      <a:schemeClr val="tx1"/>
+    </cs:fontRef>
+    <cs:spPr>
+      <a:ln w="9525" cap="flat" cmpd="sng" algn="ctr">
+        <a:solidFill>
+          <a:schemeClr val="tx1">
+            <a:lumMod val="35000"/>
+            <a:lumOff val="65000"/>
+          </a:schemeClr>
+        </a:solidFill>
+        <a:round/>
+      </a:ln>
+    </cs:spPr>
+  </cs:seriesLine>
+  <cs:title>
+    <cs:lnRef idx="0"/>
+    <cs:fillRef idx="0"/>
+    <cs:effectRef idx="0"/>
+    <cs:fontRef idx="minor">
+      <a:schemeClr val="tx1">
+        <a:lumMod val="65000"/>
+        <a:lumOff val="35000"/>
+      </a:schemeClr>
+    </cs:fontRef>
+    <cs:defRPr sz="1862" b="0" kern="1200" spc="0" baseline="0"/>
+  </cs:title>
+  <cs:trendline>
+    <cs:lnRef idx="0">
+      <cs:styleClr val="auto"/>
+    </cs:lnRef>
+    <cs:fillRef idx="0"/>
+    <cs:effectRef idx="0"/>
+    <cs:fontRef idx="minor">
+      <a:schemeClr val="tx1"/>
+    </cs:fontRef>
+    <cs:spPr>
+      <a:ln w="19050" cap="rnd">
+        <a:solidFill>
+          <a:schemeClr val="phClr"/>
+        </a:solidFill>
+        <a:prstDash val="sysDot"/>
+      </a:ln>
+    </cs:spPr>
+  </cs:trendline>
+  <cs:trendlineLabel>
+    <cs:lnRef idx="0"/>
+    <cs:fillRef idx="0"/>
+    <cs:effectRef idx="0"/>
+    <cs:fontRef idx="minor">
+      <a:schemeClr val="tx1">
+        <a:lumMod val="65000"/>
+        <a:lumOff val="35000"/>
+      </a:schemeClr>
+    </cs:fontRef>
+    <cs:defRPr sz="1197" kern="1200"/>
+  </cs:trendlineLabel>
+  <cs:upBar>
+    <cs:lnRef idx="0"/>
+    <cs:fillRef idx="0"/>
+    <cs:effectRef idx="0"/>
+    <cs:fontRef idx="minor">
+      <a:schemeClr val="dk1"/>
+    </cs:fontRef>
+    <cs:spPr>
+      <a:solidFill>
+        <a:schemeClr val="lt1"/>
+      </a:solidFill>
+      <a:ln w="9525">
+        <a:solidFill>
+          <a:schemeClr val="tx1">
+            <a:lumMod val="15000"/>
+            <a:lumOff val="85000"/>
+          </a:schemeClr>
+        </a:solidFill>
+      </a:ln>
+    </cs:spPr>
+  </cs:upBar>
+  <cs:valueAxis>
+    <cs:lnRef idx="0"/>
+    <cs:fillRef idx="0"/>
+    <cs:effectRef idx="0"/>
+    <cs:fontRef idx="minor">
+      <a:schemeClr val="tx1">
+        <a:lumMod val="65000"/>
+        <a:lumOff val="35000"/>
+      </a:schemeClr>
+    </cs:fontRef>
+    <cs:defRPr sz="1197" kern="1200"/>
+  </cs:valueAxis>
+  <cs:wall>
+    <cs:lnRef idx="0"/>
+    <cs:fillRef idx="0"/>
+    <cs:effectRef idx="0"/>
+    <cs:fontRef idx="minor">
+      <a:schemeClr val="tx1"/>
+    </cs:fontRef>
+    <cs:spPr>
+      <a:noFill/>
+      <a:ln>
+        <a:noFill/>
+      </a:ln>
+    </cs:spPr>
+  </cs:wall>
+</cs:chartStyle>
+</file>
+
+<file path=ppt/diagrams/colors1.xml><?xml version="1.0" encoding="utf-8"?>
+<dgm:colorsDef xmlns:dgm="http://schemas.openxmlformats.org/drawingml/2006/diagram" xmlns:a="http://schemas.openxmlformats.org/drawingml/2006/main" uniqueId="urn:microsoft.com/office/officeart/2005/8/colors/colorful1">
+  <dgm:title val=""/>
+  <dgm:desc val=""/>
+  <dgm:catLst>
+    <dgm:cat type="colorful" pri="10100"/>
+  </dgm:catLst>
+  <dgm:styleLbl name="node0">
+    <dgm:fillClrLst meth="repeat">
+      <a:schemeClr val="accent1"/>
+    </dgm:fillClrLst>
+    <dgm:linClrLst meth="repeat">
+      <a:schemeClr val="lt1"/>
+    </dgm:linClrLst>
+    <dgm:effectClrLst/>
+    <dgm:txLinClrLst/>
+    <dgm:txFillClrLst/>
+    <dgm:txEffectClrLst/>
+  </dgm:styleLbl>
+  <dgm:styleLbl name="node1">
+    <dgm:fillClrLst meth="repeat">
+      <a:schemeClr val="accent2"/>
+      <a:schemeClr val="accent3"/>
+      <a:schemeClr val="accent4"/>
+      <a:schemeClr val="accent5"/>
+      <a:schemeClr val="accent6"/>
+    </dgm:fillClrLst>
+    <dgm:linClrLst meth="repeat">
+      <a:schemeClr val="lt1"/>
+    </dgm:linClrLst>
+    <dgm:effectClrLst/>
+    <dgm:txLinClrLst/>
+    <dgm:txFillClrLst/>
+    <dgm:txEffectClrLst/>
+  </dgm:styleLbl>
+  <dgm:styleLbl name="alignNode1">
+    <dgm:fillClrLst meth="repeat">
+      <a:schemeClr val="accent2"/>
+      <a:schemeClr val="accent3"/>
+      <a:schemeClr val="accent4"/>
+      <a:schemeClr val="accent5"/>
+      <a:schemeClr val="accent6"/>
+    </dgm:fillClrLst>
+    <dgm:linClrLst meth="repeat">
+      <a:schemeClr val="accent2"/>
+      <a:schemeClr val="accent3"/>
+      <a:schemeClr val="accent4"/>
+      <a:schemeClr val="accent5"/>
+      <a:schemeClr val="accent6"/>
+    </dgm:linClrLst>
+    <dgm:effectClrLst/>
+    <dgm:txLinClrLst/>
+    <dgm:txFillClrLst/>
+    <dgm:txEffectClrLst/>
+  </dgm:styleLbl>
+  <dgm:styleLbl name="lnNode1">
+    <dgm:fillClrLst meth="repeat">
+      <a:schemeClr val="accent2"/>
+      <a:schemeClr val="accent3"/>
+      <a:schemeClr val="accent4"/>
+      <a:schemeClr val="accent5"/>
+      <a:schemeClr val="accent6"/>
+    </dgm:fillClrLst>
+    <dgm:linClrLst meth="repeat">
+      <a:schemeClr val="lt1"/>
+    </dgm:linClrLst>
+    <dgm:effectClrLst/>
+    <dgm:txLinClrLst/>
+    <dgm:txFillClrLst/>
+    <dgm:txEffectClrLst/>
+  </dgm:styleLbl>
+  <dgm:styleLbl name="vennNode1">
+    <dgm:fillClrLst meth="repeat">
+      <a:schemeClr val="accent2">
+        <a:alpha val="50000"/>
+      </a:schemeClr>
+      <a:schemeClr val="accent3">
+        <a:alpha val="50000"/>
+      </a:schemeClr>
+      <a:schemeClr val="accent4">
+        <a:alpha val="50000"/>
+      </a:schemeClr>
+      <a:schemeClr val="accent5">
+        <a:alpha val="50000"/>
+      </a:schemeClr>
+      <a:schemeClr val="accent6">
+        <a:alpha val="50000"/>
+      </a:schemeClr>
+    </dgm:fillClrLst>
+    <dgm:linClrLst meth="repeat">
+      <a:schemeClr val="lt1"/>
+    </dgm:linClrLst>
+    <dgm:effectClrLst/>
+    <dgm:txLinClrLst/>
+    <dgm:txFillClrLst/>
+    <dgm:txEffectClrLst/>
+  </dgm:styleLbl>
+  <dgm:styleLbl name="node2">
+    <dgm:fillClrLst>
+      <a:schemeClr val="accent2"/>
+    </dgm:fillClrLst>
+    <dgm:linClrLst meth="repeat">
+      <a:schemeClr val="lt1"/>
+    </dgm:linClrLst>
+    <dgm:effectClrLst/>
+    <dgm:txLinClrLst/>
+    <dgm:txFillClrLst/>
+    <dgm:txEffectClrLst/>
+  </dgm:styleLbl>
+  <dgm:styleLbl name="node3">
+    <dgm:fillClrLst>
+      <a:schemeClr val="accent3"/>
+    </dgm:fillClrLst>
+    <dgm:linClrLst meth="repeat">
+      <a:schemeClr val="lt1"/>
+    </dgm:linClrLst>
+    <dgm:effectClrLst/>
+    <dgm:txLinClrLst/>
+    <dgm:txFillClrLst/>
+    <dgm:txEffectClrLst/>
+  </dgm:styleLbl>
+  <dgm:styleLbl name="node4">
+    <dgm:fillClrLst>
+      <a:schemeClr val="accent4"/>
+    </dgm:fillClrLst>
+    <dgm:linClrLst meth="repeat">
+      <a:schemeClr val="lt1"/>
+    </dgm:linClrLst>
+    <dgm:effectClrLst/>
+    <dgm:txLinClrLst/>
+    <dgm:txFillClrLst/>
+    <dgm:txEffectClrLst/>
+  </dgm:styleLbl>
+  <dgm:styleLbl name="fgImgPlace1">
+    <dgm:fillClrLst meth="repeat">
+      <a:schemeClr val="accent2">
+        <a:tint val="50000"/>
+      </a:schemeClr>
+      <a:schemeClr val="accent3">
+        <a:tint val="50000"/>
+      </a:schemeClr>
+      <a:schemeClr val="accent4">
+        <a:tint val="50000"/>
+      </a:schemeClr>
+      <a:schemeClr val="accent5">
+        <a:tint val="50000"/>
+      </a:schemeClr>
+      <a:schemeClr val="accent6">
+        <a:tint val="50000"/>
+      </a:schemeClr>
+    </dgm:fillClrLst>
+    <dgm:linClrLst meth="repeat">
+      <a:schemeClr val="lt1"/>
+    </dgm:linClrLst>
+    <dgm:effectClrLst/>
+    <dgm:txLinClrLst/>
+    <dgm:txFillClrLst meth="repeat">
+      <a:schemeClr val="lt1"/>
+    </dgm:txFillClrLst>
+    <dgm:txEffectClrLst/>
+  </dgm:styleLbl>
+  <dgm:styleLbl name="alignImgPlace1">
+    <dgm:fillClrLst>
+      <a:schemeClr val="accent1">
+        <a:tint val="50000"/>
+      </a:schemeClr>
+      <a:schemeClr val="accent2">
+        <a:tint val="20000"/>
+      </a:schemeClr>
+    </dgm:fillClrLst>
+    <dgm:linClrLst meth="repeat">
+      <a:schemeClr val="lt1"/>
+    </dgm:linClrLst>
+    <dgm:effectClrLst/>
+    <dgm:txLinClrLst/>
+    <dgm:txFillClrLst meth="repeat">
+      <a:schemeClr val="lt1"/>
+    </dgm:txFillClrLst>
+    <dgm:txEffectClrLst/>
+  </dgm:styleLbl>
+  <dgm:styleLbl name="bgImgPlace1">
+    <dgm:fillClrLst>
+      <a:schemeClr val="accent1">
+        <a:tint val="50000"/>
+      </a:schemeClr>
+      <a:schemeClr val="accent2">
+        <a:tint val="20000"/>
+      </a:schemeClr>
+    </dgm:fillClrLst>
+    <dgm:linClrLst meth="repeat">
+      <a:schemeClr val="lt1"/>
+    </dgm:linClrLst>
+    <dgm:effectClrLst/>
+    <dgm:txLinClrLst/>
+    <dgm:txFillClrLst meth="repeat">
+      <a:schemeClr val="lt1"/>
+    </dgm:txFillClrLst>
+    <dgm:txEffectClrLst/>
+  </dgm:styleLbl>
+  <dgm:styleLbl name="sibTrans2D1">
+    <dgm:fillClrLst meth="repeat">
+      <a:schemeClr val="accent2"/>
+      <a:schemeClr val="accent3"/>
+      <a:schemeClr val="accent4"/>
+      <a:schemeClr val="accent5"/>
+      <a:schemeClr val="accent6"/>
+    </dgm:fillClrLst>
+    <dgm:linClrLst meth="cycle">
+      <a:schemeClr val="lt1"/>
+    </dgm:linClrLst>
+    <dgm:effectClrLst/>
+    <dgm:txLinClrLst/>
+    <dgm:txFillClrLst/>
+    <dgm:txEffectClrLst/>
+  </dgm:styleLbl>
+  <dgm:styleLbl name="fgSibTrans2D1">
+    <dgm:fillClrLst meth="repeat">
+      <a:schemeClr val="accent2"/>
+      <a:schemeClr val="accent3"/>
+      <a:schemeClr val="accent4"/>
+      <a:schemeClr val="accent5"/>
+      <a:schemeClr val="accent6"/>
+    </dgm:fillClrLst>
+    <dgm:linClrLst meth="cycle">
+      <a:schemeClr val="lt1"/>
+    </dgm:linClrLst>
+    <dgm:effectClrLst/>
+    <dgm:txLinClrLst/>
+    <dgm:txFillClrLst meth="repeat">
+      <a:schemeClr val="lt1"/>
+    </dgm:txFillClrLst>
+    <dgm:txEffectClrLst/>
+  </dgm:styleLbl>
+  <dgm:styleLbl name="bgSibTrans2D1">
+    <dgm:fillClrLst meth="repeat">
+      <a:schemeClr val="accent2"/>
+      <a:schemeClr val="accent3"/>
+      <a:schemeClr val="accent4"/>
+      <a:schemeClr val="accent5"/>
+      <a:schemeClr val="accent6"/>
+    </dgm:fillClrLst>
+    <dgm:linClrLst meth="cycle">
+      <a:schemeClr val="lt1"/>
+    </dgm:linClrLst>
+    <dgm:effectClrLst/>
+    <dgm:txLinClrLst/>
+    <dgm:txFillClrLst meth="repeat">
+      <a:schemeClr val="lt1"/>
+    </dgm:txFillClrLst>
+    <dgm:txEffectClrLst/>
+  </dgm:styleLbl>
+  <dgm:styleLbl name="sibTrans1D1">
+    <dgm:fillClrLst meth="repeat">
+      <a:schemeClr val="accent2"/>
+      <a:schemeClr val="accent3"/>
+      <a:schemeClr val="accent4"/>
+      <a:schemeClr val="accent5"/>
+      <a:schemeClr val="accent6"/>
+    </dgm:fillClrLst>
+    <dgm:linClrLst meth="repeat">
+      <a:schemeClr val="accent2"/>
+      <a:schemeClr val="accent3"/>
+      <a:schemeClr val="accent4"/>
+      <a:schemeClr val="accent5"/>
+      <a:schemeClr val="accent6"/>
+    </dgm:linClrLst>
+    <dgm:effectClrLst/>
+    <dgm:txLinClrLst/>
+    <dgm:txFillClrLst meth="repeat">
+      <a:schemeClr val="tx1"/>
+    </dgm:txFillClrLst>
+    <dgm:txEffectClrLst/>
+  </dgm:styleLbl>
+  <dgm:styleLbl name="callout">
+    <dgm:fillClrLst meth="repeat">
+      <a:schemeClr val="accent2"/>
+    </dgm:fillClrLst>
+    <dgm:linClrLst meth="repeat">
+      <a:schemeClr val="accent2">
+        <a:tint val="50000"/>
+      </a:schemeClr>
+    </dgm:linClrLst>
+    <dgm:effectClrLst/>
+    <dgm:txLinClrLst/>
+    <dgm:txFillClrLst meth="repeat">
+      <a:schemeClr val="tx1"/>
+    </dgm:txFillClrLst>
+    <dgm:txEffectClrLst/>
+  </dgm:styleLbl>
+  <dgm:styleLbl name="asst0">
+    <dgm:fillClrLst meth="repeat">
+      <a:schemeClr val="accent1"/>
+    </dgm:fillClrLst>
+    <dgm:linClrLst meth="repeat">
+      <a:schemeClr val="lt1"/>
+    </dgm:linClrLst>
+    <dgm:effectClrLst/>
+    <dgm:txLinClrLst/>
+    <dgm:txFillClrLst/>
+    <dgm:txEffectClrLst/>
+  </dgm:styleLbl>
+  <dgm:styleLbl name="asst1">
+    <dgm:fillClrLst meth="repeat">
+      <a:schemeClr val="accent2"/>
+    </dgm:fillClrLst>
+    <dgm:linClrLst meth="repeat">
+      <a:schemeClr val="lt1"/>
+    </dgm:linClrLst>
+    <dgm:effectClrLst/>
+    <dgm:txLinClrLst/>
+    <dgm:txFillClrLst/>
+    <dgm:txEffectClrLst/>
+  </dgm:styleLbl>
+  <dgm:styleLbl name="asst2">
+    <dgm:fillClrLst>
+      <a:schemeClr val="accent3"/>
+    </dgm:fillClrLst>
+    <dgm:linClrLst meth="repeat">
+      <a:schemeClr val="lt1"/>
+    </dgm:linClrLst>
+    <dgm:effectClrLst/>
+    <dgm:txLinClrLst/>
+    <dgm:txFillClrLst/>
+    <dgm:txEffectClrLst/>
+  </dgm:styleLbl>
+  <dgm:styleLbl name="asst3">
+    <dgm:fillClrLst>
+      <a:schemeClr val="accent4"/>
+    </dgm:fillClrLst>
+    <dgm:linClrLst meth="repeat">
+      <a:schemeClr val="lt1"/>
+    </dgm:linClrLst>
+    <dgm:effectClrLst/>
+    <dgm:txLinClrLst/>
+    <dgm:txFillClrLst/>
+    <dgm:txEffectClrLst/>
+  </dgm:styleLbl>
+  <dgm:styleLbl name="asst4">
+    <dgm:fillClrLst>
+      <a:schemeClr val="accent5"/>
+    </dgm:fillClrLst>
+    <dgm:linClrLst meth="repeat">
+      <a:schemeClr val="lt1"/>
+    </dgm:linClrLst>
+    <dgm:effectClrLst/>
+    <dgm:txLinClrLst/>
+    <dgm:txFillClrLst/>
+    <dgm:txEffectClrLst/>
+  </dgm:styleLbl>
+  <dgm:styleLbl name="parChTrans2D1">
+    <dgm:fillClrLst meth="repeat">
+      <a:schemeClr val="accent2"/>
+    </dgm:fillClrLst>
+    <dgm:linClrLst meth="repeat">
+      <a:schemeClr val="lt1"/>
+    </dgm:linClrLst>
+    <dgm:effectClrLst/>
+    <dgm:txLinClrLst/>
+    <dgm:txFillClrLst meth="repeat">
+      <a:schemeClr val="lt1"/>
+    </dgm:txFillClrLst>
+    <dgm:txEffectClrLst/>
+  </dgm:styleLbl>
+  <dgm:styleLbl name="parChTrans2D2">
+    <dgm:fillClrLst meth="repeat">
+      <a:schemeClr val="accent3"/>
+    </dgm:fillClrLst>
+    <dgm:linClrLst meth="repeat">
+      <a:schemeClr val="lt1"/>
+    </dgm:linClrLst>
+    <dgm:effectClrLst/>
+    <dgm:txLinClrLst/>
+    <dgm:txFillClrLst/>
+    <dgm:txEffectClrLst/>
+  </dgm:styleLbl>
+  <dgm:styleLbl name="parChTrans2D3">
+    <dgm:fillClrLst meth="repeat">
+      <a:schemeClr val="accent4"/>
+    </dgm:fillClrLst>
+    <dgm:linClrLst meth="repeat">
+      <a:schemeClr val="lt1"/>
+    </dgm:linClrLst>
+    <dgm:effectClrLst/>
+    <dgm:txLinClrLst/>
+    <dgm:txFillClrLst/>
+    <dgm:txEffectClrLst/>
+  </dgm:styleLbl>
+  <dgm:styleLbl name="parChTrans2D4">
+    <dgm:fillClrLst meth="repeat">
+      <a:schemeClr val="accent5"/>
+    </dgm:fillClrLst>
+    <dgm:linClrLst meth="repeat">
+      <a:schemeClr val="lt1"/>
+    </dgm:linClrLst>
+    <dgm:effectClrLst/>
+    <dgm:txLinClrLst/>
+    <dgm:txFillClrLst meth="repeat">
+      <a:schemeClr val="lt1"/>
+    </dgm:txFillClrLst>
+    <dgm:txEffectClrLst/>
+  </dgm:styleLbl>
+  <dgm:styleLbl name="parChTrans1D1">
+    <dgm:fillClrLst meth="repeat">
+      <a:schemeClr val="accent2"/>
+    </dgm:fillClrLst>
+    <dgm:linClrLst meth="repeat">
+      <a:schemeClr val="accent1"/>
+    </dgm:linClrLst>
+    <dgm:effectClrLst/>
+    <dgm:txLinClrLst/>
+    <dgm:txFillClrLst meth="repeat">
+      <a:schemeClr val="tx1"/>
+    </dgm:txFillClrLst>
+    <dgm:txEffectClrLst/>
+  </dgm:styleLbl>
+  <dgm:styleLbl name="parChTrans1D2">
+    <dgm:fillClrLst meth="repeat">
+      <a:schemeClr val="accent3">
+        <a:tint val="90000"/>
+      </a:schemeClr>
+    </dgm:fillClrLst>
+    <dgm:linClrLst meth="repeat">
+      <a:schemeClr val="accent2"/>
+    </dgm:linClrLst>
+    <dgm:effectClrLst/>
+    <dgm:txLinClrLst/>
+    <dgm:txFillClrLst meth="repeat">
+      <a:schemeClr val="tx1"/>
+    </dgm:txFillClrLst>
+    <dgm:txEffectClrLst/>
+  </dgm:styleLbl>
+  <dgm:styleLbl name="parChTrans1D3">
+    <dgm:fillClrLst meth="repeat">
+      <a:schemeClr val="accent4">
+        <a:tint val="70000"/>
+      </a:schemeClr>
+    </dgm:fillClrLst>
+    <dgm:linClrLst meth="repeat">
+      <a:schemeClr val="accent3"/>
+    </dgm:linClrLst>
+    <dgm:effectClrLst/>
+    <dgm:txLinClrLst/>
+    <dgm:txFillClrLst meth="repeat">
+      <a:schemeClr val="tx1"/>
+    </dgm:txFillClrLst>
+    <dgm:txEffectClrLst/>
+  </dgm:styleLbl>
+  <dgm:styleLbl name="parChTrans1D4">
+    <dgm:fillClrLst meth="repeat">
+      <a:schemeClr val="accent5">
+        <a:tint val="50000"/>
+      </a:schemeClr>
+    </dgm:fillClrLst>
+    <dgm:linClrLst meth="repeat">
+      <a:schemeClr val="accent4"/>
+    </dgm:linClrLst>
+    <dgm:effectClrLst/>
+    <dgm:txLinClrLst/>
+    <dgm:txFillClrLst meth="repeat">
+      <a:schemeClr val="tx1"/>
+    </dgm:txFillClrLst>
+    <dgm:txEffectClrLst/>
+  </dgm:styleLbl>
+  <dgm:styleLbl name="fgAcc1">
+    <dgm:fillClrLst meth="repeat">
+      <a:schemeClr val="lt1">
+        <a:alpha val="90000"/>
+      </a:schemeClr>
+    </dgm:fillClrLst>
+    <dgm:linClrLst meth="repeat">
+      <a:schemeClr val="accent2"/>
+      <a:schemeClr val="accent3"/>
+      <a:schemeClr val="accent4"/>
+      <a:schemeClr val="accent5"/>
+      <a:schemeClr val="accent6"/>
+    </dgm:linClrLst>
+    <dgm:effectClrLst/>
+    <dgm:txLinClrLst/>
+    <dgm:txFillClrLst meth="repeat">
+      <a:schemeClr val="dk1"/>
+    </dgm:txFillClrLst>
+    <dgm:txEffectClrLst/>
+  </dgm:styleLbl>
+  <dgm:styleLbl name="conFgAcc1">
+    <dgm:fillClrLst meth="repeat">
+      <a:schemeClr val="lt1">
+        <a:alpha val="90000"/>
+      </a:schemeClr>
+    </dgm:fillClrLst>
+    <dgm:linClrLst meth="repeat">
+      <a:schemeClr val="accent2"/>
+      <a:schemeClr val="accent3"/>
+      <a:schemeClr val="accent4"/>
+      <a:schemeClr val="accent5"/>
+      <a:schemeClr val="accent6"/>
+    </dgm:linClrLst>
+    <dgm:effectClrLst/>
+    <dgm:txLinClrLst/>
+    <dgm:txFillClrLst meth="repeat">
+      <a:schemeClr val="dk1"/>
+    </dgm:txFillClrLst>
+    <dgm:txEffectClrLst/>
+  </dgm:styleLbl>
+  <dgm:styleLbl name="alignAcc1">
+    <dgm:fillClrLst meth="repeat">
+      <a:schemeClr val="lt1">
+        <a:alpha val="90000"/>
+      </a:schemeClr>
+    </dgm:fillClrLst>
+    <dgm:linClrLst meth="repeat">
+      <a:schemeClr val="accent2"/>
+      <a:schemeClr val="accent3"/>
+      <a:schemeClr val="accent4"/>
+      <a:schemeClr val="accent5"/>
+      <a:schemeClr val="accent6"/>
+    </dgm:linClrLst>
+    <dgm:effectClrLst/>
+    <dgm:txLinClrLst/>
+    <dgm:txFillClrLst meth="repeat">
+      <a:schemeClr val="dk1"/>
+    </dgm:txFillClrLst>
+    <dgm:txEffectClrLst/>
+  </dgm:styleLbl>
+  <dgm:styleLbl name="trAlignAcc1">
+    <dgm:fillClrLst meth="repeat">
+      <a:schemeClr val="lt1">
+        <a:alpha val="40000"/>
+      </a:schemeClr>
+    </dgm:fillClrLst>
+    <dgm:linClrLst meth="repeat">
+      <a:schemeClr val="accent1"/>
+    </dgm:linClrLst>
+    <dgm:effectClrLst/>
+    <dgm:txLinClrLst/>
+    <dgm:txFillClrLst meth="repeat">
+      <a:schemeClr val="dk1"/>
+    </dgm:txFillClrLst>
+    <dgm:txEffectClrLst/>
+  </dgm:styleLbl>
+  <dgm:styleLbl name="bgAcc1">
+    <dgm:fillClrLst meth="repeat">
+      <a:schemeClr val="lt1">
+        <a:alpha val="90000"/>
+      </a:schemeClr>
+    </dgm:fillClrLst>
+    <dgm:linClrLst meth="repeat">
+      <a:schemeClr val="accent2"/>
+      <a:schemeClr val="accent3"/>
+      <a:schemeClr val="accent4"/>
+      <a:schemeClr val="accent5"/>
+      <a:schemeClr val="accent6"/>
+    </dgm:linClrLst>
+    <dgm:effectClrLst/>
+    <dgm:txLinClrLst/>
+    <dgm:txFillClrLst meth="repeat">
+      <a:schemeClr val="dk1"/>
+    </dgm:txFillClrLst>
+    <dgm:txEffectClrLst/>
+  </dgm:styleLbl>
+  <dgm:styleLbl name="solidFgAcc1">
+    <dgm:fillClrLst meth="repeat">
+      <a:schemeClr val="lt1"/>
+    </dgm:fillClrLst>
+    <dgm:linClrLst meth="repeat">
+      <a:schemeClr val="accent2"/>
+      <a:schemeClr val="accent3"/>
+      <a:schemeClr val="accent4"/>
+      <a:schemeClr val="accent5"/>
+      <a:schemeClr val="accent6"/>
+    </dgm:linClrLst>
+    <dgm:effectClrLst/>
+    <dgm:txLinClrLst/>
+    <dgm:txFillClrLst meth="repeat">
+      <a:schemeClr val="dk1"/>
+    </dgm:txFillClrLst>
+    <dgm:txEffectClrLst/>
+  </dgm:styleLbl>
+  <dgm:styleLbl name="solidAlignAcc1">
+    <dgm:fillClrLst meth="repeat">
+      <a:schemeClr val="lt1"/>
+    </dgm:fillClrLst>
+    <dgm:linClrLst meth="repeat">
+      <a:schemeClr val="accent2"/>
+      <a:schemeClr val="accent3"/>
+      <a:schemeClr val="accent4"/>
+      <a:schemeClr val="accent5"/>
+      <a:schemeClr val="accent6"/>
+    </dgm:linClrLst>
+    <dgm:effectClrLst/>
+    <dgm:txLinClrLst/>
+    <dgm:txFillClrLst meth="repeat">
+      <a:schemeClr val="dk1"/>
+    </dgm:txFillClrLst>
+    <dgm:txEffectClrLst/>
+  </dgm:styleLbl>
+  <dgm:styleLbl name="solidBgAcc1">
+    <dgm:fillClrLst meth="repeat">
+      <a:schemeClr val="lt1"/>
+    </dgm:fillClrLst>
+    <dgm:linClrLst meth="repeat">
+      <a:schemeClr val="accent2"/>
+      <a:schemeClr val="accent3"/>
+      <a:schemeClr val="accent4"/>
+      <a:schemeClr val="accent5"/>
+      <a:schemeClr val="accent6"/>
+    </dgm:linClrLst>
+    <dgm:effectClrLst/>
+    <dgm:txLinClrLst/>
+    <dgm:txFillClrLst meth="repeat">
+      <a:schemeClr val="dk1"/>
+    </dgm:txFillClrLst>
+    <dgm:txEffectClrLst/>
+  </dgm:styleLbl>
+  <dgm:styleLbl name="fgAccFollowNode1">
+    <dgm:fillClrLst meth="repeat">
+      <a:schemeClr val="accent2">
+        <a:tint val="40000"/>
+        <a:alpha val="90000"/>
+      </a:schemeClr>
+      <a:schemeClr val="accent3">
+        <a:tint val="40000"/>
+        <a:alpha val="90000"/>
+      </a:schemeClr>
+      <a:schemeClr val="accent4">
+        <a:tint val="40000"/>
+        <a:alpha val="90000"/>
+      </a:schemeClr>
+      <a:schemeClr val="accent5">
+        <a:tint val="40000"/>
+        <a:alpha val="90000"/>
+      </a:schemeClr>
+      <a:schemeClr val="accent6">
+        <a:tint val="40000"/>
+        <a:alpha val="90000"/>
+      </a:schemeClr>
+    </dgm:fillClrLst>
+    <dgm:linClrLst meth="repeat">
+      <a:schemeClr val="accent2">
+        <a:tint val="40000"/>
+        <a:alpha val="90000"/>
+      </a:schemeClr>
+      <a:schemeClr val="accent3">
+        <a:tint val="40000"/>
+        <a:alpha val="90000"/>
+      </a:schemeClr>
+      <a:schemeClr val="accent4">
+        <a:tint val="40000"/>
+        <a:alpha val="90000"/>
+      </a:schemeClr>
+      <a:schemeClr val="accent5">
+        <a:tint val="40000"/>
+        <a:alpha val="90000"/>
+      </a:schemeClr>
+      <a:schemeClr val="accent6">
+        <a:tint val="40000"/>
+        <a:alpha val="90000"/>
+      </a:schemeClr>
+    </dgm:linClrLst>
+    <dgm:effectClrLst/>
+    <dgm:txLinClrLst/>
+    <dgm:txFillClrLst meth="repeat">
+      <a:schemeClr val="dk1"/>
+    </dgm:txFillClrLst>
+    <dgm:txEffectClrLst/>
+  </dgm:styleLbl>
+  <dgm:styleLbl name="alignAccFollowNode1">
+    <dgm:fillClrLst meth="repeat">
+      <a:schemeClr val="accent2">
+        <a:tint val="40000"/>
+        <a:alpha val="90000"/>
+      </a:schemeClr>
+      <a:schemeClr val="accent3">
+        <a:tint val="40000"/>
+        <a:alpha val="90000"/>
+      </a:schemeClr>
+      <a:schemeClr val="accent4">
+        <a:tint val="40000"/>
+        <a:alpha val="90000"/>
+      </a:schemeClr>
+      <a:schemeClr val="accent5">
+        <a:tint val="40000"/>
+        <a:alpha val="90000"/>
+      </a:schemeClr>
+      <a:schemeClr val="accent6">
+        <a:tint val="40000"/>
+        <a:alpha val="90000"/>
+      </a:schemeClr>
+    </dgm:fillClrLst>
+    <dgm:linClrLst meth="repeat">
+      <a:schemeClr val="accent2">
+        <a:tint val="40000"/>
+        <a:alpha val="90000"/>
+      </a:schemeClr>
+      <a:schemeClr val="accent3">
+        <a:tint val="40000"/>
+        <a:alpha val="90000"/>
+      </a:schemeClr>
+      <a:schemeClr val="accent4">
+        <a:tint val="40000"/>
+        <a:alpha val="90000"/>
+      </a:schemeClr>
+      <a:schemeClr val="accent5">
+        <a:tint val="40000"/>
+        <a:alpha val="90000"/>
+      </a:schemeClr>
+      <a:schemeClr val="accent6">
+        <a:tint val="40000"/>
+        <a:alpha val="90000"/>
+      </a:schemeClr>
+    </dgm:linClrLst>
+    <dgm:effectClrLst/>
+    <dgm:txLinClrLst/>
+    <dgm:txFillClrLst meth="repeat">
+      <a:schemeClr val="dk1"/>
+    </dgm:txFillClrLst>
+    <dgm:txEffectClrLst/>
+  </dgm:styleLbl>
+  <dgm:styleLbl name="bgAccFollowNode1">
+    <dgm:fillClrLst meth="repeat">
+      <a:schemeClr val="accent2">
+        <a:tint val="40000"/>
+        <a:alpha val="90000"/>
+      </a:schemeClr>
+      <a:schemeClr val="accent3">
+        <a:tint val="40000"/>
+        <a:alpha val="90000"/>
+      </a:schemeClr>
+      <a:schemeClr val="accent4">
+        <a:tint val="40000"/>
+        <a:alpha val="90000"/>
+      </a:schemeClr>
+      <a:schemeClr val="accent5">
+        <a:tint val="40000"/>
+        <a:alpha val="90000"/>
+      </a:schemeClr>
+      <a:schemeClr val="accent6">
+        <a:tint val="40000"/>
+        <a:alpha val="90000"/>
+      </a:schemeClr>
+    </dgm:fillClrLst>
+    <dgm:linClrLst meth="repeat">
+      <a:schemeClr val="accent2">
+        <a:tint val="40000"/>
+        <a:alpha val="90000"/>
+      </a:schemeClr>
+      <a:schemeClr val="accent3">
+        <a:tint val="40000"/>
+        <a:alpha val="90000"/>
+      </a:schemeClr>
+      <a:schemeClr val="accent4">
+        <a:tint val="40000"/>
+        <a:alpha val="90000"/>
+      </a:schemeClr>
+      <a:schemeClr val="accent5">
+        <a:tint val="40000"/>
+        <a:alpha val="90000"/>
+      </a:schemeClr>
+      <a:schemeClr val="accent6">
+        <a:tint val="40000"/>
+        <a:alpha val="90000"/>
+      </a:schemeClr>
+    </dgm:linClrLst>
+    <dgm:effectClrLst/>
+    <dgm:txLinClrLst/>
+    <dgm:txFillClrLst meth="repeat">
+      <a:schemeClr val="dk1"/>
+    </dgm:txFillClrLst>
+    <dgm:txEffectClrLst/>
+  </dgm:styleLbl>
+  <dgm:styleLbl name="fgAcc0">
+    <dgm:fillClrLst meth="repeat">
+      <a:schemeClr val="lt1">
+        <a:alpha val="90000"/>
+      </a:schemeClr>
+    </dgm:fillClrLst>
+    <dgm:linClrLst>
+      <a:schemeClr val="accent1"/>
+    </dgm:linClrLst>
+    <dgm:effectClrLst/>
+    <dgm:txLinClrLst/>
+    <dgm:txFillClrLst meth="repeat">
+      <a:schemeClr val="dk1"/>
+    </dgm:txFillClrLst>
+    <dgm:txEffectClrLst/>
+  </dgm:styleLbl>
+  <dgm:styleLbl name="fgAcc2">
+    <dgm:fillClrLst meth="repeat">
+      <a:schemeClr val="lt1">
+        <a:alpha val="90000"/>
+      </a:schemeClr>
+    </dgm:fillClrLst>
+    <dgm:linClrLst>
+      <a:schemeClr val="accent2"/>
+    </dgm:linClrLst>
+    <dgm:effectClrLst/>
+    <dgm:txLinClrLst/>
+    <dgm:txFillClrLst meth="repeat">
+      <a:schemeClr val="dk1"/>
+    </dgm:txFillClrLst>
+    <dgm:txEffectClrLst/>
+  </dgm:styleLbl>
+  <dgm:styleLbl name="fgAcc3">
+    <dgm:fillClrLst meth="repeat">
+      <a:schemeClr val="lt1">
+        <a:alpha val="90000"/>
+      </a:schemeClr>
+    </dgm:fillClrLst>
+    <dgm:linClrLst>
+      <a:schemeClr val="accent3"/>
+    </dgm:linClrLst>
+    <dgm:effectClrLst/>
+    <dgm:txLinClrLst/>
+    <dgm:txFillClrLst meth="repeat">
+      <a:schemeClr val="dk1"/>
+    </dgm:txFillClrLst>
+    <dgm:txEffectClrLst/>
+  </dgm:styleLbl>
+  <dgm:styleLbl name="fgAcc4">
+    <dgm:fillClrLst meth="repeat">
+      <a:schemeClr val="lt1">
+        <a:alpha val="90000"/>
+      </a:schemeClr>
+    </dgm:fillClrLst>
+    <dgm:linClrLst>
+      <a:schemeClr val="accent4"/>
+    </dgm:linClrLst>
+    <dgm:effectClrLst/>
+    <dgm:txLinClrLst/>
+    <dgm:txFillClrLst meth="repeat">
+      <a:schemeClr val="dk1"/>
+    </dgm:txFillClrLst>
+    <dgm:txEffectClrLst/>
+  </dgm:styleLbl>
+  <dgm:styleLbl name="bgShp">
+    <dgm:fillClrLst meth="repeat">
+      <a:schemeClr val="accent2">
+        <a:tint val="40000"/>
+      </a:schemeClr>
+    </dgm:fillClrLst>
+    <dgm:linClrLst meth="repeat">
+      <a:schemeClr val="dk1"/>
+    </dgm:linClrLst>
+    <dgm:effectClrLst/>
+    <dgm:txLinClrLst/>
+    <dgm:txFillClrLst meth="repeat">
+      <a:schemeClr val="dk1"/>
+    </dgm:txFillClrLst>
+    <dgm:txEffectClrLst/>
+  </dgm:styleLbl>
+  <dgm:styleLbl name="dkBgShp">
+    <dgm:fillClrLst meth="repeat">
+      <a:schemeClr val="accent2">
+        <a:shade val="90000"/>
+      </a:schemeClr>
+    </dgm:fillClrLst>
+    <dgm:linClrLst meth="repeat">
+      <a:schemeClr val="dk1"/>
+    </dgm:linClrLst>
+    <dgm:effectClrLst/>
+    <dgm:txLinClrLst/>
+    <dgm:txFillClrLst meth="repeat">
+      <a:schemeClr val="lt1"/>
+    </dgm:txFillClrLst>
+    <dgm:txEffectClrLst/>
+  </dgm:styleLbl>
+  <dgm:styleLbl name="trBgShp">
+    <dgm:fillClrLst meth="repeat">
+      <a:schemeClr val="accent1">
+        <a:tint val="50000"/>
+        <a:alpha val="40000"/>
+      </a:schemeClr>
+    </dgm:fillClrLst>
+    <dgm:linClrLst meth="repeat">
+      <a:schemeClr val="accent2"/>
+    </dgm:linClrLst>
+    <dgm:effectClrLst/>
+    <dgm:txLinClrLst/>
+    <dgm:txFillClrLst meth="repeat">
+      <a:schemeClr val="lt1"/>
+    </dgm:txFillClrLst>
+    <dgm:txEffectClrLst/>
+  </dgm:styleLbl>
+  <dgm:styleLbl name="fgShp">
+    <dgm:fillClrLst meth="repeat">
+      <a:schemeClr val="accent2">
+        <a:tint val="40000"/>
+      </a:schemeClr>
+    </dgm:fillClrLst>
+    <dgm:linClrLst meth="repeat">
+      <a:schemeClr val="lt1"/>
+    </dgm:linClrLst>
+    <dgm:effectClrLst/>
+    <dgm:txLinClrLst/>
+    <dgm:txFillClrLst meth="repeat">
+      <a:schemeClr val="dk1"/>
+    </dgm:txFillClrLst>
+    <dgm:txEffectClrLst/>
+  </dgm:styleLbl>
+  <dgm:styleLbl name="revTx">
+    <dgm:fillClrLst meth="repeat">
+      <a:schemeClr val="lt1">
+        <a:alpha val="0"/>
+      </a:schemeClr>
+    </dgm:fillClrLst>
+    <dgm:linClrLst meth="repeat">
+      <a:schemeClr val="dk1">
+        <a:alpha val="0"/>
+      </a:schemeClr>
+    </dgm:linClrLst>
+    <dgm:effectClrLst/>
+    <dgm:txLinClrLst/>
+    <dgm:txFillClrLst meth="repeat">
+      <a:schemeClr val="tx1"/>
+    </dgm:txFillClrLst>
+    <dgm:txEffectClrLst/>
+  </dgm:styleLbl>
+</dgm:colorsDef>
+</file>
+
+<file path=ppt/diagrams/data1.xml><?xml version="1.0" encoding="utf-8"?>
+<dgm:dataModel xmlns:dgm="http://schemas.openxmlformats.org/drawingml/2006/diagram" xmlns:a="http://schemas.openxmlformats.org/drawingml/2006/main">
+  <dgm:ptLst>
+    <dgm:pt modelId="{7FC2E15B-83E3-4A10-8C39-EB906991D301}" type="doc">
+      <dgm:prSet loTypeId="urn:microsoft.com/office/officeart/2005/8/layout/process4" loCatId="list" qsTypeId="urn:microsoft.com/office/officeart/2005/8/quickstyle/simple1" qsCatId="simple" csTypeId="urn:microsoft.com/office/officeart/2005/8/colors/colorful1" csCatId="colorful" phldr="1"/>
+      <dgm:spPr/>
+    </dgm:pt>
+    <dgm:pt modelId="{A34974F4-E442-49D3-9301-5545EC4E9817}">
+      <dgm:prSet phldrT="[Text]" custT="1"/>
+      <dgm:spPr>
+        <a:solidFill>
+          <a:srgbClr val="CC3399"/>
+        </a:solidFill>
+      </dgm:spPr>
+      <dgm:t>
+        <a:bodyPr/>
+        <a:lstStyle/>
+        <a:p>
+          <a:r>
+            <a:rPr lang="en-GB" sz="2600" dirty="0">
+              <a:solidFill>
+                <a:schemeClr val="tx1"/>
+              </a:solidFill>
+            </a:rPr>
+            <a:t>Dominant Hand, Without Moving Hand</a:t>
+          </a:r>
+        </a:p>
+      </dgm:t>
+    </dgm:pt>
+    <dgm:pt modelId="{67B11B71-38E8-4DD0-8854-BD3DC3753681}" type="parTrans" cxnId="{DF4863B9-72C7-4F77-821F-48771B6E120B}">
+      <dgm:prSet/>
+      <dgm:spPr/>
+      <dgm:t>
+        <a:bodyPr/>
+        <a:lstStyle/>
+        <a:p>
+          <a:endParaRPr lang="en-GB" sz="2600">
+            <a:solidFill>
+              <a:schemeClr val="tx1"/>
+            </a:solidFill>
+          </a:endParaRPr>
+        </a:p>
+      </dgm:t>
+    </dgm:pt>
+    <dgm:pt modelId="{3CABAF43-B2FF-4F40-ABFA-0CD2B0EE0319}" type="sibTrans" cxnId="{DF4863B9-72C7-4F77-821F-48771B6E120B}">
+      <dgm:prSet/>
+      <dgm:spPr/>
+      <dgm:t>
+        <a:bodyPr/>
+        <a:lstStyle/>
+        <a:p>
+          <a:endParaRPr lang="en-GB" sz="2600">
+            <a:solidFill>
+              <a:schemeClr val="tx1"/>
+            </a:solidFill>
+          </a:endParaRPr>
+        </a:p>
+      </dgm:t>
+    </dgm:pt>
+    <dgm:pt modelId="{7EB499BA-83DC-43E6-982F-1B155B17309D}">
+      <dgm:prSet phldrT="[Text]" custT="1"/>
+      <dgm:spPr>
+        <a:solidFill>
+          <a:srgbClr val="CCFF66"/>
+        </a:solidFill>
+      </dgm:spPr>
+      <dgm:t>
+        <a:bodyPr/>
+        <a:lstStyle/>
+        <a:p>
+          <a:r>
+            <a:rPr lang="en-GB" sz="2600" dirty="0">
+              <a:solidFill>
+                <a:schemeClr val="tx1"/>
+              </a:solidFill>
+            </a:rPr>
+            <a:t>Less Dominant Hand, Introduce Sharps and Flats in the Octave</a:t>
+          </a:r>
+        </a:p>
+      </dgm:t>
+    </dgm:pt>
+    <dgm:pt modelId="{721154F7-5C04-4C48-A93D-8DC161896208}" type="parTrans" cxnId="{7CBD9F74-1E80-4A0B-A41B-A0CD2E61C2E6}">
+      <dgm:prSet/>
+      <dgm:spPr/>
+      <dgm:t>
+        <a:bodyPr/>
+        <a:lstStyle/>
+        <a:p>
+          <a:endParaRPr lang="en-GB" sz="2600">
+            <a:solidFill>
+              <a:schemeClr val="tx1"/>
+            </a:solidFill>
+          </a:endParaRPr>
+        </a:p>
+      </dgm:t>
+    </dgm:pt>
+    <dgm:pt modelId="{6EF246E4-DE63-4395-B7EF-0F90252B82BD}" type="sibTrans" cxnId="{7CBD9F74-1E80-4A0B-A41B-A0CD2E61C2E6}">
+      <dgm:prSet/>
+      <dgm:spPr/>
+      <dgm:t>
+        <a:bodyPr/>
+        <a:lstStyle/>
+        <a:p>
+          <a:endParaRPr lang="en-GB" sz="2600">
+            <a:solidFill>
+              <a:schemeClr val="tx1"/>
+            </a:solidFill>
+          </a:endParaRPr>
+        </a:p>
+      </dgm:t>
+    </dgm:pt>
+    <dgm:pt modelId="{D4FB24CD-8E1D-4812-9D9F-EEB2F468F4FC}">
+      <dgm:prSet phldrT="[Text]" custT="1"/>
+      <dgm:spPr>
+        <a:solidFill>
+          <a:srgbClr val="E3B907"/>
+        </a:solidFill>
+      </dgm:spPr>
+      <dgm:t>
+        <a:bodyPr/>
+        <a:lstStyle/>
+        <a:p>
+          <a:r>
+            <a:rPr lang="en-GB" sz="2600" dirty="0">
+              <a:solidFill>
+                <a:schemeClr val="tx1"/>
+              </a:solidFill>
+            </a:rPr>
+            <a:t>Play Across Both Hands</a:t>
+          </a:r>
+        </a:p>
+      </dgm:t>
+    </dgm:pt>
+    <dgm:pt modelId="{618B0DF9-D48B-48FB-BCC0-C3AFDBE1FE8D}" type="parTrans" cxnId="{30F9646B-1403-4D6F-B55D-F733AC8D0799}">
+      <dgm:prSet/>
+      <dgm:spPr/>
+      <dgm:t>
+        <a:bodyPr/>
+        <a:lstStyle/>
+        <a:p>
+          <a:endParaRPr lang="en-GB" sz="2600">
+            <a:solidFill>
+              <a:schemeClr val="tx1"/>
+            </a:solidFill>
+          </a:endParaRPr>
+        </a:p>
+      </dgm:t>
+    </dgm:pt>
+    <dgm:pt modelId="{ACF54EAC-6E29-4A0F-BFAA-943CB8DE5AA1}" type="sibTrans" cxnId="{30F9646B-1403-4D6F-B55D-F733AC8D0799}">
+      <dgm:prSet/>
+      <dgm:spPr/>
+      <dgm:t>
+        <a:bodyPr/>
+        <a:lstStyle/>
+        <a:p>
+          <a:endParaRPr lang="en-GB" sz="2600">
+            <a:solidFill>
+              <a:schemeClr val="tx1"/>
+            </a:solidFill>
+          </a:endParaRPr>
+        </a:p>
+      </dgm:t>
+    </dgm:pt>
+    <dgm:pt modelId="{E9E73B8C-1269-423C-9EB2-9BBF2FC1D5B3}">
+      <dgm:prSet phldrT="[Text]" custT="1"/>
+      <dgm:spPr>
+        <a:solidFill>
+          <a:srgbClr val="CC66FF"/>
+        </a:solidFill>
+      </dgm:spPr>
+      <dgm:t>
+        <a:bodyPr/>
+        <a:lstStyle/>
+        <a:p>
+          <a:r>
+            <a:rPr lang="en-GB" sz="2600" dirty="0">
+              <a:solidFill>
+                <a:schemeClr val="tx1"/>
+              </a:solidFill>
+            </a:rPr>
+            <a:t>Dominant Hand, Move Hand Across 1 Octave</a:t>
+          </a:r>
+        </a:p>
+      </dgm:t>
+    </dgm:pt>
+    <dgm:pt modelId="{C26C015F-6E50-47FB-BC8D-82AB3149C44E}" type="parTrans" cxnId="{A77D028D-9303-469D-BB21-9A15EAA6640B}">
+      <dgm:prSet/>
+      <dgm:spPr/>
+      <dgm:t>
+        <a:bodyPr/>
+        <a:lstStyle/>
+        <a:p>
+          <a:endParaRPr lang="en-GB" sz="2600">
+            <a:solidFill>
+              <a:schemeClr val="tx1"/>
+            </a:solidFill>
+          </a:endParaRPr>
+        </a:p>
+      </dgm:t>
+    </dgm:pt>
+    <dgm:pt modelId="{C972BEEE-21BA-42ED-8F2B-8B21FB9DCB04}" type="sibTrans" cxnId="{A77D028D-9303-469D-BB21-9A15EAA6640B}">
+      <dgm:prSet/>
+      <dgm:spPr/>
+      <dgm:t>
+        <a:bodyPr/>
+        <a:lstStyle/>
+        <a:p>
+          <a:endParaRPr lang="en-GB" sz="2600">
+            <a:solidFill>
+              <a:schemeClr val="tx1"/>
+            </a:solidFill>
+          </a:endParaRPr>
+        </a:p>
+      </dgm:t>
+    </dgm:pt>
+    <dgm:pt modelId="{A75019EA-785B-4C15-B0BD-EAAFDBE047B1}">
+      <dgm:prSet phldrT="[Text]" custT="1"/>
+      <dgm:spPr>
+        <a:solidFill>
+          <a:srgbClr val="5B5BC9"/>
+        </a:solidFill>
+      </dgm:spPr>
+      <dgm:t>
+        <a:bodyPr/>
+        <a:lstStyle/>
+        <a:p>
+          <a:r>
+            <a:rPr lang="en-GB" sz="2600" dirty="0">
+              <a:solidFill>
+                <a:schemeClr val="tx1"/>
+              </a:solidFill>
+            </a:rPr>
+            <a:t>Dominant Hand, Introduce Sharps and Flats in the Octave</a:t>
+          </a:r>
+        </a:p>
+      </dgm:t>
+    </dgm:pt>
+    <dgm:pt modelId="{76319768-4DFA-41A1-94E3-ACA857EA44A8}" type="parTrans" cxnId="{9D758EBE-1D75-41F8-9A5C-44FAD4190BA7}">
+      <dgm:prSet/>
+      <dgm:spPr/>
+      <dgm:t>
+        <a:bodyPr/>
+        <a:lstStyle/>
+        <a:p>
+          <a:endParaRPr lang="en-GB" sz="2600">
+            <a:solidFill>
+              <a:schemeClr val="tx1"/>
+            </a:solidFill>
+          </a:endParaRPr>
+        </a:p>
+      </dgm:t>
+    </dgm:pt>
+    <dgm:pt modelId="{47874542-CC38-4EC4-A661-34F5898AA6E2}" type="sibTrans" cxnId="{9D758EBE-1D75-41F8-9A5C-44FAD4190BA7}">
+      <dgm:prSet/>
+      <dgm:spPr/>
+      <dgm:t>
+        <a:bodyPr/>
+        <a:lstStyle/>
+        <a:p>
+          <a:endParaRPr lang="en-GB" sz="2600">
+            <a:solidFill>
+              <a:schemeClr val="tx1"/>
+            </a:solidFill>
+          </a:endParaRPr>
+        </a:p>
+      </dgm:t>
+    </dgm:pt>
+    <dgm:pt modelId="{F52DEEA7-815D-4753-9736-5F85C6FACEC4}">
+      <dgm:prSet phldrT="[Text]" custT="1"/>
+      <dgm:spPr>
+        <a:solidFill>
+          <a:srgbClr val="0DFFC0"/>
+        </a:solidFill>
+      </dgm:spPr>
+      <dgm:t>
+        <a:bodyPr/>
+        <a:lstStyle/>
+        <a:p>
+          <a:r>
+            <a:rPr lang="en-GB" sz="2600" dirty="0">
+              <a:solidFill>
+                <a:schemeClr val="tx1"/>
+              </a:solidFill>
+            </a:rPr>
+            <a:t>Swap to Less Dominant Hand, Without Moving Hand</a:t>
+          </a:r>
+        </a:p>
+      </dgm:t>
+    </dgm:pt>
+    <dgm:pt modelId="{985EB005-43E4-42AB-94CC-19A29E935FF2}" type="parTrans" cxnId="{5A743F6C-159F-43A3-83F2-6E79E1AA6C5A}">
+      <dgm:prSet/>
+      <dgm:spPr/>
+      <dgm:t>
+        <a:bodyPr/>
+        <a:lstStyle/>
+        <a:p>
+          <a:endParaRPr lang="en-GB" sz="2600">
+            <a:solidFill>
+              <a:schemeClr val="tx1"/>
+            </a:solidFill>
+          </a:endParaRPr>
+        </a:p>
+      </dgm:t>
+    </dgm:pt>
+    <dgm:pt modelId="{E89CC3EB-114B-4494-A2C0-E82FBFE0CBEE}" type="sibTrans" cxnId="{5A743F6C-159F-43A3-83F2-6E79E1AA6C5A}">
+      <dgm:prSet/>
+      <dgm:spPr/>
+      <dgm:t>
+        <a:bodyPr/>
+        <a:lstStyle/>
+        <a:p>
+          <a:endParaRPr lang="en-GB" sz="2600">
+            <a:solidFill>
+              <a:schemeClr val="tx1"/>
+            </a:solidFill>
+          </a:endParaRPr>
+        </a:p>
+      </dgm:t>
+    </dgm:pt>
+    <dgm:pt modelId="{C1D4A124-0CD3-463F-B0DE-8BC6F164FDB4}">
+      <dgm:prSet phldrT="[Text]" custT="1"/>
+      <dgm:spPr>
+        <a:solidFill>
+          <a:srgbClr val="00FF00"/>
+        </a:solidFill>
+      </dgm:spPr>
+      <dgm:t>
+        <a:bodyPr/>
+        <a:lstStyle/>
+        <a:p>
+          <a:r>
+            <a:rPr lang="en-GB" sz="2600" dirty="0">
+              <a:solidFill>
+                <a:schemeClr val="tx1"/>
+              </a:solidFill>
+            </a:rPr>
+            <a:t>Less Dominant Hand, Move Hand Across 1 Octave</a:t>
+          </a:r>
+        </a:p>
+      </dgm:t>
+    </dgm:pt>
+    <dgm:pt modelId="{3F1E20EC-5ED6-45AB-A306-724E1BBD4027}" type="parTrans" cxnId="{23EC7C2C-D194-4CBF-AF3B-A12CFBC9E33F}">
+      <dgm:prSet/>
+      <dgm:spPr/>
+      <dgm:t>
+        <a:bodyPr/>
+        <a:lstStyle/>
+        <a:p>
+          <a:endParaRPr lang="en-GB" sz="2600">
+            <a:solidFill>
+              <a:schemeClr val="tx1"/>
+            </a:solidFill>
+          </a:endParaRPr>
+        </a:p>
+      </dgm:t>
+    </dgm:pt>
+    <dgm:pt modelId="{D32B0875-7F48-456C-9A86-A29E3BDAFD34}" type="sibTrans" cxnId="{23EC7C2C-D194-4CBF-AF3B-A12CFBC9E33F}">
+      <dgm:prSet/>
+      <dgm:spPr/>
+      <dgm:t>
+        <a:bodyPr/>
+        <a:lstStyle/>
+        <a:p>
+          <a:endParaRPr lang="en-GB" sz="2600">
+            <a:solidFill>
+              <a:schemeClr val="tx1"/>
+            </a:solidFill>
+          </a:endParaRPr>
+        </a:p>
+      </dgm:t>
+    </dgm:pt>
+    <dgm:pt modelId="{8AFF40C6-89EF-4E14-9AB7-B33FBC6DD6B5}">
+      <dgm:prSet phldrT="[Text]" custT="1"/>
+      <dgm:spPr>
+        <a:solidFill>
+          <a:srgbClr val="0099FF"/>
+        </a:solidFill>
+      </dgm:spPr>
+      <dgm:t>
+        <a:bodyPr/>
+        <a:lstStyle/>
+        <a:p>
+          <a:r>
+            <a:rPr lang="en-GB" sz="2600" dirty="0">
+              <a:solidFill>
+                <a:schemeClr val="tx1"/>
+              </a:solidFill>
+            </a:rPr>
+            <a:t>Dominant Hand, Introduce 3 Note Chords</a:t>
+          </a:r>
+        </a:p>
+      </dgm:t>
+    </dgm:pt>
+    <dgm:pt modelId="{A8C74999-BF0C-420C-9FDE-AC2D9D461F2F}" type="parTrans" cxnId="{7D7FEF58-27FF-4E0F-A714-07A026F0C7DA}">
+      <dgm:prSet/>
+      <dgm:spPr/>
+      <dgm:t>
+        <a:bodyPr/>
+        <a:lstStyle/>
+        <a:p>
+          <a:endParaRPr lang="en-GB" sz="2600">
+            <a:solidFill>
+              <a:schemeClr val="tx1"/>
+            </a:solidFill>
+          </a:endParaRPr>
+        </a:p>
+      </dgm:t>
+    </dgm:pt>
+    <dgm:pt modelId="{9A11F4B4-D465-403A-BD1A-39CFD3D90C63}" type="sibTrans" cxnId="{7D7FEF58-27FF-4E0F-A714-07A026F0C7DA}">
+      <dgm:prSet/>
+      <dgm:spPr/>
+      <dgm:t>
+        <a:bodyPr/>
+        <a:lstStyle/>
+        <a:p>
+          <a:endParaRPr lang="en-GB" sz="2600">
+            <a:solidFill>
+              <a:schemeClr val="tx1"/>
+            </a:solidFill>
+          </a:endParaRPr>
+        </a:p>
+      </dgm:t>
+    </dgm:pt>
+    <dgm:pt modelId="{D602FEAD-FE60-4B1F-8020-F430D6B76C51}">
+      <dgm:prSet phldrT="[Text]" custT="1"/>
+      <dgm:spPr>
+        <a:solidFill>
+          <a:srgbClr val="FFFF00"/>
+        </a:solidFill>
+      </dgm:spPr>
+      <dgm:t>
+        <a:bodyPr/>
+        <a:lstStyle/>
+        <a:p>
+          <a:r>
+            <a:rPr lang="en-GB" sz="2600" dirty="0">
+              <a:solidFill>
+                <a:schemeClr val="tx1"/>
+              </a:solidFill>
+            </a:rPr>
+            <a:t>Less Dominant Hand, Introduce 3 Note Chords</a:t>
+          </a:r>
+        </a:p>
+      </dgm:t>
+    </dgm:pt>
+    <dgm:pt modelId="{C68C5F7B-EBB9-4773-BFEF-BEDA84572DA1}" type="parTrans" cxnId="{9FD851E4-4D1C-4FD6-A07D-B2252A67A2DD}">
+      <dgm:prSet/>
+      <dgm:spPr/>
+      <dgm:t>
+        <a:bodyPr/>
+        <a:lstStyle/>
+        <a:p>
+          <a:endParaRPr lang="en-GB" sz="2600">
+            <a:solidFill>
+              <a:schemeClr val="tx1"/>
+            </a:solidFill>
+          </a:endParaRPr>
+        </a:p>
+      </dgm:t>
+    </dgm:pt>
+    <dgm:pt modelId="{9A27E852-910B-40D2-BDFC-EB51F43A0C38}" type="sibTrans" cxnId="{9FD851E4-4D1C-4FD6-A07D-B2252A67A2DD}">
+      <dgm:prSet/>
+      <dgm:spPr/>
+      <dgm:t>
+        <a:bodyPr/>
+        <a:lstStyle/>
+        <a:p>
+          <a:endParaRPr lang="en-GB" sz="2600">
+            <a:solidFill>
+              <a:schemeClr val="tx1"/>
+            </a:solidFill>
+          </a:endParaRPr>
+        </a:p>
+      </dgm:t>
+    </dgm:pt>
+    <dgm:pt modelId="{5A903F16-62D2-436A-90DA-8C9764D8ED21}">
+      <dgm:prSet phldrT="[Text]" custT="1"/>
+      <dgm:spPr>
+        <a:solidFill>
+          <a:srgbClr val="FF9900"/>
+        </a:solidFill>
+      </dgm:spPr>
+      <dgm:t>
+        <a:bodyPr/>
+        <a:lstStyle/>
+        <a:p>
+          <a:r>
+            <a:rPr lang="en-GB" sz="2600" dirty="0">
+              <a:solidFill>
+                <a:schemeClr val="tx1"/>
+              </a:solidFill>
+            </a:rPr>
+            <a:t>Play Across Both Hands, Introducing New Chords</a:t>
+          </a:r>
+        </a:p>
+      </dgm:t>
+    </dgm:pt>
+    <dgm:pt modelId="{206D3186-F7C7-4AE7-A6A1-1ED05002585C}" type="parTrans" cxnId="{32DF627E-AC8C-4C7C-9EFE-C1D3E17A1175}">
+      <dgm:prSet/>
+      <dgm:spPr/>
+      <dgm:t>
+        <a:bodyPr/>
+        <a:lstStyle/>
+        <a:p>
+          <a:endParaRPr lang="en-GB" sz="2600">
+            <a:solidFill>
+              <a:schemeClr val="tx1"/>
+            </a:solidFill>
+          </a:endParaRPr>
+        </a:p>
+      </dgm:t>
+    </dgm:pt>
+    <dgm:pt modelId="{2851CA70-3479-4FCA-99FC-43D77F585405}" type="sibTrans" cxnId="{32DF627E-AC8C-4C7C-9EFE-C1D3E17A1175}">
+      <dgm:prSet/>
+      <dgm:spPr/>
+      <dgm:t>
+        <a:bodyPr/>
+        <a:lstStyle/>
+        <a:p>
+          <a:endParaRPr lang="en-GB" sz="2600">
+            <a:solidFill>
+              <a:schemeClr val="tx1"/>
+            </a:solidFill>
+          </a:endParaRPr>
+        </a:p>
+      </dgm:t>
+    </dgm:pt>
+    <dgm:pt modelId="{42896C41-5D9C-49A6-9115-6DD78BF6D8B8}">
+      <dgm:prSet phldrT="[Text]" custT="1"/>
+      <dgm:spPr>
+        <a:solidFill>
+          <a:srgbClr val="FF0000"/>
+        </a:solidFill>
+      </dgm:spPr>
+      <dgm:t>
+        <a:bodyPr/>
+        <a:lstStyle/>
+        <a:p>
+          <a:r>
+            <a:rPr lang="en-GB" sz="2600" dirty="0">
+              <a:solidFill>
+                <a:schemeClr val="tx1"/>
+              </a:solidFill>
+            </a:rPr>
+            <a:t>Play Across Both Hands</a:t>
+          </a:r>
+        </a:p>
+      </dgm:t>
+    </dgm:pt>
+    <dgm:pt modelId="{B936DDFA-B36A-4179-92CC-F35CC85BCB6B}" type="parTrans" cxnId="{E0E12CA7-D9FD-4217-BE97-05925522D878}">
+      <dgm:prSet/>
+      <dgm:spPr/>
+      <dgm:t>
+        <a:bodyPr/>
+        <a:lstStyle/>
+        <a:p>
+          <a:endParaRPr lang="en-GB" sz="2600">
+            <a:solidFill>
+              <a:schemeClr val="tx1"/>
+            </a:solidFill>
+          </a:endParaRPr>
+        </a:p>
+      </dgm:t>
+    </dgm:pt>
+    <dgm:pt modelId="{A540E109-54E3-4EAC-A430-5FAE6F76FC78}" type="sibTrans" cxnId="{E0E12CA7-D9FD-4217-BE97-05925522D878}">
+      <dgm:prSet/>
+      <dgm:spPr/>
+      <dgm:t>
+        <a:bodyPr/>
+        <a:lstStyle/>
+        <a:p>
+          <a:endParaRPr lang="en-GB" sz="2600">
+            <a:solidFill>
+              <a:schemeClr val="tx1"/>
+            </a:solidFill>
+          </a:endParaRPr>
+        </a:p>
+      </dgm:t>
+    </dgm:pt>
+    <dgm:pt modelId="{54950F62-7CD3-496B-8FF3-3A5A94C0743B}" type="pres">
+      <dgm:prSet presAssocID="{7FC2E15B-83E3-4A10-8C39-EB906991D301}" presName="Name0" presStyleCnt="0">
+        <dgm:presLayoutVars>
+          <dgm:dir/>
+          <dgm:animLvl val="lvl"/>
+          <dgm:resizeHandles val="exact"/>
+        </dgm:presLayoutVars>
+      </dgm:prSet>
+      <dgm:spPr/>
+    </dgm:pt>
+    <dgm:pt modelId="{74ABDF91-F3E5-44F6-B6EA-186D5BC9FEF3}" type="pres">
+      <dgm:prSet presAssocID="{42896C41-5D9C-49A6-9115-6DD78BF6D8B8}" presName="boxAndChildren" presStyleCnt="0"/>
+      <dgm:spPr/>
+    </dgm:pt>
+    <dgm:pt modelId="{AC3007F1-B482-422E-AE34-96291D406DF5}" type="pres">
+      <dgm:prSet presAssocID="{42896C41-5D9C-49A6-9115-6DD78BF6D8B8}" presName="parentTextBox" presStyleLbl="node1" presStyleIdx="0" presStyleCnt="11"/>
+      <dgm:spPr/>
+    </dgm:pt>
+    <dgm:pt modelId="{36D63D1D-30B4-4267-B7D1-FADADB8CC8E0}" type="pres">
+      <dgm:prSet presAssocID="{2851CA70-3479-4FCA-99FC-43D77F585405}" presName="sp" presStyleCnt="0"/>
+      <dgm:spPr/>
+    </dgm:pt>
+    <dgm:pt modelId="{5024E4E9-1576-4E0F-A885-0B70D7E42933}" type="pres">
+      <dgm:prSet presAssocID="{5A903F16-62D2-436A-90DA-8C9764D8ED21}" presName="arrowAndChildren" presStyleCnt="0"/>
+      <dgm:spPr/>
+    </dgm:pt>
+    <dgm:pt modelId="{CF5F043C-2755-43F4-AF35-5BA6A6EEA388}" type="pres">
+      <dgm:prSet presAssocID="{5A903F16-62D2-436A-90DA-8C9764D8ED21}" presName="parentTextArrow" presStyleLbl="node1" presStyleIdx="1" presStyleCnt="11"/>
+      <dgm:spPr/>
+    </dgm:pt>
+    <dgm:pt modelId="{83DA9084-6CE7-4575-A64F-7DA53C2EC094}" type="pres">
+      <dgm:prSet presAssocID="{ACF54EAC-6E29-4A0F-BFAA-943CB8DE5AA1}" presName="sp" presStyleCnt="0"/>
+      <dgm:spPr/>
+    </dgm:pt>
+    <dgm:pt modelId="{D6E8288B-E622-4511-94F7-415ADF2E76D3}" type="pres">
+      <dgm:prSet presAssocID="{D4FB24CD-8E1D-4812-9D9F-EEB2F468F4FC}" presName="arrowAndChildren" presStyleCnt="0"/>
+      <dgm:spPr/>
+    </dgm:pt>
+    <dgm:pt modelId="{A9A2B48C-5A6F-48F8-BCD5-A1769AC569A1}" type="pres">
+      <dgm:prSet presAssocID="{D4FB24CD-8E1D-4812-9D9F-EEB2F468F4FC}" presName="parentTextArrow" presStyleLbl="node1" presStyleIdx="2" presStyleCnt="11"/>
+      <dgm:spPr/>
+    </dgm:pt>
+    <dgm:pt modelId="{524EBC96-438F-451F-8A1E-C711C044D7A1}" type="pres">
+      <dgm:prSet presAssocID="{9A27E852-910B-40D2-BDFC-EB51F43A0C38}" presName="sp" presStyleCnt="0"/>
+      <dgm:spPr/>
+    </dgm:pt>
+    <dgm:pt modelId="{2ED1C873-7D69-44B7-9321-32F7209D995D}" type="pres">
+      <dgm:prSet presAssocID="{D602FEAD-FE60-4B1F-8020-F430D6B76C51}" presName="arrowAndChildren" presStyleCnt="0"/>
+      <dgm:spPr/>
+    </dgm:pt>
+    <dgm:pt modelId="{27617F7F-14FD-4C9F-90CC-6140487BC3FF}" type="pres">
+      <dgm:prSet presAssocID="{D602FEAD-FE60-4B1F-8020-F430D6B76C51}" presName="parentTextArrow" presStyleLbl="node1" presStyleIdx="3" presStyleCnt="11"/>
+      <dgm:spPr/>
+    </dgm:pt>
+    <dgm:pt modelId="{C2B95D51-C8F2-4C89-AD4F-2294DEC3D604}" type="pres">
+      <dgm:prSet presAssocID="{6EF246E4-DE63-4395-B7EF-0F90252B82BD}" presName="sp" presStyleCnt="0"/>
+      <dgm:spPr/>
+    </dgm:pt>
+    <dgm:pt modelId="{F2ACB0E6-CE20-42FF-BBB6-F979572C62B5}" type="pres">
+      <dgm:prSet presAssocID="{7EB499BA-83DC-43E6-982F-1B155B17309D}" presName="arrowAndChildren" presStyleCnt="0"/>
+      <dgm:spPr/>
+    </dgm:pt>
+    <dgm:pt modelId="{8CE53FA7-F5E2-46C1-81E7-7BCBD2E46ACC}" type="pres">
+      <dgm:prSet presAssocID="{7EB499BA-83DC-43E6-982F-1B155B17309D}" presName="parentTextArrow" presStyleLbl="node1" presStyleIdx="4" presStyleCnt="11"/>
+      <dgm:spPr/>
+    </dgm:pt>
+    <dgm:pt modelId="{D258B244-846F-463E-B10A-95F9E700F7F8}" type="pres">
+      <dgm:prSet presAssocID="{D32B0875-7F48-456C-9A86-A29E3BDAFD34}" presName="sp" presStyleCnt="0"/>
+      <dgm:spPr/>
+    </dgm:pt>
+    <dgm:pt modelId="{17D90372-98DE-45D9-847F-763A984BE8C6}" type="pres">
+      <dgm:prSet presAssocID="{C1D4A124-0CD3-463F-B0DE-8BC6F164FDB4}" presName="arrowAndChildren" presStyleCnt="0"/>
+      <dgm:spPr/>
+    </dgm:pt>
+    <dgm:pt modelId="{DEC8B29B-C202-47C8-AD76-EAC7294F4B34}" type="pres">
+      <dgm:prSet presAssocID="{C1D4A124-0CD3-463F-B0DE-8BC6F164FDB4}" presName="parentTextArrow" presStyleLbl="node1" presStyleIdx="5" presStyleCnt="11"/>
+      <dgm:spPr/>
+    </dgm:pt>
+    <dgm:pt modelId="{1589AF3B-862A-4E02-9D76-629902504111}" type="pres">
+      <dgm:prSet presAssocID="{E89CC3EB-114B-4494-A2C0-E82FBFE0CBEE}" presName="sp" presStyleCnt="0"/>
+      <dgm:spPr/>
+    </dgm:pt>
+    <dgm:pt modelId="{19661492-576F-4AE0-A578-071608BA2D13}" type="pres">
+      <dgm:prSet presAssocID="{F52DEEA7-815D-4753-9736-5F85C6FACEC4}" presName="arrowAndChildren" presStyleCnt="0"/>
+      <dgm:spPr/>
+    </dgm:pt>
+    <dgm:pt modelId="{7C2CE55E-35AA-4309-BE62-AA258E55E38F}" type="pres">
+      <dgm:prSet presAssocID="{F52DEEA7-815D-4753-9736-5F85C6FACEC4}" presName="parentTextArrow" presStyleLbl="node1" presStyleIdx="6" presStyleCnt="11"/>
+      <dgm:spPr/>
+    </dgm:pt>
+    <dgm:pt modelId="{345D68BD-EC58-4D0B-A135-66E137C8844F}" type="pres">
+      <dgm:prSet presAssocID="{9A11F4B4-D465-403A-BD1A-39CFD3D90C63}" presName="sp" presStyleCnt="0"/>
+      <dgm:spPr/>
+    </dgm:pt>
+    <dgm:pt modelId="{B60FE00B-E446-4CD7-9328-86C2714064C5}" type="pres">
+      <dgm:prSet presAssocID="{8AFF40C6-89EF-4E14-9AB7-B33FBC6DD6B5}" presName="arrowAndChildren" presStyleCnt="0"/>
+      <dgm:spPr/>
+    </dgm:pt>
+    <dgm:pt modelId="{E10B2EE8-EB4A-4815-B8DF-A20F5CF668E3}" type="pres">
+      <dgm:prSet presAssocID="{8AFF40C6-89EF-4E14-9AB7-B33FBC6DD6B5}" presName="parentTextArrow" presStyleLbl="node1" presStyleIdx="7" presStyleCnt="11"/>
+      <dgm:spPr/>
+    </dgm:pt>
+    <dgm:pt modelId="{916F5278-0F47-4AB2-A667-595211B4F1F6}" type="pres">
+      <dgm:prSet presAssocID="{47874542-CC38-4EC4-A661-34F5898AA6E2}" presName="sp" presStyleCnt="0"/>
+      <dgm:spPr/>
+    </dgm:pt>
+    <dgm:pt modelId="{A6C561F9-7732-4716-8C13-DCEDF05F1880}" type="pres">
+      <dgm:prSet presAssocID="{A75019EA-785B-4C15-B0BD-EAAFDBE047B1}" presName="arrowAndChildren" presStyleCnt="0"/>
+      <dgm:spPr/>
+    </dgm:pt>
+    <dgm:pt modelId="{7DEAF72E-41CF-4909-8C75-4A2A0AEF026F}" type="pres">
+      <dgm:prSet presAssocID="{A75019EA-785B-4C15-B0BD-EAAFDBE047B1}" presName="parentTextArrow" presStyleLbl="node1" presStyleIdx="8" presStyleCnt="11"/>
+      <dgm:spPr/>
+    </dgm:pt>
+    <dgm:pt modelId="{261D57B3-F0B3-44A9-832E-1D9DD12C04A7}" type="pres">
+      <dgm:prSet presAssocID="{C972BEEE-21BA-42ED-8F2B-8B21FB9DCB04}" presName="sp" presStyleCnt="0"/>
+      <dgm:spPr/>
+    </dgm:pt>
+    <dgm:pt modelId="{FB799229-B2D3-4321-BB70-0BED5CAA6FF2}" type="pres">
+      <dgm:prSet presAssocID="{E9E73B8C-1269-423C-9EB2-9BBF2FC1D5B3}" presName="arrowAndChildren" presStyleCnt="0"/>
+      <dgm:spPr/>
+    </dgm:pt>
+    <dgm:pt modelId="{67BDCFD8-F121-4C2E-BCCD-8782FA891576}" type="pres">
+      <dgm:prSet presAssocID="{E9E73B8C-1269-423C-9EB2-9BBF2FC1D5B3}" presName="parentTextArrow" presStyleLbl="node1" presStyleIdx="9" presStyleCnt="11"/>
+      <dgm:spPr/>
+    </dgm:pt>
+    <dgm:pt modelId="{4B455386-F74A-4D79-BBAE-F3E3ECB075FE}" type="pres">
+      <dgm:prSet presAssocID="{3CABAF43-B2FF-4F40-ABFA-0CD2B0EE0319}" presName="sp" presStyleCnt="0"/>
+      <dgm:spPr/>
+    </dgm:pt>
+    <dgm:pt modelId="{C938BD82-AB8B-402B-A65D-CF519B6D5FEE}" type="pres">
+      <dgm:prSet presAssocID="{A34974F4-E442-49D3-9301-5545EC4E9817}" presName="arrowAndChildren" presStyleCnt="0"/>
+      <dgm:spPr/>
+    </dgm:pt>
+    <dgm:pt modelId="{9DA0BAF2-68DA-4EB4-9AAB-1C7AA832B532}" type="pres">
+      <dgm:prSet presAssocID="{A34974F4-E442-49D3-9301-5545EC4E9817}" presName="parentTextArrow" presStyleLbl="node1" presStyleIdx="10" presStyleCnt="11"/>
+      <dgm:spPr/>
+    </dgm:pt>
+  </dgm:ptLst>
+  <dgm:cxnLst>
+    <dgm:cxn modelId="{C9427509-3108-418A-B8D3-F2262F4835A7}" type="presOf" srcId="{7FC2E15B-83E3-4A10-8C39-EB906991D301}" destId="{54950F62-7CD3-496B-8FF3-3A5A94C0743B}" srcOrd="0" destOrd="0" presId="urn:microsoft.com/office/officeart/2005/8/layout/process4"/>
+    <dgm:cxn modelId="{A741790C-A6CC-48E2-9E7F-DBE7A07D0840}" type="presOf" srcId="{8AFF40C6-89EF-4E14-9AB7-B33FBC6DD6B5}" destId="{E10B2EE8-EB4A-4815-B8DF-A20F5CF668E3}" srcOrd="0" destOrd="0" presId="urn:microsoft.com/office/officeart/2005/8/layout/process4"/>
+    <dgm:cxn modelId="{816DAE17-DC6A-4A0F-8897-2B737FC6EB36}" type="presOf" srcId="{7EB499BA-83DC-43E6-982F-1B155B17309D}" destId="{8CE53FA7-F5E2-46C1-81E7-7BCBD2E46ACC}" srcOrd="0" destOrd="0" presId="urn:microsoft.com/office/officeart/2005/8/layout/process4"/>
+    <dgm:cxn modelId="{4C639419-4F63-43EF-93B3-040F0C43D2B0}" type="presOf" srcId="{A34974F4-E442-49D3-9301-5545EC4E9817}" destId="{9DA0BAF2-68DA-4EB4-9AAB-1C7AA832B532}" srcOrd="0" destOrd="0" presId="urn:microsoft.com/office/officeart/2005/8/layout/process4"/>
+    <dgm:cxn modelId="{23EC7C2C-D194-4CBF-AF3B-A12CFBC9E33F}" srcId="{7FC2E15B-83E3-4A10-8C39-EB906991D301}" destId="{C1D4A124-0CD3-463F-B0DE-8BC6F164FDB4}" srcOrd="5" destOrd="0" parTransId="{3F1E20EC-5ED6-45AB-A306-724E1BBD4027}" sibTransId="{D32B0875-7F48-456C-9A86-A29E3BDAFD34}"/>
+    <dgm:cxn modelId="{5A4F3041-BE17-462E-A9DE-CACC462A39ED}" type="presOf" srcId="{F52DEEA7-815D-4753-9736-5F85C6FACEC4}" destId="{7C2CE55E-35AA-4309-BE62-AA258E55E38F}" srcOrd="0" destOrd="0" presId="urn:microsoft.com/office/officeart/2005/8/layout/process4"/>
+    <dgm:cxn modelId="{DF3B0448-D07E-4C70-B5AD-6BD496F762B1}" type="presOf" srcId="{A75019EA-785B-4C15-B0BD-EAAFDBE047B1}" destId="{7DEAF72E-41CF-4909-8C75-4A2A0AEF026F}" srcOrd="0" destOrd="0" presId="urn:microsoft.com/office/officeart/2005/8/layout/process4"/>
+    <dgm:cxn modelId="{30F9646B-1403-4D6F-B55D-F733AC8D0799}" srcId="{7FC2E15B-83E3-4A10-8C39-EB906991D301}" destId="{D4FB24CD-8E1D-4812-9D9F-EEB2F468F4FC}" srcOrd="8" destOrd="0" parTransId="{618B0DF9-D48B-48FB-BCC0-C3AFDBE1FE8D}" sibTransId="{ACF54EAC-6E29-4A0F-BFAA-943CB8DE5AA1}"/>
+    <dgm:cxn modelId="{5A743F6C-159F-43A3-83F2-6E79E1AA6C5A}" srcId="{7FC2E15B-83E3-4A10-8C39-EB906991D301}" destId="{F52DEEA7-815D-4753-9736-5F85C6FACEC4}" srcOrd="4" destOrd="0" parTransId="{985EB005-43E4-42AB-94CC-19A29E935FF2}" sibTransId="{E89CC3EB-114B-4494-A2C0-E82FBFE0CBEE}"/>
+    <dgm:cxn modelId="{7CBD9F74-1E80-4A0B-A41B-A0CD2E61C2E6}" srcId="{7FC2E15B-83E3-4A10-8C39-EB906991D301}" destId="{7EB499BA-83DC-43E6-982F-1B155B17309D}" srcOrd="6" destOrd="0" parTransId="{721154F7-5C04-4C48-A93D-8DC161896208}" sibTransId="{6EF246E4-DE63-4395-B7EF-0F90252B82BD}"/>
+    <dgm:cxn modelId="{41A41056-F2AA-4B26-8CE6-02FD78C22DDB}" type="presOf" srcId="{42896C41-5D9C-49A6-9115-6DD78BF6D8B8}" destId="{AC3007F1-B482-422E-AE34-96291D406DF5}" srcOrd="0" destOrd="0" presId="urn:microsoft.com/office/officeart/2005/8/layout/process4"/>
+    <dgm:cxn modelId="{ADDE1056-F0DA-42B9-95DF-D228C5E5446C}" type="presOf" srcId="{C1D4A124-0CD3-463F-B0DE-8BC6F164FDB4}" destId="{DEC8B29B-C202-47C8-AD76-EAC7294F4B34}" srcOrd="0" destOrd="0" presId="urn:microsoft.com/office/officeart/2005/8/layout/process4"/>
+    <dgm:cxn modelId="{7D7FEF58-27FF-4E0F-A714-07A026F0C7DA}" srcId="{7FC2E15B-83E3-4A10-8C39-EB906991D301}" destId="{8AFF40C6-89EF-4E14-9AB7-B33FBC6DD6B5}" srcOrd="3" destOrd="0" parTransId="{A8C74999-BF0C-420C-9FDE-AC2D9D461F2F}" sibTransId="{9A11F4B4-D465-403A-BD1A-39CFD3D90C63}"/>
+    <dgm:cxn modelId="{32DF627E-AC8C-4C7C-9EFE-C1D3E17A1175}" srcId="{7FC2E15B-83E3-4A10-8C39-EB906991D301}" destId="{5A903F16-62D2-436A-90DA-8C9764D8ED21}" srcOrd="9" destOrd="0" parTransId="{206D3186-F7C7-4AE7-A6A1-1ED05002585C}" sibTransId="{2851CA70-3479-4FCA-99FC-43D77F585405}"/>
+    <dgm:cxn modelId="{BED3A87E-8817-47C3-8569-7024AE4A9A38}" type="presOf" srcId="{5A903F16-62D2-436A-90DA-8C9764D8ED21}" destId="{CF5F043C-2755-43F4-AF35-5BA6A6EEA388}" srcOrd="0" destOrd="0" presId="urn:microsoft.com/office/officeart/2005/8/layout/process4"/>
+    <dgm:cxn modelId="{517A1E84-E21F-4AA1-B45C-C7318D276F75}" type="presOf" srcId="{D4FB24CD-8E1D-4812-9D9F-EEB2F468F4FC}" destId="{A9A2B48C-5A6F-48F8-BCD5-A1769AC569A1}" srcOrd="0" destOrd="0" presId="urn:microsoft.com/office/officeart/2005/8/layout/process4"/>
+    <dgm:cxn modelId="{A77D028D-9303-469D-BB21-9A15EAA6640B}" srcId="{7FC2E15B-83E3-4A10-8C39-EB906991D301}" destId="{E9E73B8C-1269-423C-9EB2-9BBF2FC1D5B3}" srcOrd="1" destOrd="0" parTransId="{C26C015F-6E50-47FB-BC8D-82AB3149C44E}" sibTransId="{C972BEEE-21BA-42ED-8F2B-8B21FB9DCB04}"/>
+    <dgm:cxn modelId="{E0E12CA7-D9FD-4217-BE97-05925522D878}" srcId="{7FC2E15B-83E3-4A10-8C39-EB906991D301}" destId="{42896C41-5D9C-49A6-9115-6DD78BF6D8B8}" srcOrd="10" destOrd="0" parTransId="{B936DDFA-B36A-4179-92CC-F35CC85BCB6B}" sibTransId="{A540E109-54E3-4EAC-A430-5FAE6F76FC78}"/>
+    <dgm:cxn modelId="{DF4863B9-72C7-4F77-821F-48771B6E120B}" srcId="{7FC2E15B-83E3-4A10-8C39-EB906991D301}" destId="{A34974F4-E442-49D3-9301-5545EC4E9817}" srcOrd="0" destOrd="0" parTransId="{67B11B71-38E8-4DD0-8854-BD3DC3753681}" sibTransId="{3CABAF43-B2FF-4F40-ABFA-0CD2B0EE0319}"/>
+    <dgm:cxn modelId="{9D758EBE-1D75-41F8-9A5C-44FAD4190BA7}" srcId="{7FC2E15B-83E3-4A10-8C39-EB906991D301}" destId="{A75019EA-785B-4C15-B0BD-EAAFDBE047B1}" srcOrd="2" destOrd="0" parTransId="{76319768-4DFA-41A1-94E3-ACA857EA44A8}" sibTransId="{47874542-CC38-4EC4-A661-34F5898AA6E2}"/>
+    <dgm:cxn modelId="{565B76C3-D535-470D-83FC-2144DFD4EB65}" type="presOf" srcId="{E9E73B8C-1269-423C-9EB2-9BBF2FC1D5B3}" destId="{67BDCFD8-F121-4C2E-BCCD-8782FA891576}" srcOrd="0" destOrd="0" presId="urn:microsoft.com/office/officeart/2005/8/layout/process4"/>
+    <dgm:cxn modelId="{9FD851E4-4D1C-4FD6-A07D-B2252A67A2DD}" srcId="{7FC2E15B-83E3-4A10-8C39-EB906991D301}" destId="{D602FEAD-FE60-4B1F-8020-F430D6B76C51}" srcOrd="7" destOrd="0" parTransId="{C68C5F7B-EBB9-4773-BFEF-BEDA84572DA1}" sibTransId="{9A27E852-910B-40D2-BDFC-EB51F43A0C38}"/>
+    <dgm:cxn modelId="{193C4DF1-CE4A-46FA-ABF9-A1184EABF7D8}" type="presOf" srcId="{D602FEAD-FE60-4B1F-8020-F430D6B76C51}" destId="{27617F7F-14FD-4C9F-90CC-6140487BC3FF}" srcOrd="0" destOrd="0" presId="urn:microsoft.com/office/officeart/2005/8/layout/process4"/>
+    <dgm:cxn modelId="{540EC8BD-CDBD-4D2F-8554-E2717EC03FB6}" type="presParOf" srcId="{54950F62-7CD3-496B-8FF3-3A5A94C0743B}" destId="{74ABDF91-F3E5-44F6-B6EA-186D5BC9FEF3}" srcOrd="0" destOrd="0" presId="urn:microsoft.com/office/officeart/2005/8/layout/process4"/>
+    <dgm:cxn modelId="{E4474CF6-826D-40FA-9A69-0E710149310F}" type="presParOf" srcId="{74ABDF91-F3E5-44F6-B6EA-186D5BC9FEF3}" destId="{AC3007F1-B482-422E-AE34-96291D406DF5}" srcOrd="0" destOrd="0" presId="urn:microsoft.com/office/officeart/2005/8/layout/process4"/>
+    <dgm:cxn modelId="{FCE4207B-F4AF-4771-B1DB-9D57E0AA8B6B}" type="presParOf" srcId="{54950F62-7CD3-496B-8FF3-3A5A94C0743B}" destId="{36D63D1D-30B4-4267-B7D1-FADADB8CC8E0}" srcOrd="1" destOrd="0" presId="urn:microsoft.com/office/officeart/2005/8/layout/process4"/>
+    <dgm:cxn modelId="{931ECD7B-BEE1-4B65-9718-63DE17F08030}" type="presParOf" srcId="{54950F62-7CD3-496B-8FF3-3A5A94C0743B}" destId="{5024E4E9-1576-4E0F-A885-0B70D7E42933}" srcOrd="2" destOrd="0" presId="urn:microsoft.com/office/officeart/2005/8/layout/process4"/>
+    <dgm:cxn modelId="{2295E0DA-5883-420F-9653-C0B72528CAE4}" type="presParOf" srcId="{5024E4E9-1576-4E0F-A885-0B70D7E42933}" destId="{CF5F043C-2755-43F4-AF35-5BA6A6EEA388}" srcOrd="0" destOrd="0" presId="urn:microsoft.com/office/officeart/2005/8/layout/process4"/>
+    <dgm:cxn modelId="{A67AE359-E136-417C-802D-8CCB532701FF}" type="presParOf" srcId="{54950F62-7CD3-496B-8FF3-3A5A94C0743B}" destId="{83DA9084-6CE7-4575-A64F-7DA53C2EC094}" srcOrd="3" destOrd="0" presId="urn:microsoft.com/office/officeart/2005/8/layout/process4"/>
+    <dgm:cxn modelId="{B80F1D77-D8F9-43C1-BC26-62693AEBFCD5}" type="presParOf" srcId="{54950F62-7CD3-496B-8FF3-3A5A94C0743B}" destId="{D6E8288B-E622-4511-94F7-415ADF2E76D3}" srcOrd="4" destOrd="0" presId="urn:microsoft.com/office/officeart/2005/8/layout/process4"/>
+    <dgm:cxn modelId="{DF550DB7-29B3-4A50-83ED-7FE887742399}" type="presParOf" srcId="{D6E8288B-E622-4511-94F7-415ADF2E76D3}" destId="{A9A2B48C-5A6F-48F8-BCD5-A1769AC569A1}" srcOrd="0" destOrd="0" presId="urn:microsoft.com/office/officeart/2005/8/layout/process4"/>
+    <dgm:cxn modelId="{AE5984FB-4B75-4D4C-B357-7791F88E63E7}" type="presParOf" srcId="{54950F62-7CD3-496B-8FF3-3A5A94C0743B}" destId="{524EBC96-438F-451F-8A1E-C711C044D7A1}" srcOrd="5" destOrd="0" presId="urn:microsoft.com/office/officeart/2005/8/layout/process4"/>
+    <dgm:cxn modelId="{8A46BE0D-27F7-4F6F-B357-9040A1564AD9}" type="presParOf" srcId="{54950F62-7CD3-496B-8FF3-3A5A94C0743B}" destId="{2ED1C873-7D69-44B7-9321-32F7209D995D}" srcOrd="6" destOrd="0" presId="urn:microsoft.com/office/officeart/2005/8/layout/process4"/>
+    <dgm:cxn modelId="{47C73A28-97FF-434D-9BB4-0E67EF7BD544}" type="presParOf" srcId="{2ED1C873-7D69-44B7-9321-32F7209D995D}" destId="{27617F7F-14FD-4C9F-90CC-6140487BC3FF}" srcOrd="0" destOrd="0" presId="urn:microsoft.com/office/officeart/2005/8/layout/process4"/>
+    <dgm:cxn modelId="{80A72209-7DBD-40C8-B09B-FC3B487C5DC0}" type="presParOf" srcId="{54950F62-7CD3-496B-8FF3-3A5A94C0743B}" destId="{C2B95D51-C8F2-4C89-AD4F-2294DEC3D604}" srcOrd="7" destOrd="0" presId="urn:microsoft.com/office/officeart/2005/8/layout/process4"/>
+    <dgm:cxn modelId="{58CBB80F-FB62-4FD6-A9A4-B72D17F9A1EF}" type="presParOf" srcId="{54950F62-7CD3-496B-8FF3-3A5A94C0743B}" destId="{F2ACB0E6-CE20-42FF-BBB6-F979572C62B5}" srcOrd="8" destOrd="0" presId="urn:microsoft.com/office/officeart/2005/8/layout/process4"/>
+    <dgm:cxn modelId="{1F72497B-BAFA-4821-9028-48844BA0A5AA}" type="presParOf" srcId="{F2ACB0E6-CE20-42FF-BBB6-F979572C62B5}" destId="{8CE53FA7-F5E2-46C1-81E7-7BCBD2E46ACC}" srcOrd="0" destOrd="0" presId="urn:microsoft.com/office/officeart/2005/8/layout/process4"/>
+    <dgm:cxn modelId="{A538E169-79DC-4E35-92D1-17773E9738DC}" type="presParOf" srcId="{54950F62-7CD3-496B-8FF3-3A5A94C0743B}" destId="{D258B244-846F-463E-B10A-95F9E700F7F8}" srcOrd="9" destOrd="0" presId="urn:microsoft.com/office/officeart/2005/8/layout/process4"/>
+    <dgm:cxn modelId="{B4A247E3-8D4B-4BC9-8F60-DAE37A949273}" type="presParOf" srcId="{54950F62-7CD3-496B-8FF3-3A5A94C0743B}" destId="{17D90372-98DE-45D9-847F-763A984BE8C6}" srcOrd="10" destOrd="0" presId="urn:microsoft.com/office/officeart/2005/8/layout/process4"/>
+    <dgm:cxn modelId="{C170BFFC-787E-4DC1-B57B-830846B52E67}" type="presParOf" srcId="{17D90372-98DE-45D9-847F-763A984BE8C6}" destId="{DEC8B29B-C202-47C8-AD76-EAC7294F4B34}" srcOrd="0" destOrd="0" presId="urn:microsoft.com/office/officeart/2005/8/layout/process4"/>
+    <dgm:cxn modelId="{89953596-43A2-487D-B182-405AB7D37EB5}" type="presParOf" srcId="{54950F62-7CD3-496B-8FF3-3A5A94C0743B}" destId="{1589AF3B-862A-4E02-9D76-629902504111}" srcOrd="11" destOrd="0" presId="urn:microsoft.com/office/officeart/2005/8/layout/process4"/>
+    <dgm:cxn modelId="{FDBC61FE-1A08-4EC9-872D-1E2B90628409}" type="presParOf" srcId="{54950F62-7CD3-496B-8FF3-3A5A94C0743B}" destId="{19661492-576F-4AE0-A578-071608BA2D13}" srcOrd="12" destOrd="0" presId="urn:microsoft.com/office/officeart/2005/8/layout/process4"/>
+    <dgm:cxn modelId="{F8E0DF9D-53F9-4F12-A921-2DC72A223277}" type="presParOf" srcId="{19661492-576F-4AE0-A578-071608BA2D13}" destId="{7C2CE55E-35AA-4309-BE62-AA258E55E38F}" srcOrd="0" destOrd="0" presId="urn:microsoft.com/office/officeart/2005/8/layout/process4"/>
+    <dgm:cxn modelId="{04EC8860-451A-405E-926A-678CB4D47AD6}" type="presParOf" srcId="{54950F62-7CD3-496B-8FF3-3A5A94C0743B}" destId="{345D68BD-EC58-4D0B-A135-66E137C8844F}" srcOrd="13" destOrd="0" presId="urn:microsoft.com/office/officeart/2005/8/layout/process4"/>
+    <dgm:cxn modelId="{CE63F221-2093-4143-BB4E-CEC7FD58FDC2}" type="presParOf" srcId="{54950F62-7CD3-496B-8FF3-3A5A94C0743B}" destId="{B60FE00B-E446-4CD7-9328-86C2714064C5}" srcOrd="14" destOrd="0" presId="urn:microsoft.com/office/officeart/2005/8/layout/process4"/>
+    <dgm:cxn modelId="{CE0EA071-8650-412D-A941-D8542468B3CF}" type="presParOf" srcId="{B60FE00B-E446-4CD7-9328-86C2714064C5}" destId="{E10B2EE8-EB4A-4815-B8DF-A20F5CF668E3}" srcOrd="0" destOrd="0" presId="urn:microsoft.com/office/officeart/2005/8/layout/process4"/>
+    <dgm:cxn modelId="{94029A3F-AC0A-4CDD-AFAC-3E3349F3D395}" type="presParOf" srcId="{54950F62-7CD3-496B-8FF3-3A5A94C0743B}" destId="{916F5278-0F47-4AB2-A667-595211B4F1F6}" srcOrd="15" destOrd="0" presId="urn:microsoft.com/office/officeart/2005/8/layout/process4"/>
+    <dgm:cxn modelId="{B7C52009-732B-4D77-A3C0-A2C73CFB5141}" type="presParOf" srcId="{54950F62-7CD3-496B-8FF3-3A5A94C0743B}" destId="{A6C561F9-7732-4716-8C13-DCEDF05F1880}" srcOrd="16" destOrd="0" presId="urn:microsoft.com/office/officeart/2005/8/layout/process4"/>
+    <dgm:cxn modelId="{E019744A-BA42-4592-9417-86E8CFE2089D}" type="presParOf" srcId="{A6C561F9-7732-4716-8C13-DCEDF05F1880}" destId="{7DEAF72E-41CF-4909-8C75-4A2A0AEF026F}" srcOrd="0" destOrd="0" presId="urn:microsoft.com/office/officeart/2005/8/layout/process4"/>
+    <dgm:cxn modelId="{B34DC33C-A42B-4759-AD63-4104CF86C451}" type="presParOf" srcId="{54950F62-7CD3-496B-8FF3-3A5A94C0743B}" destId="{261D57B3-F0B3-44A9-832E-1D9DD12C04A7}" srcOrd="17" destOrd="0" presId="urn:microsoft.com/office/officeart/2005/8/layout/process4"/>
+    <dgm:cxn modelId="{C212DE45-371F-40E2-87CB-AC190FDF41E9}" type="presParOf" srcId="{54950F62-7CD3-496B-8FF3-3A5A94C0743B}" destId="{FB799229-B2D3-4321-BB70-0BED5CAA6FF2}" srcOrd="18" destOrd="0" presId="urn:microsoft.com/office/officeart/2005/8/layout/process4"/>
+    <dgm:cxn modelId="{44198B6C-EDB7-4934-8D70-61D75083215B}" type="presParOf" srcId="{FB799229-B2D3-4321-BB70-0BED5CAA6FF2}" destId="{67BDCFD8-F121-4C2E-BCCD-8782FA891576}" srcOrd="0" destOrd="0" presId="urn:microsoft.com/office/officeart/2005/8/layout/process4"/>
+    <dgm:cxn modelId="{83B64480-30E0-4EF3-A6B5-708109AB212E}" type="presParOf" srcId="{54950F62-7CD3-496B-8FF3-3A5A94C0743B}" destId="{4B455386-F74A-4D79-BBAE-F3E3ECB075FE}" srcOrd="19" destOrd="0" presId="urn:microsoft.com/office/officeart/2005/8/layout/process4"/>
+    <dgm:cxn modelId="{41233604-62E7-4FCA-A147-A8AAA06E004F}" type="presParOf" srcId="{54950F62-7CD3-496B-8FF3-3A5A94C0743B}" destId="{C938BD82-AB8B-402B-A65D-CF519B6D5FEE}" srcOrd="20" destOrd="0" presId="urn:microsoft.com/office/officeart/2005/8/layout/process4"/>
+    <dgm:cxn modelId="{8E7EC3D7-B8A8-4EFA-804C-A0208979110B}" type="presParOf" srcId="{C938BD82-AB8B-402B-A65D-CF519B6D5FEE}" destId="{9DA0BAF2-68DA-4EB4-9AAB-1C7AA832B532}" srcOrd="0" destOrd="0" presId="urn:microsoft.com/office/officeart/2005/8/layout/process4"/>
+  </dgm:cxnLst>
+  <dgm:bg/>
+  <dgm:whole/>
+  <dgm:extLst>
+    <a:ext uri="http://schemas.microsoft.com/office/drawing/2008/diagram">
+      <dsp:dataModelExt xmlns:dsp="http://schemas.microsoft.com/office/drawing/2008/diagram" relId="rId9" minVer="http://schemas.openxmlformats.org/drawingml/2006/diagram"/>
+    </a:ext>
+  </dgm:extLst>
+</dgm:dataModel>
+</file>
+
+<file path=ppt/diagrams/drawing1.xml><?xml version="1.0" encoding="utf-8"?>
+<dsp:drawing xmlns:dgm="http://schemas.openxmlformats.org/drawingml/2006/diagram" xmlns:dsp="http://schemas.microsoft.com/office/drawing/2008/diagram" xmlns:a="http://schemas.openxmlformats.org/drawingml/2006/main">
+  <dsp:spTree>
+    <dsp:nvGrpSpPr>
+      <dsp:cNvPr id="0" name=""/>
+      <dsp:cNvGrpSpPr/>
+    </dsp:nvGrpSpPr>
+    <dsp:grpSpPr/>
+    <dsp:sp modelId="{AC3007F1-B482-422E-AE34-96291D406DF5}">
+      <dsp:nvSpPr>
+        <dsp:cNvPr id="0" name=""/>
+        <dsp:cNvSpPr/>
+      </dsp:nvSpPr>
+      <dsp:spPr>
+        <a:xfrm>
+          <a:off x="0" y="10913428"/>
+          <a:ext cx="5132571" cy="716389"/>
+        </a:xfrm>
+        <a:prstGeom prst="rect">
+          <a:avLst/>
+        </a:prstGeom>
+        <a:solidFill>
+          <a:srgbClr val="FF0000"/>
+        </a:solidFill>
+        <a:ln w="12700" cap="flat" cmpd="sng" algn="ctr">
+          <a:solidFill>
+            <a:schemeClr val="lt1">
+              <a:hueOff val="0"/>
+              <a:satOff val="0"/>
+              <a:lumOff val="0"/>
+              <a:alphaOff val="0"/>
+            </a:schemeClr>
+          </a:solidFill>
+          <a:prstDash val="solid"/>
+          <a:miter lim="800000"/>
+        </a:ln>
+        <a:effectLst/>
+      </dsp:spPr>
+      <dsp:style>
+        <a:lnRef idx="2">
+          <a:scrgbClr r="0" g="0" b="0"/>
+        </a:lnRef>
+        <a:fillRef idx="1">
+          <a:scrgbClr r="0" g="0" b="0"/>
+        </a:fillRef>
+        <a:effectRef idx="0">
+          <a:scrgbClr r="0" g="0" b="0"/>
+        </a:effectRef>
+        <a:fontRef idx="minor">
+          <a:schemeClr val="lt1"/>
+        </a:fontRef>
+      </dsp:style>
+      <dsp:txBody>
+        <a:bodyPr spcFirstLastPara="0" vert="horz" wrap="square" lIns="184912" tIns="184912" rIns="184912" bIns="184912" numCol="1" spcCol="1270" anchor="ctr" anchorCtr="0">
+          <a:noAutofit/>
+        </a:bodyPr>
+        <a:lstStyle/>
+        <a:p>
+          <a:pPr marL="0" lvl="0" indent="0" algn="ctr" defTabSz="1155700">
+            <a:lnSpc>
+              <a:spcPct val="90000"/>
+            </a:lnSpc>
+            <a:spcBef>
+              <a:spcPct val="0"/>
+            </a:spcBef>
+            <a:spcAft>
+              <a:spcPct val="35000"/>
+            </a:spcAft>
+            <a:buNone/>
+          </a:pPr>
+          <a:r>
+            <a:rPr lang="en-GB" sz="2600" kern="1200" dirty="0">
+              <a:solidFill>
+                <a:schemeClr val="tx1"/>
+              </a:solidFill>
+            </a:rPr>
+            <a:t>Play Across Both Hands</a:t>
+          </a:r>
+        </a:p>
+      </dsp:txBody>
+      <dsp:txXfrm>
+        <a:off x="0" y="10913428"/>
+        <a:ext cx="5132571" cy="716389"/>
+      </dsp:txXfrm>
+    </dsp:sp>
+    <dsp:sp modelId="{CF5F043C-2755-43F4-AF35-5BA6A6EEA388}">
+      <dsp:nvSpPr>
+        <dsp:cNvPr id="0" name=""/>
+        <dsp:cNvSpPr/>
+      </dsp:nvSpPr>
+      <dsp:spPr>
+        <a:xfrm rot="10800000">
+          <a:off x="0" y="9822366"/>
+          <a:ext cx="5132571" cy="1101807"/>
+        </a:xfrm>
+        <a:prstGeom prst="upArrowCallout">
+          <a:avLst/>
+        </a:prstGeom>
+        <a:solidFill>
+          <a:srgbClr val="FF9900"/>
+        </a:solidFill>
+        <a:ln w="12700" cap="flat" cmpd="sng" algn="ctr">
+          <a:solidFill>
+            <a:schemeClr val="lt1">
+              <a:hueOff val="0"/>
+              <a:satOff val="0"/>
+              <a:lumOff val="0"/>
+              <a:alphaOff val="0"/>
+            </a:schemeClr>
+          </a:solidFill>
+          <a:prstDash val="solid"/>
+          <a:miter lim="800000"/>
+        </a:ln>
+        <a:effectLst/>
+      </dsp:spPr>
+      <dsp:style>
+        <a:lnRef idx="2">
+          <a:scrgbClr r="0" g="0" b="0"/>
+        </a:lnRef>
+        <a:fillRef idx="1">
+          <a:scrgbClr r="0" g="0" b="0"/>
+        </a:fillRef>
+        <a:effectRef idx="0">
+          <a:scrgbClr r="0" g="0" b="0"/>
+        </a:effectRef>
+        <a:fontRef idx="minor">
+          <a:schemeClr val="lt1"/>
+        </a:fontRef>
+      </dsp:style>
+      <dsp:txBody>
+        <a:bodyPr spcFirstLastPara="0" vert="horz" wrap="square" lIns="184912" tIns="184912" rIns="184912" bIns="184912" numCol="1" spcCol="1270" anchor="ctr" anchorCtr="0">
+          <a:noAutofit/>
+        </a:bodyPr>
+        <a:lstStyle/>
+        <a:p>
+          <a:pPr marL="0" lvl="0" indent="0" algn="ctr" defTabSz="1155700">
+            <a:lnSpc>
+              <a:spcPct val="90000"/>
+            </a:lnSpc>
+            <a:spcBef>
+              <a:spcPct val="0"/>
+            </a:spcBef>
+            <a:spcAft>
+              <a:spcPct val="35000"/>
+            </a:spcAft>
+            <a:buNone/>
+          </a:pPr>
+          <a:r>
+            <a:rPr lang="en-GB" sz="2600" kern="1200" dirty="0">
+              <a:solidFill>
+                <a:schemeClr val="tx1"/>
+              </a:solidFill>
+            </a:rPr>
+            <a:t>Play Across Both Hands, Introducing New Chords</a:t>
+          </a:r>
+        </a:p>
+      </dsp:txBody>
+      <dsp:txXfrm rot="10800000">
+        <a:off x="0" y="9822366"/>
+        <a:ext cx="5132571" cy="715921"/>
+      </dsp:txXfrm>
+    </dsp:sp>
+    <dsp:sp modelId="{A9A2B48C-5A6F-48F8-BCD5-A1769AC569A1}">
+      <dsp:nvSpPr>
+        <dsp:cNvPr id="0" name=""/>
+        <dsp:cNvSpPr/>
+      </dsp:nvSpPr>
+      <dsp:spPr>
+        <a:xfrm rot="10800000">
+          <a:off x="0" y="8731305"/>
+          <a:ext cx="5132571" cy="1101807"/>
+        </a:xfrm>
+        <a:prstGeom prst="upArrowCallout">
+          <a:avLst/>
+        </a:prstGeom>
+        <a:solidFill>
+          <a:srgbClr val="E3B907"/>
+        </a:solidFill>
+        <a:ln w="12700" cap="flat" cmpd="sng" algn="ctr">
+          <a:solidFill>
+            <a:schemeClr val="lt1">
+              <a:hueOff val="0"/>
+              <a:satOff val="0"/>
+              <a:lumOff val="0"/>
+              <a:alphaOff val="0"/>
+            </a:schemeClr>
+          </a:solidFill>
+          <a:prstDash val="solid"/>
+          <a:miter lim="800000"/>
+        </a:ln>
+        <a:effectLst/>
+      </dsp:spPr>
+      <dsp:style>
+        <a:lnRef idx="2">
+          <a:scrgbClr r="0" g="0" b="0"/>
+        </a:lnRef>
+        <a:fillRef idx="1">
+          <a:scrgbClr r="0" g="0" b="0"/>
+        </a:fillRef>
+        <a:effectRef idx="0">
+          <a:scrgbClr r="0" g="0" b="0"/>
+        </a:effectRef>
+        <a:fontRef idx="minor">
+          <a:schemeClr val="lt1"/>
+        </a:fontRef>
+      </dsp:style>
+      <dsp:txBody>
+        <a:bodyPr spcFirstLastPara="0" vert="horz" wrap="square" lIns="184912" tIns="184912" rIns="184912" bIns="184912" numCol="1" spcCol="1270" anchor="ctr" anchorCtr="0">
+          <a:noAutofit/>
+        </a:bodyPr>
+        <a:lstStyle/>
+        <a:p>
+          <a:pPr marL="0" lvl="0" indent="0" algn="ctr" defTabSz="1155700">
+            <a:lnSpc>
+              <a:spcPct val="90000"/>
+            </a:lnSpc>
+            <a:spcBef>
+              <a:spcPct val="0"/>
+            </a:spcBef>
+            <a:spcAft>
+              <a:spcPct val="35000"/>
+            </a:spcAft>
+            <a:buNone/>
+          </a:pPr>
+          <a:r>
+            <a:rPr lang="en-GB" sz="2600" kern="1200" dirty="0">
+              <a:solidFill>
+                <a:schemeClr val="tx1"/>
+              </a:solidFill>
+            </a:rPr>
+            <a:t>Play Across Both Hands</a:t>
+          </a:r>
+        </a:p>
+      </dsp:txBody>
+      <dsp:txXfrm rot="10800000">
+        <a:off x="0" y="8731305"/>
+        <a:ext cx="5132571" cy="715921"/>
+      </dsp:txXfrm>
+    </dsp:sp>
+    <dsp:sp modelId="{27617F7F-14FD-4C9F-90CC-6140487BC3FF}">
+      <dsp:nvSpPr>
+        <dsp:cNvPr id="0" name=""/>
+        <dsp:cNvSpPr/>
+      </dsp:nvSpPr>
+      <dsp:spPr>
+        <a:xfrm rot="10800000">
+          <a:off x="0" y="7640244"/>
+          <a:ext cx="5132571" cy="1101807"/>
+        </a:xfrm>
+        <a:prstGeom prst="upArrowCallout">
+          <a:avLst/>
+        </a:prstGeom>
+        <a:solidFill>
+          <a:srgbClr val="FFFF00"/>
+        </a:solidFill>
+        <a:ln w="12700" cap="flat" cmpd="sng" algn="ctr">
+          <a:solidFill>
+            <a:schemeClr val="lt1">
+              <a:hueOff val="0"/>
+              <a:satOff val="0"/>
+              <a:lumOff val="0"/>
+              <a:alphaOff val="0"/>
+            </a:schemeClr>
+          </a:solidFill>
+          <a:prstDash val="solid"/>
+          <a:miter lim="800000"/>
+        </a:ln>
+        <a:effectLst/>
+      </dsp:spPr>
+      <dsp:style>
+        <a:lnRef idx="2">
+          <a:scrgbClr r="0" g="0" b="0"/>
+        </a:lnRef>
+        <a:fillRef idx="1">
+          <a:scrgbClr r="0" g="0" b="0"/>
+        </a:fillRef>
+        <a:effectRef idx="0">
+          <a:scrgbClr r="0" g="0" b="0"/>
+        </a:effectRef>
+        <a:fontRef idx="minor">
+          <a:schemeClr val="lt1"/>
+        </a:fontRef>
+      </dsp:style>
+      <dsp:txBody>
+        <a:bodyPr spcFirstLastPara="0" vert="horz" wrap="square" lIns="184912" tIns="184912" rIns="184912" bIns="184912" numCol="1" spcCol="1270" anchor="ctr" anchorCtr="0">
+          <a:noAutofit/>
+        </a:bodyPr>
+        <a:lstStyle/>
+        <a:p>
+          <a:pPr marL="0" lvl="0" indent="0" algn="ctr" defTabSz="1155700">
+            <a:lnSpc>
+              <a:spcPct val="90000"/>
+            </a:lnSpc>
+            <a:spcBef>
+              <a:spcPct val="0"/>
+            </a:spcBef>
+            <a:spcAft>
+              <a:spcPct val="35000"/>
+            </a:spcAft>
+            <a:buNone/>
+          </a:pPr>
+          <a:r>
+            <a:rPr lang="en-GB" sz="2600" kern="1200" dirty="0">
+              <a:solidFill>
+                <a:schemeClr val="tx1"/>
+              </a:solidFill>
+            </a:rPr>
+            <a:t>Less Dominant Hand, Introduce 3 Note Chords</a:t>
+          </a:r>
+        </a:p>
+      </dsp:txBody>
+      <dsp:txXfrm rot="10800000">
+        <a:off x="0" y="7640244"/>
+        <a:ext cx="5132571" cy="715921"/>
+      </dsp:txXfrm>
+    </dsp:sp>
+    <dsp:sp modelId="{8CE53FA7-F5E2-46C1-81E7-7BCBD2E46ACC}">
+      <dsp:nvSpPr>
+        <dsp:cNvPr id="0" name=""/>
+        <dsp:cNvSpPr/>
+      </dsp:nvSpPr>
+      <dsp:spPr>
+        <a:xfrm rot="10800000">
+          <a:off x="0" y="6549183"/>
+          <a:ext cx="5132571" cy="1101807"/>
+        </a:xfrm>
+        <a:prstGeom prst="upArrowCallout">
+          <a:avLst/>
+        </a:prstGeom>
+        <a:solidFill>
+          <a:srgbClr val="CCFF66"/>
+        </a:solidFill>
+        <a:ln w="12700" cap="flat" cmpd="sng" algn="ctr">
+          <a:solidFill>
+            <a:schemeClr val="lt1">
+              <a:hueOff val="0"/>
+              <a:satOff val="0"/>
+              <a:lumOff val="0"/>
+              <a:alphaOff val="0"/>
+            </a:schemeClr>
+          </a:solidFill>
+          <a:prstDash val="solid"/>
+          <a:miter lim="800000"/>
+        </a:ln>
+        <a:effectLst/>
+      </dsp:spPr>
+      <dsp:style>
+        <a:lnRef idx="2">
+          <a:scrgbClr r="0" g="0" b="0"/>
+        </a:lnRef>
+        <a:fillRef idx="1">
+          <a:scrgbClr r="0" g="0" b="0"/>
+        </a:fillRef>
+        <a:effectRef idx="0">
+          <a:scrgbClr r="0" g="0" b="0"/>
+        </a:effectRef>
+        <a:fontRef idx="minor">
+          <a:schemeClr val="lt1"/>
+        </a:fontRef>
+      </dsp:style>
+      <dsp:txBody>
+        <a:bodyPr spcFirstLastPara="0" vert="horz" wrap="square" lIns="184912" tIns="184912" rIns="184912" bIns="184912" numCol="1" spcCol="1270" anchor="ctr" anchorCtr="0">
+          <a:noAutofit/>
+        </a:bodyPr>
+        <a:lstStyle/>
+        <a:p>
+          <a:pPr marL="0" lvl="0" indent="0" algn="ctr" defTabSz="1155700">
+            <a:lnSpc>
+              <a:spcPct val="90000"/>
+            </a:lnSpc>
+            <a:spcBef>
+              <a:spcPct val="0"/>
+            </a:spcBef>
+            <a:spcAft>
+              <a:spcPct val="35000"/>
+            </a:spcAft>
+            <a:buNone/>
+          </a:pPr>
+          <a:r>
+            <a:rPr lang="en-GB" sz="2600" kern="1200" dirty="0">
+              <a:solidFill>
+                <a:schemeClr val="tx1"/>
+              </a:solidFill>
+            </a:rPr>
+            <a:t>Less Dominant Hand, Introduce Sharps and Flats in the Octave</a:t>
+          </a:r>
+        </a:p>
+      </dsp:txBody>
+      <dsp:txXfrm rot="10800000">
+        <a:off x="0" y="6549183"/>
+        <a:ext cx="5132571" cy="715921"/>
+      </dsp:txXfrm>
+    </dsp:sp>
+    <dsp:sp modelId="{DEC8B29B-C202-47C8-AD76-EAC7294F4B34}">
+      <dsp:nvSpPr>
+        <dsp:cNvPr id="0" name=""/>
+        <dsp:cNvSpPr/>
+      </dsp:nvSpPr>
+      <dsp:spPr>
+        <a:xfrm rot="10800000">
+          <a:off x="0" y="5458121"/>
+          <a:ext cx="5132571" cy="1101807"/>
+        </a:xfrm>
+        <a:prstGeom prst="upArrowCallout">
+          <a:avLst/>
+        </a:prstGeom>
+        <a:solidFill>
+          <a:srgbClr val="00FF00"/>
+        </a:solidFill>
+        <a:ln w="12700" cap="flat" cmpd="sng" algn="ctr">
+          <a:solidFill>
+            <a:schemeClr val="lt1">
+              <a:hueOff val="0"/>
+              <a:satOff val="0"/>
+              <a:lumOff val="0"/>
+              <a:alphaOff val="0"/>
+            </a:schemeClr>
+          </a:solidFill>
+          <a:prstDash val="solid"/>
+          <a:miter lim="800000"/>
+        </a:ln>
+        <a:effectLst/>
+      </dsp:spPr>
+      <dsp:style>
+        <a:lnRef idx="2">
+          <a:scrgbClr r="0" g="0" b="0"/>
+        </a:lnRef>
+        <a:fillRef idx="1">
+          <a:scrgbClr r="0" g="0" b="0"/>
+        </a:fillRef>
+        <a:effectRef idx="0">
+          <a:scrgbClr r="0" g="0" b="0"/>
+        </a:effectRef>
+        <a:fontRef idx="minor">
+          <a:schemeClr val="lt1"/>
+        </a:fontRef>
+      </dsp:style>
+      <dsp:txBody>
+        <a:bodyPr spcFirstLastPara="0" vert="horz" wrap="square" lIns="184912" tIns="184912" rIns="184912" bIns="184912" numCol="1" spcCol="1270" anchor="ctr" anchorCtr="0">
+          <a:noAutofit/>
+        </a:bodyPr>
+        <a:lstStyle/>
+        <a:p>
+          <a:pPr marL="0" lvl="0" indent="0" algn="ctr" defTabSz="1155700">
+            <a:lnSpc>
+              <a:spcPct val="90000"/>
+            </a:lnSpc>
+            <a:spcBef>
+              <a:spcPct val="0"/>
+            </a:spcBef>
+            <a:spcAft>
+              <a:spcPct val="35000"/>
+            </a:spcAft>
+            <a:buNone/>
+          </a:pPr>
+          <a:r>
+            <a:rPr lang="en-GB" sz="2600" kern="1200" dirty="0">
+              <a:solidFill>
+                <a:schemeClr val="tx1"/>
+              </a:solidFill>
+            </a:rPr>
+            <a:t>Less Dominant Hand, Move Hand Across 1 Octave</a:t>
+          </a:r>
+        </a:p>
+      </dsp:txBody>
+      <dsp:txXfrm rot="10800000">
+        <a:off x="0" y="5458121"/>
+        <a:ext cx="5132571" cy="715921"/>
+      </dsp:txXfrm>
+    </dsp:sp>
+    <dsp:sp modelId="{7C2CE55E-35AA-4309-BE62-AA258E55E38F}">
+      <dsp:nvSpPr>
+        <dsp:cNvPr id="0" name=""/>
+        <dsp:cNvSpPr/>
+      </dsp:nvSpPr>
+      <dsp:spPr>
+        <a:xfrm rot="10800000">
+          <a:off x="0" y="4367060"/>
+          <a:ext cx="5132571" cy="1101807"/>
+        </a:xfrm>
+        <a:prstGeom prst="upArrowCallout">
+          <a:avLst/>
+        </a:prstGeom>
+        <a:solidFill>
+          <a:srgbClr val="0DFFC0"/>
+        </a:solidFill>
+        <a:ln w="12700" cap="flat" cmpd="sng" algn="ctr">
+          <a:solidFill>
+            <a:schemeClr val="lt1">
+              <a:hueOff val="0"/>
+              <a:satOff val="0"/>
+              <a:lumOff val="0"/>
+              <a:alphaOff val="0"/>
+            </a:schemeClr>
+          </a:solidFill>
+          <a:prstDash val="solid"/>
+          <a:miter lim="800000"/>
+        </a:ln>
+        <a:effectLst/>
+      </dsp:spPr>
+      <dsp:style>
+        <a:lnRef idx="2">
+          <a:scrgbClr r="0" g="0" b="0"/>
+        </a:lnRef>
+        <a:fillRef idx="1">
+          <a:scrgbClr r="0" g="0" b="0"/>
+        </a:fillRef>
+        <a:effectRef idx="0">
+          <a:scrgbClr r="0" g="0" b="0"/>
+        </a:effectRef>
+        <a:fontRef idx="minor">
+          <a:schemeClr val="lt1"/>
+        </a:fontRef>
+      </dsp:style>
+      <dsp:txBody>
+        <a:bodyPr spcFirstLastPara="0" vert="horz" wrap="square" lIns="184912" tIns="184912" rIns="184912" bIns="184912" numCol="1" spcCol="1270" anchor="ctr" anchorCtr="0">
+          <a:noAutofit/>
+        </a:bodyPr>
+        <a:lstStyle/>
+        <a:p>
+          <a:pPr marL="0" lvl="0" indent="0" algn="ctr" defTabSz="1155700">
+            <a:lnSpc>
+              <a:spcPct val="90000"/>
+            </a:lnSpc>
+            <a:spcBef>
+              <a:spcPct val="0"/>
+            </a:spcBef>
+            <a:spcAft>
+              <a:spcPct val="35000"/>
+            </a:spcAft>
+            <a:buNone/>
+          </a:pPr>
+          <a:r>
+            <a:rPr lang="en-GB" sz="2600" kern="1200" dirty="0">
+              <a:solidFill>
+                <a:schemeClr val="tx1"/>
+              </a:solidFill>
+            </a:rPr>
+            <a:t>Swap to Less Dominant Hand, Without Moving Hand</a:t>
+          </a:r>
+        </a:p>
+      </dsp:txBody>
+      <dsp:txXfrm rot="10800000">
+        <a:off x="0" y="4367060"/>
+        <a:ext cx="5132571" cy="715921"/>
+      </dsp:txXfrm>
+    </dsp:sp>
+    <dsp:sp modelId="{E10B2EE8-EB4A-4815-B8DF-A20F5CF668E3}">
+      <dsp:nvSpPr>
+        <dsp:cNvPr id="0" name=""/>
+        <dsp:cNvSpPr/>
+      </dsp:nvSpPr>
+      <dsp:spPr>
+        <a:xfrm rot="10800000">
+          <a:off x="0" y="3275999"/>
+          <a:ext cx="5132571" cy="1101807"/>
+        </a:xfrm>
+        <a:prstGeom prst="upArrowCallout">
+          <a:avLst/>
+        </a:prstGeom>
+        <a:solidFill>
+          <a:srgbClr val="0099FF"/>
+        </a:solidFill>
+        <a:ln w="12700" cap="flat" cmpd="sng" algn="ctr">
+          <a:solidFill>
+            <a:schemeClr val="lt1">
+              <a:hueOff val="0"/>
+              <a:satOff val="0"/>
+              <a:lumOff val="0"/>
+              <a:alphaOff val="0"/>
+            </a:schemeClr>
+          </a:solidFill>
+          <a:prstDash val="solid"/>
+          <a:miter lim="800000"/>
+        </a:ln>
+        <a:effectLst/>
+      </dsp:spPr>
+      <dsp:style>
+        <a:lnRef idx="2">
+          <a:scrgbClr r="0" g="0" b="0"/>
+        </a:lnRef>
+        <a:fillRef idx="1">
+          <a:scrgbClr r="0" g="0" b="0"/>
+        </a:fillRef>
+        <a:effectRef idx="0">
+          <a:scrgbClr r="0" g="0" b="0"/>
+        </a:effectRef>
+        <a:fontRef idx="minor">
+          <a:schemeClr val="lt1"/>
+        </a:fontRef>
+      </dsp:style>
+      <dsp:txBody>
+        <a:bodyPr spcFirstLastPara="0" vert="horz" wrap="square" lIns="184912" tIns="184912" rIns="184912" bIns="184912" numCol="1" spcCol="1270" anchor="ctr" anchorCtr="0">
+          <a:noAutofit/>
+        </a:bodyPr>
+        <a:lstStyle/>
+        <a:p>
+          <a:pPr marL="0" lvl="0" indent="0" algn="ctr" defTabSz="1155700">
+            <a:lnSpc>
+              <a:spcPct val="90000"/>
+            </a:lnSpc>
+            <a:spcBef>
+              <a:spcPct val="0"/>
+            </a:spcBef>
+            <a:spcAft>
+              <a:spcPct val="35000"/>
+            </a:spcAft>
+            <a:buNone/>
+          </a:pPr>
+          <a:r>
+            <a:rPr lang="en-GB" sz="2600" kern="1200" dirty="0">
+              <a:solidFill>
+                <a:schemeClr val="tx1"/>
+              </a:solidFill>
+            </a:rPr>
+            <a:t>Dominant Hand, Introduce 3 Note Chords</a:t>
+          </a:r>
+        </a:p>
+      </dsp:txBody>
+      <dsp:txXfrm rot="10800000">
+        <a:off x="0" y="3275999"/>
+        <a:ext cx="5132571" cy="715921"/>
+      </dsp:txXfrm>
+    </dsp:sp>
+    <dsp:sp modelId="{7DEAF72E-41CF-4909-8C75-4A2A0AEF026F}">
+      <dsp:nvSpPr>
+        <dsp:cNvPr id="0" name=""/>
+        <dsp:cNvSpPr/>
+      </dsp:nvSpPr>
+      <dsp:spPr>
+        <a:xfrm rot="10800000">
+          <a:off x="0" y="2184937"/>
+          <a:ext cx="5132571" cy="1101807"/>
+        </a:xfrm>
+        <a:prstGeom prst="upArrowCallout">
+          <a:avLst/>
+        </a:prstGeom>
+        <a:solidFill>
+          <a:srgbClr val="5B5BC9"/>
+        </a:solidFill>
+        <a:ln w="12700" cap="flat" cmpd="sng" algn="ctr">
+          <a:solidFill>
+            <a:schemeClr val="lt1">
+              <a:hueOff val="0"/>
+              <a:satOff val="0"/>
+              <a:lumOff val="0"/>
+              <a:alphaOff val="0"/>
+            </a:schemeClr>
+          </a:solidFill>
+          <a:prstDash val="solid"/>
+          <a:miter lim="800000"/>
+        </a:ln>
+        <a:effectLst/>
+      </dsp:spPr>
+      <dsp:style>
+        <a:lnRef idx="2">
+          <a:scrgbClr r="0" g="0" b="0"/>
+        </a:lnRef>
+        <a:fillRef idx="1">
+          <a:scrgbClr r="0" g="0" b="0"/>
+        </a:fillRef>
+        <a:effectRef idx="0">
+          <a:scrgbClr r="0" g="0" b="0"/>
+        </a:effectRef>
+        <a:fontRef idx="minor">
+          <a:schemeClr val="lt1"/>
+        </a:fontRef>
+      </dsp:style>
+      <dsp:txBody>
+        <a:bodyPr spcFirstLastPara="0" vert="horz" wrap="square" lIns="184912" tIns="184912" rIns="184912" bIns="184912" numCol="1" spcCol="1270" anchor="ctr" anchorCtr="0">
+          <a:noAutofit/>
+        </a:bodyPr>
+        <a:lstStyle/>
+        <a:p>
+          <a:pPr marL="0" lvl="0" indent="0" algn="ctr" defTabSz="1155700">
+            <a:lnSpc>
+              <a:spcPct val="90000"/>
+            </a:lnSpc>
+            <a:spcBef>
+              <a:spcPct val="0"/>
+            </a:spcBef>
+            <a:spcAft>
+              <a:spcPct val="35000"/>
+            </a:spcAft>
+            <a:buNone/>
+          </a:pPr>
+          <a:r>
+            <a:rPr lang="en-GB" sz="2600" kern="1200" dirty="0">
+              <a:solidFill>
+                <a:schemeClr val="tx1"/>
+              </a:solidFill>
+            </a:rPr>
+            <a:t>Dominant Hand, Introduce Sharps and Flats in the Octave</a:t>
+          </a:r>
+        </a:p>
+      </dsp:txBody>
+      <dsp:txXfrm rot="10800000">
+        <a:off x="0" y="2184937"/>
+        <a:ext cx="5132571" cy="715921"/>
+      </dsp:txXfrm>
+    </dsp:sp>
+    <dsp:sp modelId="{67BDCFD8-F121-4C2E-BCCD-8782FA891576}">
+      <dsp:nvSpPr>
+        <dsp:cNvPr id="0" name=""/>
+        <dsp:cNvSpPr/>
+      </dsp:nvSpPr>
+      <dsp:spPr>
+        <a:xfrm rot="10800000">
+          <a:off x="0" y="1093876"/>
+          <a:ext cx="5132571" cy="1101807"/>
+        </a:xfrm>
+        <a:prstGeom prst="upArrowCallout">
+          <a:avLst/>
+        </a:prstGeom>
+        <a:solidFill>
+          <a:srgbClr val="CC66FF"/>
+        </a:solidFill>
+        <a:ln w="12700" cap="flat" cmpd="sng" algn="ctr">
+          <a:solidFill>
+            <a:schemeClr val="lt1">
+              <a:hueOff val="0"/>
+              <a:satOff val="0"/>
+              <a:lumOff val="0"/>
+              <a:alphaOff val="0"/>
+            </a:schemeClr>
+          </a:solidFill>
+          <a:prstDash val="solid"/>
+          <a:miter lim="800000"/>
+        </a:ln>
+        <a:effectLst/>
+      </dsp:spPr>
+      <dsp:style>
+        <a:lnRef idx="2">
+          <a:scrgbClr r="0" g="0" b="0"/>
+        </a:lnRef>
+        <a:fillRef idx="1">
+          <a:scrgbClr r="0" g="0" b="0"/>
+        </a:fillRef>
+        <a:effectRef idx="0">
+          <a:scrgbClr r="0" g="0" b="0"/>
+        </a:effectRef>
+        <a:fontRef idx="minor">
+          <a:schemeClr val="lt1"/>
+        </a:fontRef>
+      </dsp:style>
+      <dsp:txBody>
+        <a:bodyPr spcFirstLastPara="0" vert="horz" wrap="square" lIns="184912" tIns="184912" rIns="184912" bIns="184912" numCol="1" spcCol="1270" anchor="ctr" anchorCtr="0">
+          <a:noAutofit/>
+        </a:bodyPr>
+        <a:lstStyle/>
+        <a:p>
+          <a:pPr marL="0" lvl="0" indent="0" algn="ctr" defTabSz="1155700">
+            <a:lnSpc>
+              <a:spcPct val="90000"/>
+            </a:lnSpc>
+            <a:spcBef>
+              <a:spcPct val="0"/>
+            </a:spcBef>
+            <a:spcAft>
+              <a:spcPct val="35000"/>
+            </a:spcAft>
+            <a:buNone/>
+          </a:pPr>
+          <a:r>
+            <a:rPr lang="en-GB" sz="2600" kern="1200" dirty="0">
+              <a:solidFill>
+                <a:schemeClr val="tx1"/>
+              </a:solidFill>
+            </a:rPr>
+            <a:t>Dominant Hand, Move Hand Across 1 Octave</a:t>
+          </a:r>
+        </a:p>
+      </dsp:txBody>
+      <dsp:txXfrm rot="10800000">
+        <a:off x="0" y="1093876"/>
+        <a:ext cx="5132571" cy="715921"/>
+      </dsp:txXfrm>
+    </dsp:sp>
+    <dsp:sp modelId="{9DA0BAF2-68DA-4EB4-9AAB-1C7AA832B532}">
+      <dsp:nvSpPr>
+        <dsp:cNvPr id="0" name=""/>
+        <dsp:cNvSpPr/>
+      </dsp:nvSpPr>
+      <dsp:spPr>
+        <a:xfrm rot="10800000">
+          <a:off x="0" y="2815"/>
+          <a:ext cx="5132571" cy="1101807"/>
+        </a:xfrm>
+        <a:prstGeom prst="upArrowCallout">
+          <a:avLst/>
+        </a:prstGeom>
+        <a:solidFill>
+          <a:srgbClr val="CC3399"/>
+        </a:solidFill>
+        <a:ln w="12700" cap="flat" cmpd="sng" algn="ctr">
+          <a:solidFill>
+            <a:schemeClr val="lt1">
+              <a:hueOff val="0"/>
+              <a:satOff val="0"/>
+              <a:lumOff val="0"/>
+              <a:alphaOff val="0"/>
+            </a:schemeClr>
+          </a:solidFill>
+          <a:prstDash val="solid"/>
+          <a:miter lim="800000"/>
+        </a:ln>
+        <a:effectLst/>
+      </dsp:spPr>
+      <dsp:style>
+        <a:lnRef idx="2">
+          <a:scrgbClr r="0" g="0" b="0"/>
+        </a:lnRef>
+        <a:fillRef idx="1">
+          <a:scrgbClr r="0" g="0" b="0"/>
+        </a:fillRef>
+        <a:effectRef idx="0">
+          <a:scrgbClr r="0" g="0" b="0"/>
+        </a:effectRef>
+        <a:fontRef idx="minor">
+          <a:schemeClr val="lt1"/>
+        </a:fontRef>
+      </dsp:style>
+      <dsp:txBody>
+        <a:bodyPr spcFirstLastPara="0" vert="horz" wrap="square" lIns="184912" tIns="184912" rIns="184912" bIns="184912" numCol="1" spcCol="1270" anchor="ctr" anchorCtr="0">
+          <a:noAutofit/>
+        </a:bodyPr>
+        <a:lstStyle/>
+        <a:p>
+          <a:pPr marL="0" lvl="0" indent="0" algn="ctr" defTabSz="1155700">
+            <a:lnSpc>
+              <a:spcPct val="90000"/>
+            </a:lnSpc>
+            <a:spcBef>
+              <a:spcPct val="0"/>
+            </a:spcBef>
+            <a:spcAft>
+              <a:spcPct val="35000"/>
+            </a:spcAft>
+            <a:buNone/>
+          </a:pPr>
+          <a:r>
+            <a:rPr lang="en-GB" sz="2600" kern="1200" dirty="0">
+              <a:solidFill>
+                <a:schemeClr val="tx1"/>
+              </a:solidFill>
+            </a:rPr>
+            <a:t>Dominant Hand, Without Moving Hand</a:t>
+          </a:r>
+        </a:p>
+      </dsp:txBody>
+      <dsp:txXfrm rot="10800000">
+        <a:off x="0" y="2815"/>
+        <a:ext cx="5132571" cy="715921"/>
+      </dsp:txXfrm>
+    </dsp:sp>
+  </dsp:spTree>
+</dsp:drawing>
+</file>
+
+<file path=ppt/diagrams/layout1.xml><?xml version="1.0" encoding="utf-8"?>
+<dgm:layoutDef xmlns:dgm="http://schemas.openxmlformats.org/drawingml/2006/diagram" xmlns:a="http://schemas.openxmlformats.org/drawingml/2006/main" uniqueId="urn:microsoft.com/office/officeart/2005/8/layout/process4">
+  <dgm:title val=""/>
+  <dgm:desc val=""/>
+  <dgm:catLst>
+    <dgm:cat type="process" pri="16000"/>
+    <dgm:cat type="list" pri="20000"/>
+  </dgm:catLst>
+  <dgm:sampData>
+    <dgm:dataModel>
+      <dgm:ptLst>
+        <dgm:pt modelId="0" type="doc"/>
+        <dgm:pt modelId="1">
+          <dgm:prSet phldr="1"/>
+        </dgm:pt>
+        <dgm:pt modelId="11">
+          <dgm:prSet phldr="1"/>
+        </dgm:pt>
+        <dgm:pt modelId="12">
+          <dgm:prSet phldr="1"/>
+        </dgm:pt>
+        <dgm:pt modelId="2">
+          <dgm:prSet phldr="1"/>
+        </dgm:pt>
+        <dgm:pt modelId="21">
+          <dgm:prSet phldr="1"/>
+        </dgm:pt>
+        <dgm:pt modelId="22">
+          <dgm:prSet phldr="1"/>
+        </dgm:pt>
+        <dgm:pt modelId="3">
+          <dgm:prSet phldr="1"/>
+        </dgm:pt>
+        <dgm:pt modelId="31">
+          <dgm:prSet phldr="1"/>
+        </dgm:pt>
+        <dgm:pt modelId="32">
+          <dgm:prSet phldr="1"/>
+        </dgm:pt>
+      </dgm:ptLst>
+      <dgm:cxnLst>
+        <dgm:cxn modelId="4" srcId="0" destId="1" srcOrd="0" destOrd="0"/>
+        <dgm:cxn modelId="5" srcId="0" destId="2" srcOrd="1" destOrd="0"/>
+        <dgm:cxn modelId="6" srcId="0" destId="3" srcOrd="2" destOrd="0"/>
+        <dgm:cxn modelId="13" srcId="1" destId="11" srcOrd="0" destOrd="0"/>
+        <dgm:cxn modelId="14" srcId="1" destId="12" srcOrd="1" destOrd="0"/>
+        <dgm:cxn modelId="23" srcId="2" destId="21" srcOrd="0" destOrd="0"/>
+        <dgm:cxn modelId="24" srcId="2" destId="22" srcOrd="1" destOrd="0"/>
+        <dgm:cxn modelId="33" srcId="3" destId="31" srcOrd="0" destOrd="0"/>
+        <dgm:cxn modelId="34" srcId="3" destId="32" srcOrd="1" destOrd="0"/>
+      </dgm:cxnLst>
+      <dgm:bg/>
+      <dgm:whole/>
+    </dgm:dataModel>
+  </dgm:sampData>
+  <dgm:styleData>
+    <dgm:dataModel>
+      <dgm:ptLst>
+        <dgm:pt modelId="0" type="doc"/>
+        <dgm:pt modelId="1"/>
+        <dgm:pt modelId="11"/>
+        <dgm:pt modelId="2"/>
+        <dgm:pt modelId="21"/>
+      </dgm:ptLst>
+      <dgm:cxnLst>
+        <dgm:cxn modelId="4" srcId="0" destId="1" srcOrd="0" destOrd="0"/>
+        <dgm:cxn modelId="5" srcId="0" destId="2" srcOrd="1" destOrd="0"/>
+        <dgm:cxn modelId="13" srcId="1" destId="11" srcOrd="0" destOrd="0"/>
+        <dgm:cxn modelId="23" srcId="2" destId="21" srcOrd="0" destOrd="0"/>
+      </dgm:cxnLst>
+      <dgm:bg/>
+      <dgm:whole/>
+    </dgm:dataModel>
+  </dgm:styleData>
+  <dgm:clrData>
+    <dgm:dataModel>
+      <dgm:ptLst>
+        <dgm:pt modelId="0" type="doc"/>
+        <dgm:pt modelId="1"/>
+        <dgm:pt modelId="11"/>
+        <dgm:pt modelId="2"/>
+        <dgm:pt modelId="21"/>
+        <dgm:pt modelId="3"/>
+        <dgm:pt modelId="31"/>
+        <dgm:pt modelId="4"/>
+        <dgm:pt modelId="41"/>
+      </dgm:ptLst>
+      <dgm:cxnLst>
+        <dgm:cxn modelId="5" srcId="0" destId="1" srcOrd="0" destOrd="0"/>
+        <dgm:cxn modelId="6" srcId="0" destId="2" srcOrd="1" destOrd="0"/>
+        <dgm:cxn modelId="7" srcId="0" destId="3" srcOrd="2" destOrd="0"/>
+        <dgm:cxn modelId="8" srcId="0" destId="4" srcOrd="3" destOrd="0"/>
+        <dgm:cxn modelId="13" srcId="1" destId="11" srcOrd="0" destOrd="0"/>
+        <dgm:cxn modelId="23" srcId="2" destId="21" srcOrd="0" destOrd="0"/>
+        <dgm:cxn modelId="33" srcId="3" destId="31" srcOrd="0" destOrd="0"/>
+        <dgm:cxn modelId="43" srcId="4" destId="41" srcOrd="0" destOrd="0"/>
+      </dgm:cxnLst>
+      <dgm:bg/>
+      <dgm:whole/>
+    </dgm:dataModel>
+  </dgm:clrData>
+  <dgm:layoutNode name="Name0">
+    <dgm:varLst>
+      <dgm:dir/>
+      <dgm:animLvl val="lvl"/>
+      <dgm:resizeHandles val="exact"/>
+    </dgm:varLst>
+    <dgm:alg type="lin">
+      <dgm:param type="linDir" val="fromB"/>
+    </dgm:alg>
+    <dgm:shape xmlns:r="http://schemas.openxmlformats.org/officeDocument/2006/relationships" r:blip="">
+      <dgm:adjLst/>
+    </dgm:shape>
+    <dgm:presOf/>
+    <dgm:constrLst>
+      <dgm:constr type="h" for="ch" forName="boxAndChildren" refType="h"/>
+      <dgm:constr type="h" for="ch" forName="arrowAndChildren" refType="h" refFor="ch" refForName="boxAndChildren" op="equ" fact="1.538"/>
+      <dgm:constr type="w" for="ch" forName="arrowAndChildren" refType="w"/>
+      <dgm:constr type="w" for="ch" forName="boxAndChildren" refType="w"/>
+      <dgm:constr type="h" for="ch" forName="sp" refType="h" fact="-0.015"/>
+      <dgm:constr type="primFontSz" for="des" forName="parentTextBox" val="65"/>
+      <dgm:constr type="primFontSz" for="des" forName="parentTextArrow" refType="primFontSz" refFor="des" refForName="parentTextBox" op="equ"/>
+      <dgm:constr type="primFontSz" for="des" forName="childTextArrow" val="65"/>
+      <dgm:constr type="primFontSz" for="des" forName="childTextBox" refType="primFontSz" refFor="des" refForName="childTextArrow" op="equ"/>
+    </dgm:constrLst>
+    <dgm:ruleLst/>
+    <dgm:forEach name="Name1" axis="ch" ptType="node" st="-1" step="-1">
+      <dgm:choose name="Name2">
+        <dgm:if name="Name3" axis="self" ptType="node" func="revPos" op="equ" val="1">
+          <dgm:layoutNode name="boxAndChildren">
+            <dgm:alg type="composite"/>
+            <dgm:shape xmlns:r="http://schemas.openxmlformats.org/officeDocument/2006/relationships" r:blip="">
+              <dgm:adjLst/>
+            </dgm:shape>
+            <dgm:presOf/>
+            <dgm:choose name="Name4">
+              <dgm:if name="Name5" axis="ch" ptType="node" func="cnt" op="gte" val="1">
+                <dgm:constrLst>
+                  <dgm:constr type="w" for="ch" forName="parentTextBox" refType="w"/>
+                  <dgm:constr type="h" for="ch" forName="parentTextBox" refType="h" fact="0.54"/>
+                  <dgm:constr type="t" for="ch" forName="parentTextBox"/>
+                  <dgm:constr type="w" for="ch" forName="entireBox" refType="w"/>
+                  <dgm:constr type="h" for="ch" forName="entireBox" refType="h"/>
+                  <dgm:constr type="w" for="ch" forName="descendantBox" refType="w"/>
+                  <dgm:constr type="b" for="ch" forName="descendantBox" refType="h" fact="0.98"/>
+                  <dgm:constr type="h" for="ch" forName="descendantBox" refType="h" fact="0.46"/>
+                </dgm:constrLst>
+              </dgm:if>
+              <dgm:else name="Name6">
+                <dgm:constrLst>
+                  <dgm:constr type="w" for="ch" forName="parentTextBox" refType="w"/>
+                  <dgm:constr type="h" for="ch" forName="parentTextBox" refType="h"/>
+                </dgm:constrLst>
+              </dgm:else>
+            </dgm:choose>
+            <dgm:ruleLst/>
+            <dgm:layoutNode name="parentTextBox">
+              <dgm:alg type="tx"/>
+              <dgm:choose name="Name7">
+                <dgm:if name="Name8" axis="ch" ptType="node" func="cnt" op="gte" val="1">
+                  <dgm:shape xmlns:r="http://schemas.openxmlformats.org/officeDocument/2006/relationships" type="rect" r:blip="" zOrderOff="1" hideGeom="1">
+                    <dgm:adjLst/>
+                  </dgm:shape>
+                </dgm:if>
+                <dgm:else name="Name9">
+                  <dgm:shape xmlns:r="http://schemas.openxmlformats.org/officeDocument/2006/relationships" type="rect" r:blip="">
+                    <dgm:adjLst/>
+                  </dgm:shape>
+                </dgm:else>
+              </dgm:choose>
+              <dgm:presOf axis="self"/>
+              <dgm:constrLst/>
+              <dgm:ruleLst>
+                <dgm:rule type="primFontSz" val="5" fact="NaN" max="NaN"/>
+              </dgm:ruleLst>
+            </dgm:layoutNode>
+            <dgm:choose name="Name10">
+              <dgm:if name="Name11" axis="ch" ptType="node" func="cnt" op="gte" val="1">
+                <dgm:layoutNode name="entireBox">
+                  <dgm:alg type="sp"/>
+                  <dgm:shape xmlns:r="http://schemas.openxmlformats.org/officeDocument/2006/relationships" type="rect" r:blip="">
+                    <dgm:adjLst/>
+                  </dgm:shape>
+                  <dgm:presOf axis="self"/>
+                  <dgm:constrLst/>
+                  <dgm:ruleLst/>
+                </dgm:layoutNode>
+                <dgm:layoutNode name="descendantBox" styleLbl="fgAccFollowNode1">
+                  <dgm:choose name="Name12">
+                    <dgm:if name="Name13" func="var" arg="dir" op="equ" val="norm">
+                      <dgm:alg type="lin"/>
+                    </dgm:if>
+                    <dgm:else name="Name14">
+                      <dgm:alg type="lin">
+                        <dgm:param type="linDir" val="fromR"/>
+                      </dgm:alg>
+                    </dgm:else>
+                  </dgm:choose>
+                  <dgm:shape xmlns:r="http://schemas.openxmlformats.org/officeDocument/2006/relationships" r:blip="">
+                    <dgm:adjLst/>
+                  </dgm:shape>
+                  <dgm:presOf/>
+                  <dgm:constrLst>
+                    <dgm:constr type="w" for="ch" forName="childTextBox" refType="w"/>
+                    <dgm:constr type="h" for="ch" forName="childTextBox" refType="h"/>
+                  </dgm:constrLst>
+                  <dgm:ruleLst/>
+                  <dgm:forEach name="Name15" axis="ch" ptType="node">
+                    <dgm:layoutNode name="childTextBox" styleLbl="fgAccFollowNode1">
+                      <dgm:varLst>
+                        <dgm:bulletEnabled val="1"/>
+                      </dgm:varLst>
+                      <dgm:alg type="tx"/>
+                      <dgm:shape xmlns:r="http://schemas.openxmlformats.org/officeDocument/2006/relationships" type="rect" r:blip="">
+                        <dgm:adjLst/>
+                      </dgm:shape>
+                      <dgm:presOf axis="desOrSelf" ptType="node"/>
+                      <dgm:constrLst>
+                        <dgm:constr type="tMarg" refType="primFontSz" fact="0.1"/>
+                        <dgm:constr type="bMarg" refType="primFontSz" fact="0.1"/>
+                      </dgm:constrLst>
+                      <dgm:ruleLst>
+                        <dgm:rule type="primFontSz" val="5" fact="NaN" max="NaN"/>
+                      </dgm:ruleLst>
+                    </dgm:layoutNode>
+                  </dgm:forEach>
+                </dgm:layoutNode>
+              </dgm:if>
+              <dgm:else name="Name16"/>
+            </dgm:choose>
+          </dgm:layoutNode>
+        </dgm:if>
+        <dgm:else name="Name17">
+          <dgm:layoutNode name="arrowAndChildren">
+            <dgm:alg type="composite"/>
+            <dgm:shape xmlns:r="http://schemas.openxmlformats.org/officeDocument/2006/relationships" r:blip="">
+              <dgm:adjLst/>
+            </dgm:shape>
+            <dgm:presOf/>
+            <dgm:choose name="Name18">
+              <dgm:if name="Name19" axis="ch" ptType="node" func="cnt" op="gte" val="1">
+                <dgm:constrLst>
+                  <dgm:constr type="w" for="ch" forName="parentTextArrow" refType="w"/>
+                  <dgm:constr type="t" for="ch" forName="parentTextArrow"/>
+                  <dgm:constr type="h" for="ch" forName="parentTextArrow" refType="h" fact="0.351"/>
+                  <dgm:constr type="w" for="ch" forName="arrow" refType="w"/>
+                  <dgm:constr type="h" for="ch" forName="arrow" refType="h"/>
+                  <dgm:constr type="w" for="ch" forName="descendantArrow" refType="w"/>
+                  <dgm:constr type="b" for="ch" forName="descendantArrow" refType="h" fact="0.65"/>
+                  <dgm:constr type="h" for="ch" forName="descendantArrow" refType="h" fact="0.299"/>
+                </dgm:constrLst>
+              </dgm:if>
+              <dgm:else name="Name20">
+                <dgm:constrLst>
+                  <dgm:constr type="w" for="ch" forName="parentTextArrow" refType="w"/>
+                  <dgm:constr type="h" for="ch" forName="parentTextArrow" refType="h"/>
+                </dgm:constrLst>
+              </dgm:else>
+            </dgm:choose>
+            <dgm:ruleLst/>
+            <dgm:layoutNode name="parentTextArrow">
+              <dgm:alg type="tx"/>
+              <dgm:choose name="Name21">
+                <dgm:if name="Name22" axis="ch" ptType="node" func="cnt" op="gte" val="1">
+                  <dgm:shape xmlns:r="http://schemas.openxmlformats.org/officeDocument/2006/relationships" type="rect" r:blip="" zOrderOff="1" hideGeom="1">
+                    <dgm:adjLst/>
+                  </dgm:shape>
+                </dgm:if>
+                <dgm:else name="Name23">
+                  <dgm:shape xmlns:r="http://schemas.openxmlformats.org/officeDocument/2006/relationships" rot="180" type="upArrowCallout" r:blip="">
+                    <dgm:adjLst/>
+                  </dgm:shape>
+                </dgm:else>
+              </dgm:choose>
+              <dgm:presOf axis="self"/>
+              <dgm:constrLst/>
+              <dgm:ruleLst>
+                <dgm:rule type="primFontSz" val="5" fact="NaN" max="NaN"/>
+              </dgm:ruleLst>
+            </dgm:layoutNode>
+            <dgm:choose name="Name24">
+              <dgm:if name="Name25" axis="ch" ptType="node" func="cnt" op="gte" val="1">
+                <dgm:layoutNode name="arrow">
+                  <dgm:alg type="sp"/>
+                  <dgm:shape xmlns:r="http://schemas.openxmlformats.org/officeDocument/2006/relationships" rot="180" type="upArrowCallout" r:blip="">
+                    <dgm:adjLst/>
+                  </dgm:shape>
+                  <dgm:presOf axis="self"/>
+                  <dgm:constrLst/>
+                  <dgm:ruleLst/>
+                </dgm:layoutNode>
+                <dgm:layoutNode name="descendantArrow">
+                  <dgm:choose name="Name26">
+                    <dgm:if name="Name27" func="var" arg="dir" op="equ" val="norm">
+                      <dgm:alg type="lin"/>
+                    </dgm:if>
+                    <dgm:else name="Name28">
+                      <dgm:alg type="lin">
+                        <dgm:param type="linDir" val="fromR"/>
+                      </dgm:alg>
+                    </dgm:else>
+                  </dgm:choose>
+                  <dgm:shape xmlns:r="http://schemas.openxmlformats.org/officeDocument/2006/relationships" r:blip="">
+                    <dgm:adjLst/>
+                  </dgm:shape>
+                  <dgm:presOf/>
+                  <dgm:constrLst>
+                    <dgm:constr type="w" for="ch" forName="childTextArrow" refType="w"/>
+                    <dgm:constr type="h" for="ch" forName="childTextArrow" refType="h"/>
+                  </dgm:constrLst>
+                  <dgm:ruleLst/>
+                  <dgm:forEach name="Name29" axis="ch" ptType="node">
+                    <dgm:layoutNode name="childTextArrow" styleLbl="fgAccFollowNode1">
+                      <dgm:varLst>
+                        <dgm:bulletEnabled val="1"/>
+                      </dgm:varLst>
+                      <dgm:alg type="tx"/>
+                      <dgm:shape xmlns:r="http://schemas.openxmlformats.org/officeDocument/2006/relationships" type="rect" r:blip="">
+                        <dgm:adjLst/>
+                      </dgm:shape>
+                      <dgm:presOf axis="desOrSelf" ptType="node"/>
+                      <dgm:constrLst>
+                        <dgm:constr type="tMarg" refType="primFontSz" fact="0.1"/>
+                        <dgm:constr type="bMarg" refType="primFontSz" fact="0.1"/>
+                      </dgm:constrLst>
+                      <dgm:ruleLst>
+                        <dgm:rule type="primFontSz" val="5" fact="NaN" max="NaN"/>
+                      </dgm:ruleLst>
+                    </dgm:layoutNode>
+                  </dgm:forEach>
+                </dgm:layoutNode>
+              </dgm:if>
+              <dgm:else name="Name30"/>
+            </dgm:choose>
+          </dgm:layoutNode>
+        </dgm:else>
+      </dgm:choose>
+      <dgm:forEach name="Name31" axis="precedSib" ptType="sibTrans" st="-1" cnt="1">
+        <dgm:layoutNode name="sp">
+          <dgm:alg type="sp"/>
+          <dgm:shape xmlns:r="http://schemas.openxmlformats.org/officeDocument/2006/relationships" r:blip="">
+            <dgm:adjLst/>
+          </dgm:shape>
+          <dgm:presOf axis="self"/>
+          <dgm:constrLst/>
+          <dgm:ruleLst/>
+        </dgm:layoutNode>
+      </dgm:forEach>
+    </dgm:forEach>
+  </dgm:layoutNode>
+</dgm:layoutDef>
+</file>
+
+<file path=ppt/diagrams/quickStyle1.xml><?xml version="1.0" encoding="utf-8"?>
+<dgm:styleDef xmlns:dgm="http://schemas.openxmlformats.org/drawingml/2006/diagram" xmlns:a="http://schemas.openxmlformats.org/drawingml/2006/main" uniqueId="urn:microsoft.com/office/officeart/2005/8/quickstyle/simple1">
+  <dgm:title val=""/>
+  <dgm:desc val=""/>
+  <dgm:catLst>
+    <dgm:cat type="simple" pri="10100"/>
+  </dgm:catLst>
+  <dgm:scene3d>
+    <a:camera prst="orthographicFront"/>
+    <a:lightRig rig="threePt" dir="t"/>
+  </dgm:scene3d>
+  <dgm:styleLbl name="node0">
+    <dgm:scene3d>
+      <a:camera prst="orthographicFront"/>
+      <a:lightRig rig="threePt" dir="t"/>
+    </dgm:scene3d>
+    <dgm:sp3d/>
+    <dgm:txPr/>
+    <dgm:style>
+      <a:lnRef idx="2">
+        <a:scrgbClr r="0" g="0" b="0"/>
+      </a:lnRef>
+      <a:fillRef idx="1">
+        <a:scrgbClr r="0" g="0" b="0"/>
+      </a:fillRef>
+      <a:effectRef idx="0">
+        <a:scrgbClr r="0" g="0" b="0"/>
+      </a:effectRef>
+      <a:fontRef idx="minor">
+        <a:schemeClr val="lt1"/>
+      </a:fontRef>
+    </dgm:style>
+  </dgm:styleLbl>
+  <dgm:styleLbl name="lnNode1">
+    <dgm:scene3d>
+      <a:camera prst="orthographicFront"/>
+      <a:lightRig rig="threePt" dir="t"/>
+    </dgm:scene3d>
+    <dgm:sp3d/>
+    <dgm:txPr/>
+    <dgm:style>
+      <a:lnRef idx="2">
+        <a:scrgbClr r="0" g="0" b="0"/>
+      </a:lnRef>
+      <a:fillRef idx="1">
+        <a:scrgbClr r="0" g="0" b="0"/>
+      </a:fillRef>
+      <a:effectRef idx="0">
+        <a:scrgbClr r="0" g="0" b="0"/>
+      </a:effectRef>
+      <a:fontRef idx="minor">
+        <a:schemeClr val="lt1"/>
+      </a:fontRef>
+    </dgm:style>
+  </dgm:styleLbl>
+  <dgm:styleLbl name="vennNode1">
+    <dgm:scene3d>
+      <a:camera prst="orthographicFront"/>
+      <a:lightRig rig="threePt" dir="t"/>
+    </dgm:scene3d>
+    <dgm:sp3d/>
+    <dgm:txPr/>
+    <dgm:style>
+      <a:lnRef idx="2">
+        <a:scrgbClr r="0" g="0" b="0"/>
+      </a:lnRef>
+      <a:fillRef idx="1">
+        <a:scrgbClr r="0" g="0" b="0"/>
+      </a:fillRef>
+      <a:effectRef idx="0">
+        <a:scrgbClr r="0" g="0" b="0"/>
+      </a:effectRef>
+      <a:fontRef idx="minor">
+        <a:schemeClr val="tx1"/>
+      </a:fontRef>
+    </dgm:style>
+  </dgm:styleLbl>
+  <dgm:styleLbl name="alignNode1">
+    <dgm:scene3d>
+      <a:camera prst="orthographicFront"/>
+      <a:lightRig rig="threePt" dir="t"/>
+    </dgm:scene3d>
+    <dgm:sp3d/>
+    <dgm:txPr/>
+    <dgm:style>
+      <a:lnRef idx="2">
+        <a:scrgbClr r="0" g="0" b="0"/>
+      </a:lnRef>
+      <a:fillRef idx="1">
+        <a:scrgbClr r="0" g="0" b="0"/>
+      </a:fillRef>
+      <a:effectRef idx="0">
+        <a:scrgbClr r="0" g="0" b="0"/>
+      </a:effectRef>
+      <a:fontRef idx="minor">
+        <a:schemeClr val="lt1"/>
+      </a:fontRef>
+    </dgm:style>
+  </dgm:styleLbl>
+  <dgm:styleLbl name="node1">
+    <dgm:scene3d>
+      <a:camera prst="orthographicFront"/>
+      <a:lightRig rig="threePt" dir="t"/>
+    </dgm:scene3d>
+    <dgm:sp3d/>
+    <dgm:txPr/>
+    <dgm:style>
+      <a:lnRef idx="2">
+        <a:scrgbClr r="0" g="0" b="0"/>
+      </a:lnRef>
+      <a:fillRef idx="1">
+        <a:scrgbClr r="0" g="0" b="0"/>
+      </a:fillRef>
+      <a:effectRef idx="0">
+        <a:scrgbClr r="0" g="0" b="0"/>
+      </a:effectRef>
+      <a:fontRef idx="minor">
+        <a:schemeClr val="lt1"/>
+      </a:fontRef>
+    </dgm:style>
+  </dgm:styleLbl>
+  <dgm:styleLbl name="node2">
+    <dgm:scene3d>
+      <a:camera prst="orthographicFront"/>
+      <a:lightRig rig="threePt" dir="t"/>
+    </dgm:scene3d>
+    <dgm:sp3d/>
+    <dgm:txPr/>
+    <dgm:style>
+      <a:lnRef idx="2">
+        <a:scrgbClr r="0" g="0" b="0"/>
+      </a:lnRef>
+      <a:fillRef idx="1">
+        <a:scrgbClr r="0" g="0" b="0"/>
+      </a:fillRef>
+      <a:effectRef idx="0">
+        <a:scrgbClr r="0" g="0" b="0"/>
+      </a:effectRef>
+      <a:fontRef idx="minor">
+        <a:schemeClr val="lt1"/>
+      </a:fontRef>
+    </dgm:style>
+  </dgm:styleLbl>
+  <dgm:styleLbl name="node3">
+    <dgm:scene3d>
+      <a:camera prst="orthographicFront"/>
+      <a:lightRig rig="threePt" dir="t"/>
+    </dgm:scene3d>
+    <dgm:sp3d/>
+    <dgm:txPr/>
+    <dgm:style>
+      <a:lnRef idx="2">
+        <a:scrgbClr r="0" g="0" b="0"/>
+      </a:lnRef>
+      <a:fillRef idx="1">
+        <a:scrgbClr r="0" g="0" b="0"/>
+      </a:fillRef>
+      <a:effectRef idx="0">
+        <a:scrgbClr r="0" g="0" b="0"/>
+      </a:effectRef>
+      <a:fontRef idx="minor">
+        <a:schemeClr val="lt1"/>
+      </a:fontRef>
+    </dgm:style>
+  </dgm:styleLbl>
+  <dgm:styleLbl name="node4">
+    <dgm:scene3d>
+      <a:camera prst="orthographicFront"/>
+      <a:lightRig rig="threePt" dir="t"/>
+    </dgm:scene3d>
+    <dgm:sp3d/>
+    <dgm:txPr/>
+    <dgm:style>
+      <a:lnRef idx="2">
+        <a:scrgbClr r="0" g="0" b="0"/>
+      </a:lnRef>
+      <a:fillRef idx="1">
+        <a:scrgbClr r="0" g="0" b="0"/>
+      </a:fillRef>
+      <a:effectRef idx="0">
+        <a:scrgbClr r="0" g="0" b="0"/>
+      </a:effectRef>
+      <a:fontRef idx="minor">
+        <a:schemeClr val="lt1"/>
+      </a:fontRef>
+    </dgm:style>
+  </dgm:styleLbl>
+  <dgm:styleLbl name="fgImgPlace1">
+    <dgm:scene3d>
+      <a:camera prst="orthographicFront"/>
+      <a:lightRig rig="threePt" dir="t"/>
+    </dgm:scene3d>
+    <dgm:sp3d/>
+    <dgm:txPr/>
+    <dgm:style>
+      <a:lnRef idx="2">
+        <a:scrgbClr r="0" g="0" b="0"/>
+      </a:lnRef>
+      <a:fillRef idx="1">
+        <a:scrgbClr r="0" g="0" b="0"/>
+      </a:fillRef>
+      <a:effectRef idx="0">
+        <a:scrgbClr r="0" g="0" b="0"/>
+      </a:effectRef>
+      <a:fontRef idx="minor"/>
+    </dgm:style>
+  </dgm:styleLbl>
+  <dgm:styleLbl name="alignImgPlace1">
+    <dgm:scene3d>
+      <a:camera prst="orthographicFront"/>
+      <a:lightRig rig="threePt" dir="t"/>
+    </dgm:scene3d>
+    <dgm:sp3d/>
+    <dgm:txPr/>
+    <dgm:style>
+      <a:lnRef idx="2">
+        <a:scrgbClr r="0" g="0" b="0"/>
+      </a:lnRef>
+      <a:fillRef idx="1">
+        <a:scrgbClr r="0" g="0" b="0"/>
+      </a:fillRef>
+      <a:effectRef idx="0">
+        <a:scrgbClr r="0" g="0" b="0"/>
+      </a:effectRef>
+      <a:fontRef idx="minor"/>
+    </dgm:style>
+  </dgm:styleLbl>
+  <dgm:styleLbl name="bgImgPlace1">
+    <dgm:scene3d>
+      <a:camera prst="orthographicFront"/>
+      <a:lightRig rig="threePt" dir="t"/>
+    </dgm:scene3d>
+    <dgm:sp3d/>
+    <dgm:txPr/>
+    <dgm:style>
+      <a:lnRef idx="2">
+        <a:scrgbClr r="0" g="0" b="0"/>
+      </a:lnRef>
+      <a:fillRef idx="1">
+        <a:scrgbClr r="0" g="0" b="0"/>
+      </a:fillRef>
+      <a:effectRef idx="0">
+        <a:scrgbClr r="0" g="0" b="0"/>
+      </a:effectRef>
+      <a:fontRef idx="minor"/>
+    </dgm:style>
+  </dgm:styleLbl>
+  <dgm:styleLbl name="sibTrans2D1">
+    <dgm:scene3d>
+      <a:camera prst="orthographicFront"/>
+      <a:lightRig rig="threePt" dir="t"/>
+    </dgm:scene3d>
+    <dgm:sp3d/>
+    <dgm:txPr/>
+    <dgm:style>
+      <a:lnRef idx="0">
+        <a:scrgbClr r="0" g="0" b="0"/>
+      </a:lnRef>
+      <a:fillRef idx="1">
+        <a:scrgbClr r="0" g="0" b="0"/>
+      </a:fillRef>
+      <a:effectRef idx="0">
+        <a:scrgbClr r="0" g="0" b="0"/>
+      </a:effectRef>
+      <a:fontRef idx="minor">
+        <a:schemeClr val="lt1"/>
+      </a:fontRef>
+    </dgm:style>
+  </dgm:styleLbl>
+  <dgm:styleLbl name="fgSibTrans2D1">
+    <dgm:scene3d>
+      <a:camera prst="orthographicFront"/>
+      <a:lightRig rig="threePt" dir="t"/>
+    </dgm:scene3d>
+    <dgm:sp3d/>
+    <dgm:txPr/>
+    <dgm:style>
+      <a:lnRef idx="0">
+        <a:scrgbClr r="0" g="0" b="0"/>
+      </a:lnRef>
+      <a:fillRef idx="1">
+        <a:scrgbClr r="0" g="0" b="0"/>
+      </a:fillRef>
+      <a:effectRef idx="0">
+        <a:scrgbClr r="0" g="0" b="0"/>
+      </a:effectRef>
+      <a:fontRef idx="minor">
+        <a:schemeClr val="lt1"/>
+      </a:fontRef>
+    </dgm:style>
+  </dgm:styleLbl>
+  <dgm:styleLbl name="bgSibTrans2D1">
+    <dgm:scene3d>
+      <a:camera prst="orthographicFront"/>
+      <a:lightRig rig="threePt" dir="t"/>
+    </dgm:scene3d>
+    <dgm:sp3d/>
+    <dgm:txPr/>
+    <dgm:style>
+      <a:lnRef idx="0">
+        <a:scrgbClr r="0" g="0" b="0"/>
+      </a:lnRef>
+      <a:fillRef idx="1">
+        <a:scrgbClr r="0" g="0" b="0"/>
+      </a:fillRef>
+      <a:effectRef idx="0">
+        <a:scrgbClr r="0" g="0" b="0"/>
+      </a:effectRef>
+      <a:fontRef idx="minor">
+        <a:schemeClr val="lt1"/>
+      </a:fontRef>
+    </dgm:style>
+  </dgm:styleLbl>
+  <dgm:styleLbl name="sibTrans1D1">
+    <dgm:scene3d>
+      <a:camera prst="orthographicFront"/>
+      <a:lightRig rig="threePt" dir="t"/>
+    </dgm:scene3d>
+    <dgm:sp3d/>
+    <dgm:txPr/>
+    <dgm:style>
+      <a:lnRef idx="1">
+        <a:scrgbClr r="0" g="0" b="0"/>
+      </a:lnRef>
+      <a:fillRef idx="0">
+        <a:scrgbClr r="0" g="0" b="0"/>
+      </a:fillRef>
+      <a:effectRef idx="0">
+        <a:scrgbClr r="0" g="0" b="0"/>
+      </a:effectRef>
+      <a:fontRef idx="minor"/>
+    </dgm:style>
+  </dgm:styleLbl>
+  <dgm:styleLbl name="callout">
+    <dgm:scene3d>
+      <a:camera prst="orthographicFront"/>
+      <a:lightRig rig="threePt" dir="t"/>
+    </dgm:scene3d>
+    <dgm:sp3d/>
+    <dgm:txPr/>
+    <dgm:style>
+      <a:lnRef idx="2">
+        <a:scrgbClr r="0" g="0" b="0"/>
+      </a:lnRef>
+      <a:fillRef idx="1">
+        <a:scrgbClr r="0" g="0" b="0"/>
+      </a:fillRef>
+      <a:effectRef idx="0">
+        <a:scrgbClr r="0" g="0" b="0"/>
+      </a:effectRef>
+      <a:fontRef idx="minor"/>
+    </dgm:style>
+  </dgm:styleLbl>
+  <dgm:styleLbl name="asst0">
+    <dgm:scene3d>
+      <a:camera prst="orthographicFront"/>
+      <a:lightRig rig="threePt" dir="t"/>
+    </dgm:scene3d>
+    <dgm:sp3d/>
+    <dgm:txPr/>
+    <dgm:style>
+      <a:lnRef idx="2">
+        <a:scrgbClr r="0" g="0" b="0"/>
+      </a:lnRef>
+      <a:fillRef idx="1">
+        <a:scrgbClr r="0" g="0" b="0"/>
+      </a:fillRef>
+      <a:effectRef idx="0">
+        <a:scrgbClr r="0" g="0" b="0"/>
+      </a:effectRef>
+      <a:fontRef idx="minor">
+        <a:schemeClr val="lt1"/>
+      </a:fontRef>
+    </dgm:style>
+  </dgm:styleLbl>
+  <dgm:styleLbl name="asst1">
+    <dgm:scene3d>
+      <a:camera prst="orthographicFront"/>
+      <a:lightRig rig="threePt" dir="t"/>
+    </dgm:scene3d>
+    <dgm:sp3d/>
+    <dgm:txPr/>
+    <dgm:style>
+      <a:lnRef idx="2">
+        <a:scrgbClr r="0" g="0" b="0"/>
+      </a:lnRef>
+      <a:fillRef idx="1">
+        <a:scrgbClr r="0" g="0" b="0"/>
+      </a:fillRef>
+      <a:effectRef idx="0">
+        <a:scrgbClr r="0" g="0" b="0"/>
+      </a:effectRef>
+      <a:fontRef idx="minor">
+        <a:schemeClr val="lt1"/>
+      </a:fontRef>
+    </dgm:style>
+  </dgm:styleLbl>
+  <dgm:styleLbl name="asst2">
+    <dgm:scene3d>
+      <a:camera prst="orthographicFront"/>
+      <a:lightRig rig="threePt" dir="t"/>
+    </dgm:scene3d>
+    <dgm:sp3d/>
+    <dgm:txPr/>
+    <dgm:style>
+      <a:lnRef idx="2">
+        <a:scrgbClr r="0" g="0" b="0"/>
+      </a:lnRef>
+      <a:fillRef idx="1">
+        <a:scrgbClr r="0" g="0" b="0"/>
+      </a:fillRef>
+      <a:effectRef idx="0">
+        <a:scrgbClr r="0" g="0" b="0"/>
+      </a:effectRef>
+      <a:fontRef idx="minor">
+        <a:schemeClr val="lt1"/>
+      </a:fontRef>
+    </dgm:style>
+  </dgm:styleLbl>
+  <dgm:styleLbl name="asst3">
+    <dgm:scene3d>
+      <a:camera prst="orthographicFront"/>
+      <a:lightRig rig="threePt" dir="t"/>
+    </dgm:scene3d>
+    <dgm:sp3d/>
+    <dgm:txPr/>
+    <dgm:style>
+      <a:lnRef idx="2">
+        <a:scrgbClr r="0" g="0" b="0"/>
+      </a:lnRef>
+      <a:fillRef idx="1">
+        <a:scrgbClr r="0" g="0" b="0"/>
+      </a:fillRef>
+      <a:effectRef idx="0">
+        <a:scrgbClr r="0" g="0" b="0"/>
+      </a:effectRef>
+      <a:fontRef idx="minor">
+        <a:schemeClr val="lt1"/>
+      </a:fontRef>
+    </dgm:style>
+  </dgm:styleLbl>
+  <dgm:styleLbl name="asst4">
+    <dgm:scene3d>
+      <a:camera prst="orthographicFront"/>
+      <a:lightRig rig="threePt" dir="t"/>
+    </dgm:scene3d>
+    <dgm:sp3d/>
+    <dgm:txPr/>
+    <dgm:style>
+      <a:lnRef idx="2">
+        <a:scrgbClr r="0" g="0" b="0"/>
+      </a:lnRef>
+      <a:fillRef idx="1">
+        <a:scrgbClr r="0" g="0" b="0"/>
+      </a:fillRef>
+      <a:effectRef idx="0">
+        <a:scrgbClr r="0" g="0" b="0"/>
+      </a:effectRef>
+      <a:fontRef idx="minor">
+        <a:schemeClr val="lt1"/>
+      </a:fontRef>
+    </dgm:style>
+  </dgm:styleLbl>
+  <dgm:styleLbl name="parChTrans2D1">
+    <dgm:scene3d>
+      <a:camera prst="orthographicFront"/>
+      <a:lightRig rig="threePt" dir="t"/>
+    </dgm:scene3d>
+    <dgm:sp3d/>
+    <dgm:txPr/>
+    <dgm:style>
+      <a:lnRef idx="2">
+        <a:scrgbClr r="0" g="0" b="0"/>
+      </a:lnRef>
+      <a:fillRef idx="1">
+        <a:scrgbClr r="0" g="0" b="0"/>
+      </a:fillRef>
+      <a:effectRef idx="0">
+        <a:scrgbClr r="0" g="0" b="0"/>
+      </a:effectRef>
+      <a:fontRef idx="minor">
+        <a:schemeClr val="lt1"/>
+      </a:fontRef>
+    </dgm:style>
+  </dgm:styleLbl>
+  <dgm:styleLbl name="parChTrans2D2">
+    <dgm:scene3d>
+      <a:camera prst="orthographicFront"/>
+      <a:lightRig rig="threePt" dir="t"/>
+    </dgm:scene3d>
+    <dgm:sp3d/>
+    <dgm:txPr/>
+    <dgm:style>
+      <a:lnRef idx="2">
+        <a:scrgbClr r="0" g="0" b="0"/>
+      </a:lnRef>
+      <a:fillRef idx="1">
+        <a:scrgbClr r="0" g="0" b="0"/>
+      </a:fillRef>
+      <a:effectRef idx="0">
+        <a:scrgbClr r="0" g="0" b="0"/>
+      </a:effectRef>
+      <a:fontRef idx="minor">
+        <a:schemeClr val="lt1"/>
+      </a:fontRef>
+    </dgm:style>
+  </dgm:styleLbl>
+  <dgm:styleLbl name="parChTrans2D3">
+    <dgm:scene3d>
+      <a:camera prst="orthographicFront"/>
+      <a:lightRig rig="threePt" dir="t"/>
+    </dgm:scene3d>
+    <dgm:sp3d/>
+    <dgm:txPr/>
+    <dgm:style>
+      <a:lnRef idx="2">
+        <a:scrgbClr r="0" g="0" b="0"/>
+      </a:lnRef>
+      <a:fillRef idx="1">
+        <a:scrgbClr r="0" g="0" b="0"/>
+      </a:fillRef>
+      <a:effectRef idx="0">
+        <a:scrgbClr r="0" g="0" b="0"/>
+      </a:effectRef>
+      <a:fontRef idx="minor">
+        <a:schemeClr val="lt1"/>
+      </a:fontRef>
+    </dgm:style>
+  </dgm:styleLbl>
+  <dgm:styleLbl name="parChTrans2D4">
+    <dgm:scene3d>
+      <a:camera prst="orthographicFront"/>
+      <a:lightRig rig="threePt" dir="t"/>
+    </dgm:scene3d>
+    <dgm:sp3d/>
+    <dgm:txPr/>
+    <dgm:style>
+      <a:lnRef idx="2">
+        <a:scrgbClr r="0" g="0" b="0"/>
+      </a:lnRef>
+      <a:fillRef idx="1">
+        <a:scrgbClr r="0" g="0" b="0"/>
+      </a:fillRef>
+      <a:effectRef idx="0">
+        <a:scrgbClr r="0" g="0" b="0"/>
+      </a:effectRef>
+      <a:fontRef idx="minor">
+        <a:schemeClr val="lt1"/>
+      </a:fontRef>
+    </dgm:style>
+  </dgm:styleLbl>
+  <dgm:styleLbl name="parChTrans1D1">
+    <dgm:scene3d>
+      <a:camera prst="orthographicFront"/>
+      <a:lightRig rig="threePt" dir="t"/>
+    </dgm:scene3d>
+    <dgm:sp3d/>
+    <dgm:txPr/>
+    <dgm:style>
+      <a:lnRef idx="2">
+        <a:scrgbClr r="0" g="0" b="0"/>
+      </a:lnRef>
+      <a:fillRef idx="0">
+        <a:scrgbClr r="0" g="0" b="0"/>
+      </a:fillRef>
+      <a:effectRef idx="0">
+        <a:scrgbClr r="0" g="0" b="0"/>
+      </a:effectRef>
+      <a:fontRef idx="minor"/>
+    </dgm:style>
+  </dgm:styleLbl>
+  <dgm:styleLbl name="parChTrans1D2">
+    <dgm:scene3d>
+      <a:camera prst="orthographicFront"/>
+      <a:lightRig rig="threePt" dir="t"/>
+    </dgm:scene3d>
+    <dgm:sp3d/>
+    <dgm:txPr/>
+    <dgm:style>
+      <a:lnRef idx="2">
+        <a:scrgbClr r="0" g="0" b="0"/>
+      </a:lnRef>
+      <a:fillRef idx="0">
+        <a:scrgbClr r="0" g="0" b="0"/>
+      </a:fillRef>
+      <a:effectRef idx="0">
+        <a:scrgbClr r="0" g="0" b="0"/>
+      </a:effectRef>
+      <a:fontRef idx="minor"/>
+    </dgm:style>
+  </dgm:styleLbl>
+  <dgm:styleLbl name="parChTrans1D3">
+    <dgm:scene3d>
+      <a:camera prst="orthographicFront"/>
+      <a:lightRig rig="threePt" dir="t"/>
+    </dgm:scene3d>
+    <dgm:sp3d/>
+    <dgm:txPr/>
+    <dgm:style>
+      <a:lnRef idx="2">
+        <a:scrgbClr r="0" g="0" b="0"/>
+      </a:lnRef>
+      <a:fillRef idx="0">
+        <a:scrgbClr r="0" g="0" b="0"/>
+      </a:fillRef>
+      <a:effectRef idx="0">
+        <a:scrgbClr r="0" g="0" b="0"/>
+      </a:effectRef>
+      <a:fontRef idx="minor"/>
+    </dgm:style>
+  </dgm:styleLbl>
+  <dgm:styleLbl name="parChTrans1D4">
+    <dgm:scene3d>
+      <a:camera prst="orthographicFront"/>
+      <a:lightRig rig="threePt" dir="t"/>
+    </dgm:scene3d>
+    <dgm:sp3d/>
+    <dgm:txPr/>
+    <dgm:style>
+      <a:lnRef idx="2">
+        <a:scrgbClr r="0" g="0" b="0"/>
+      </a:lnRef>
+      <a:fillRef idx="0">
+        <a:scrgbClr r="0" g="0" b="0"/>
+      </a:fillRef>
+      <a:effectRef idx="0">
+        <a:scrgbClr r="0" g="0" b="0"/>
+      </a:effectRef>
+      <a:fontRef idx="minor"/>
+    </dgm:style>
+  </dgm:styleLbl>
+  <dgm:styleLbl name="fgAcc1">
+    <dgm:scene3d>
+      <a:camera prst="orthographicFront"/>
+      <a:lightRig rig="threePt" dir="t"/>
+    </dgm:scene3d>
+    <dgm:sp3d/>
+    <dgm:txPr/>
+    <dgm:style>
+      <a:lnRef idx="2">
+        <a:scrgbClr r="0" g="0" b="0"/>
+      </a:lnRef>
+      <a:fillRef idx="1">
+        <a:scrgbClr r="0" g="0" b="0"/>
+      </a:fillRef>
+      <a:effectRef idx="0">
+        <a:scrgbClr r="0" g="0" b="0"/>
+      </a:effectRef>
+      <a:fontRef idx="minor"/>
+    </dgm:style>
+  </dgm:styleLbl>
+  <dgm:styleLbl name="conFgAcc1">
+    <dgm:scene3d>
+      <a:camera prst="orthographicFront"/>
+      <a:lightRig rig="threePt" dir="t"/>
+    </dgm:scene3d>
+    <dgm:sp3d/>
+    <dgm:txPr/>
+    <dgm:style>
+      <a:lnRef idx="2">
+        <a:scrgbClr r="0" g="0" b="0"/>
+      </a:lnRef>
+      <a:fillRef idx="1">
+        <a:scrgbClr r="0" g="0" b="0"/>
+      </a:fillRef>
+      <a:effectRef idx="0">
+        <a:scrgbClr r="0" g="0" b="0"/>
+      </a:effectRef>
+      <a:fontRef idx="minor"/>
+    </dgm:style>
+  </dgm:styleLbl>
+  <dgm:styleLbl name="alignAcc1">
+    <dgm:scene3d>
+      <a:camera prst="orthographicFront"/>
+      <a:lightRig rig="threePt" dir="t"/>
+    </dgm:scene3d>
+    <dgm:sp3d/>
+    <dgm:txPr/>
+    <dgm:style>
+      <a:lnRef idx="2">
+        <a:scrgbClr r="0" g="0" b="0"/>
+      </a:lnRef>
+      <a:fillRef idx="1">
+        <a:scrgbClr r="0" g="0" b="0"/>
+      </a:fillRef>
+      <a:effectRef idx="0">
+        <a:scrgbClr r="0" g="0" b="0"/>
+      </a:effectRef>
+      <a:fontRef idx="minor"/>
+    </dgm:style>
+  </dgm:styleLbl>
+  <dgm:styleLbl name="trAlignAcc1">
+    <dgm:scene3d>
+      <a:camera prst="orthographicFront"/>
+      <a:lightRig rig="threePt" dir="t"/>
+    </dgm:scene3d>
+    <dgm:sp3d/>
+    <dgm:txPr/>
+    <dgm:style>
+      <a:lnRef idx="1">
+        <a:scrgbClr r="0" g="0" b="0"/>
+      </a:lnRef>
+      <a:fillRef idx="1">
+        <a:scrgbClr r="0" g="0" b="0"/>
+      </a:fillRef>
+      <a:effectRef idx="0">
+        <a:scrgbClr r="0" g="0" b="0"/>
+      </a:effectRef>
+      <a:fontRef idx="minor"/>
+    </dgm:style>
+  </dgm:styleLbl>
+  <dgm:styleLbl name="bgAcc1">
+    <dgm:scene3d>
+      <a:camera prst="orthographicFront"/>
+      <a:lightRig rig="threePt" dir="t"/>
+    </dgm:scene3d>
+    <dgm:sp3d/>
+    <dgm:txPr/>
+    <dgm:style>
+      <a:lnRef idx="2">
+        <a:scrgbClr r="0" g="0" b="0"/>
+      </a:lnRef>
+      <a:fillRef idx="1">
+        <a:scrgbClr r="0" g="0" b="0"/>
+      </a:fillRef>
+      <a:effectRef idx="0">
+        <a:scrgbClr r="0" g="0" b="0"/>
+      </a:effectRef>
+      <a:fontRef idx="minor"/>
+    </dgm:style>
+  </dgm:styleLbl>
+  <dgm:styleLbl name="solidFgAcc1">
+    <dgm:scene3d>
+      <a:camera prst="orthographicFront"/>
+      <a:lightRig rig="threePt" dir="t"/>
+    </dgm:scene3d>
+    <dgm:sp3d/>
+    <dgm:txPr/>
+    <dgm:style>
+      <a:lnRef idx="2">
+        <a:scrgbClr r="0" g="0" b="0"/>
+      </a:lnRef>
+      <a:fillRef idx="1">
+        <a:scrgbClr r="0" g="0" b="0"/>
+      </a:fillRef>
+      <a:effectRef idx="0">
+        <a:scrgbClr r="0" g="0" b="0"/>
+      </a:effectRef>
+      <a:fontRef idx="minor"/>
+    </dgm:style>
+  </dgm:styleLbl>
+  <dgm:styleLbl name="solidAlignAcc1">
+    <dgm:scene3d>
+      <a:camera prst="orthographicFront"/>
+      <a:lightRig rig="threePt" dir="t"/>
+    </dgm:scene3d>
+    <dgm:sp3d/>
+    <dgm:txPr/>
+    <dgm:style>
+      <a:lnRef idx="2">
+        <a:scrgbClr r="0" g="0" b="0"/>
+      </a:lnRef>
+      <a:fillRef idx="1">
+        <a:scrgbClr r="0" g="0" b="0"/>
+      </a:fillRef>
+      <a:effectRef idx="0">
+        <a:scrgbClr r="0" g="0" b="0"/>
+      </a:effectRef>
+      <a:fontRef idx="minor"/>
+    </dgm:style>
+  </dgm:styleLbl>
+  <dgm:styleLbl name="solidBgAcc1">
+    <dgm:scene3d>
+      <a:camera prst="orthographicFront"/>
+      <a:lightRig rig="threePt" dir="t"/>
+    </dgm:scene3d>
+    <dgm:sp3d/>
+    <dgm:txPr/>
+    <dgm:style>
+      <a:lnRef idx="2">
+        <a:scrgbClr r="0" g="0" b="0"/>
+      </a:lnRef>
+      <a:fillRef idx="1">
+        <a:scrgbClr r="0" g="0" b="0"/>
+      </a:fillRef>
+      <a:effectRef idx="0">
+        <a:scrgbClr r="0" g="0" b="0"/>
+      </a:effectRef>
+      <a:fontRef idx="minor"/>
+    </dgm:style>
+  </dgm:styleLbl>
+  <dgm:styleLbl name="fgAccFollowNode1">
+    <dgm:scene3d>
+      <a:camera prst="orthographicFront"/>
+      <a:lightRig rig="threePt" dir="t"/>
+    </dgm:scene3d>
+    <dgm:sp3d/>
+    <dgm:txPr/>
+    <dgm:style>
+      <a:lnRef idx="2">
+        <a:scrgbClr r="0" g="0" b="0"/>
+      </a:lnRef>
+      <a:fillRef idx="1">
+        <a:scrgbClr r="0" g="0" b="0"/>
+      </a:fillRef>
+      <a:effectRef idx="0">
+        <a:scrgbClr r="0" g="0" b="0"/>
+      </a:effectRef>
+      <a:fontRef idx="minor"/>
+    </dgm:style>
+  </dgm:styleLbl>
+  <dgm:styleLbl name="alignAccFollowNode1">
+    <dgm:scene3d>
+      <a:camera prst="orthographicFront"/>
+      <a:lightRig rig="threePt" dir="t"/>
+    </dgm:scene3d>
+    <dgm:sp3d/>
+    <dgm:txPr/>
+    <dgm:style>
+      <a:lnRef idx="2">
+        <a:scrgbClr r="0" g="0" b="0"/>
+      </a:lnRef>
+      <a:fillRef idx="1">
+        <a:scrgbClr r="0" g="0" b="0"/>
+      </a:fillRef>
+      <a:effectRef idx="0">
+        <a:scrgbClr r="0" g="0" b="0"/>
+      </a:effectRef>
+      <a:fontRef idx="minor"/>
+    </dgm:style>
+  </dgm:styleLbl>
+  <dgm:styleLbl name="bgAccFollowNode1">
+    <dgm:scene3d>
+      <a:camera prst="orthographicFront"/>
+      <a:lightRig rig="threePt" dir="t"/>
+    </dgm:scene3d>
+    <dgm:sp3d/>
+    <dgm:txPr/>
+    <dgm:style>
+      <a:lnRef idx="2">
+        <a:scrgbClr r="0" g="0" b="0"/>
+      </a:lnRef>
+      <a:fillRef idx="1">
+        <a:scrgbClr r="0" g="0" b="0"/>
+      </a:fillRef>
+      <a:effectRef idx="0">
+        <a:scrgbClr r="0" g="0" b="0"/>
+      </a:effectRef>
+      <a:fontRef idx="minor"/>
+    </dgm:style>
+  </dgm:styleLbl>
+  <dgm:styleLbl name="fgAcc0">
+    <dgm:scene3d>
+      <a:camera prst="orthographicFront"/>
+      <a:lightRig rig="threePt" dir="t"/>
+    </dgm:scene3d>
+    <dgm:sp3d/>
+    <dgm:txPr/>
+    <dgm:style>
+      <a:lnRef idx="2">
+        <a:scrgbClr r="0" g="0" b="0"/>
+      </a:lnRef>
+      <a:fillRef idx="1">
+        <a:scrgbClr r="0" g="0" b="0"/>
+      </a:fillRef>
+      <a:effectRef idx="0">
+        <a:scrgbClr r="0" g="0" b="0"/>
+      </a:effectRef>
+      <a:fontRef idx="minor"/>
+    </dgm:style>
+  </dgm:styleLbl>
+  <dgm:styleLbl name="fgAcc2">
+    <dgm:scene3d>
+      <a:camera prst="orthographicFront"/>
+      <a:lightRig rig="threePt" dir="t"/>
+    </dgm:scene3d>
+    <dgm:sp3d/>
+    <dgm:txPr/>
+    <dgm:style>
+      <a:lnRef idx="2">
+        <a:scrgbClr r="0" g="0" b="0"/>
+      </a:lnRef>
+      <a:fillRef idx="1">
+        <a:scrgbClr r="0" g="0" b="0"/>
+      </a:fillRef>
+      <a:effectRef idx="0">
+        <a:scrgbClr r="0" g="0" b="0"/>
+      </a:effectRef>
+      <a:fontRef idx="minor"/>
+    </dgm:style>
+  </dgm:styleLbl>
+  <dgm:styleLbl name="fgAcc3">
+    <dgm:scene3d>
+      <a:camera prst="orthographicFront"/>
+      <a:lightRig rig="threePt" dir="t"/>
+    </dgm:scene3d>
+    <dgm:sp3d/>
+    <dgm:txPr/>
+    <dgm:style>
+      <a:lnRef idx="2">
+        <a:scrgbClr r="0" g="0" b="0"/>
+      </a:lnRef>
+      <a:fillRef idx="1">
+        <a:scrgbClr r="0" g="0" b="0"/>
+      </a:fillRef>
+      <a:effectRef idx="0">
+        <a:scrgbClr r="0" g="0" b="0"/>
+      </a:effectRef>
+      <a:fontRef idx="minor"/>
+    </dgm:style>
+  </dgm:styleLbl>
+  <dgm:styleLbl name="fgAcc4">
+    <dgm:scene3d>
+      <a:camera prst="orthographicFront"/>
+      <a:lightRig rig="threePt" dir="t"/>
+    </dgm:scene3d>
+    <dgm:sp3d/>
+    <dgm:txPr/>
+    <dgm:style>
+      <a:lnRef idx="2">
+        <a:scrgbClr r="0" g="0" b="0"/>
+      </a:lnRef>
+      <a:fillRef idx="1">
+        <a:scrgbClr r="0" g="0" b="0"/>
+      </a:fillRef>
+      <a:effectRef idx="0">
+        <a:scrgbClr r="0" g="0" b="0"/>
+      </a:effectRef>
+      <a:fontRef idx="minor"/>
+    </dgm:style>
+  </dgm:styleLbl>
+  <dgm:styleLbl name="bgShp">
+    <dgm:scene3d>
+      <a:camera prst="orthographicFront"/>
+      <a:lightRig rig="threePt" dir="t"/>
+    </dgm:scene3d>
+    <dgm:sp3d/>
+    <dgm:txPr/>
+    <dgm:style>
+      <a:lnRef idx="0">
+        <a:scrgbClr r="0" g="0" b="0"/>
+      </a:lnRef>
+      <a:fillRef idx="1">
+        <a:scrgbClr r="0" g="0" b="0"/>
+      </a:fillRef>
+      <a:effectRef idx="0">
+        <a:scrgbClr r="0" g="0" b="0"/>
+      </a:effectRef>
+      <a:fontRef idx="minor"/>
+    </dgm:style>
+  </dgm:styleLbl>
+  <dgm:styleLbl name="dkBgShp">
+    <dgm:scene3d>
+      <a:camera prst="orthographicFront"/>
+      <a:lightRig rig="threePt" dir="t"/>
+    </dgm:scene3d>
+    <dgm:sp3d/>
+    <dgm:txPr/>
+    <dgm:style>
+      <a:lnRef idx="0">
+        <a:scrgbClr r="0" g="0" b="0"/>
+      </a:lnRef>
+      <a:fillRef idx="1">
+        <a:scrgbClr r="0" g="0" b="0"/>
+      </a:fillRef>
+      <a:effectRef idx="0">
+        <a:scrgbClr r="0" g="0" b="0"/>
+      </a:effectRef>
+      <a:fontRef idx="minor"/>
+    </dgm:style>
+  </dgm:styleLbl>
+  <dgm:styleLbl name="trBgShp">
+    <dgm:scene3d>
+      <a:camera prst="orthographicFront"/>
+      <a:lightRig rig="threePt" dir="t"/>
+    </dgm:scene3d>
+    <dgm:sp3d/>
+    <dgm:txPr/>
+    <dgm:style>
+      <a:lnRef idx="0">
+        <a:scrgbClr r="0" g="0" b="0"/>
+      </a:lnRef>
+      <a:fillRef idx="1">
+        <a:scrgbClr r="0" g="0" b="0"/>
+      </a:fillRef>
+      <a:effectRef idx="0">
+        <a:scrgbClr r="0" g="0" b="0"/>
+      </a:effectRef>
+      <a:fontRef idx="minor"/>
+    </dgm:style>
+  </dgm:styleLbl>
+  <dgm:styleLbl name="fgShp">
+    <dgm:scene3d>
+      <a:camera prst="orthographicFront"/>
+      <a:lightRig rig="threePt" dir="t"/>
+    </dgm:scene3d>
+    <dgm:sp3d/>
+    <dgm:txPr/>
+    <dgm:style>
+      <a:lnRef idx="2">
+        <a:scrgbClr r="0" g="0" b="0"/>
+      </a:lnRef>
+      <a:fillRef idx="1">
+        <a:scrgbClr r="0" g="0" b="0"/>
+      </a:fillRef>
+      <a:effectRef idx="0">
+        <a:scrgbClr r="0" g="0" b="0"/>
+      </a:effectRef>
+      <a:fontRef idx="minor"/>
+    </dgm:style>
+  </dgm:styleLbl>
+  <dgm:styleLbl name="revTx">
+    <dgm:scene3d>
+      <a:camera prst="orthographicFront"/>
+      <a:lightRig rig="threePt" dir="t"/>
+    </dgm:scene3d>
+    <dgm:sp3d/>
+    <dgm:txPr/>
+    <dgm:style>
+      <a:lnRef idx="0">
+        <a:scrgbClr r="0" g="0" b="0"/>
+      </a:lnRef>
+      <a:fillRef idx="0">
+        <a:scrgbClr r="0" g="0" b="0"/>
+      </a:fillRef>
+      <a:effectRef idx="0">
+        <a:scrgbClr r="0" g="0" b="0"/>
+      </a:effectRef>
+      <a:fontRef idx="minor"/>
+    </dgm:style>
+  </dgm:styleLbl>
+</dgm:styleDef>
 </file>
 
 <file path=ppt/slideLayouts/slideLayout1.xml><?xml version="1.0" encoding="utf-8"?>
@@ -331,7 +5641,7 @@
           <a:p>
             <a:fld id="{C7720383-90EC-4954-AA1F-592033509791}" type="datetimeFigureOut">
               <a:rPr lang="en-GB" smtClean="0"/>
-              <a:t>12/12/2022</a:t>
+              <a:t>06/03/2023</a:t>
             </a:fld>
             <a:endParaRPr lang="en-GB"/>
           </a:p>
@@ -501,7 +5811,7 @@
           <a:p>
             <a:fld id="{C7720383-90EC-4954-AA1F-592033509791}" type="datetimeFigureOut">
               <a:rPr lang="en-GB" smtClean="0"/>
-              <a:t>12/12/2022</a:t>
+              <a:t>06/03/2023</a:t>
             </a:fld>
             <a:endParaRPr lang="en-GB"/>
           </a:p>
@@ -681,7 +5991,7 @@
           <a:p>
             <a:fld id="{C7720383-90EC-4954-AA1F-592033509791}" type="datetimeFigureOut">
               <a:rPr lang="en-GB" smtClean="0"/>
-              <a:t>12/12/2022</a:t>
+              <a:t>06/03/2023</a:t>
             </a:fld>
             <a:endParaRPr lang="en-GB"/>
           </a:p>
@@ -851,7 +6161,7 @@
           <a:p>
             <a:fld id="{C7720383-90EC-4954-AA1F-592033509791}" type="datetimeFigureOut">
               <a:rPr lang="en-GB" smtClean="0"/>
-              <a:t>12/12/2022</a:t>
+              <a:t>06/03/2023</a:t>
             </a:fld>
             <a:endParaRPr lang="en-GB"/>
           </a:p>
@@ -1095,7 +6405,7 @@
           <a:p>
             <a:fld id="{C7720383-90EC-4954-AA1F-592033509791}" type="datetimeFigureOut">
               <a:rPr lang="en-GB" smtClean="0"/>
-              <a:t>12/12/2022</a:t>
+              <a:t>06/03/2023</a:t>
             </a:fld>
             <a:endParaRPr lang="en-GB"/>
           </a:p>
@@ -1327,7 +6637,7 @@
           <a:p>
             <a:fld id="{C7720383-90EC-4954-AA1F-592033509791}" type="datetimeFigureOut">
               <a:rPr lang="en-GB" smtClean="0"/>
-              <a:t>12/12/2022</a:t>
+              <a:t>06/03/2023</a:t>
             </a:fld>
             <a:endParaRPr lang="en-GB"/>
           </a:p>
@@ -1694,7 +7004,7 @@
           <a:p>
             <a:fld id="{C7720383-90EC-4954-AA1F-592033509791}" type="datetimeFigureOut">
               <a:rPr lang="en-GB" smtClean="0"/>
-              <a:t>12/12/2022</a:t>
+              <a:t>06/03/2023</a:t>
             </a:fld>
             <a:endParaRPr lang="en-GB"/>
           </a:p>
@@ -1812,7 +7122,7 @@
           <a:p>
             <a:fld id="{C7720383-90EC-4954-AA1F-592033509791}" type="datetimeFigureOut">
               <a:rPr lang="en-GB" smtClean="0"/>
-              <a:t>12/12/2022</a:t>
+              <a:t>06/03/2023</a:t>
             </a:fld>
             <a:endParaRPr lang="en-GB"/>
           </a:p>
@@ -1907,7 +7217,7 @@
           <a:p>
             <a:fld id="{C7720383-90EC-4954-AA1F-592033509791}" type="datetimeFigureOut">
               <a:rPr lang="en-GB" smtClean="0"/>
-              <a:t>12/12/2022</a:t>
+              <a:t>06/03/2023</a:t>
             </a:fld>
             <a:endParaRPr lang="en-GB"/>
           </a:p>
@@ -2184,7 +7494,7 @@
           <a:p>
             <a:fld id="{C7720383-90EC-4954-AA1F-592033509791}" type="datetimeFigureOut">
               <a:rPr lang="en-GB" smtClean="0"/>
-              <a:t>12/12/2022</a:t>
+              <a:t>06/03/2023</a:t>
             </a:fld>
             <a:endParaRPr lang="en-GB"/>
           </a:p>
@@ -2441,7 +7751,7 @@
           <a:p>
             <a:fld id="{C7720383-90EC-4954-AA1F-592033509791}" type="datetimeFigureOut">
               <a:rPr lang="en-GB" smtClean="0"/>
-              <a:t>12/12/2022</a:t>
+              <a:t>06/03/2023</a:t>
             </a:fld>
             <a:endParaRPr lang="en-GB"/>
           </a:p>
@@ -2654,7 +7964,7 @@
           <a:p>
             <a:fld id="{C7720383-90EC-4954-AA1F-592033509791}" type="datetimeFigureOut">
               <a:rPr lang="en-GB" smtClean="0"/>
-              <a:t>12/12/2022</a:t>
+              <a:t>06/03/2023</a:t>
             </a:fld>
             <a:endParaRPr lang="en-GB"/>
           </a:p>
@@ -3061,6 +8371,45 @@
       </p:grpSpPr>
       <p:sp>
         <p:nvSpPr>
+          <p:cNvPr id="42" name="TextBox 41">
+            <a:extLst>
+              <a:ext uri="{FF2B5EF4-FFF2-40B4-BE49-F238E27FC236}">
+                <a16:creationId xmlns:a16="http://schemas.microsoft.com/office/drawing/2014/main" id="{BA1B592E-19F7-4547-93E3-4DF0EB1035B0}"/>
+              </a:ext>
+            </a:extLst>
+          </p:cNvPr>
+          <p:cNvSpPr txBox="1"/>
+          <p:nvPr/>
+        </p:nvSpPr>
+        <p:spPr>
+          <a:xfrm rot="5400000">
+            <a:off x="-10045535" y="10584251"/>
+            <a:ext cx="20846282" cy="360000"/>
+          </a:xfrm>
+          <a:prstGeom prst="rect">
+            <a:avLst/>
+          </a:prstGeom>
+          <a:solidFill>
+            <a:schemeClr val="tx1"/>
+          </a:solidFill>
+          <a:ln>
+            <a:solidFill>
+              <a:schemeClr val="tx1"/>
+            </a:solidFill>
+          </a:ln>
+        </p:spPr>
+        <p:txBody>
+          <a:bodyPr wrap="square" rtlCol="0">
+            <a:spAutoFit/>
+          </a:bodyPr>
+          <a:lstStyle/>
+          <a:p>
+            <a:endParaRPr lang="en-GB" dirty="0"/>
+          </a:p>
+        </p:txBody>
+      </p:sp>
+      <p:sp>
+        <p:nvSpPr>
           <p:cNvPr id="11" name="Subtitle 2">
             <a:extLst>
               <a:ext uri="{FF2B5EF4-FFF2-40B4-BE49-F238E27FC236}">
@@ -3077,10 +8426,10 @@
         </p:nvSpPr>
         <p:spPr>
           <a:xfrm>
-            <a:off x="917606" y="2183101"/>
-            <a:ext cx="14219999" cy="10145927"/>
+            <a:off x="917606" y="2211560"/>
+            <a:ext cx="14219999" cy="13820919"/>
           </a:xfrm>
-          <a:ln>
+          <a:ln w="12700">
             <a:solidFill>
               <a:schemeClr val="tx1"/>
             </a:solidFill>
@@ -3101,10 +8450,11 @@
               </a:spcBef>
             </a:pPr>
             <a:r>
-              <a:rPr lang="en-GB" sz="6500" dirty="0"/>
-              <a:t>What Is it?</a:t>
-            </a:r>
-            <a:endParaRPr lang="en-GB" sz="2000" dirty="0"/>
+              <a:rPr lang="en-GB" sz="6000" dirty="0">
+                <a:effectLst/>
+              </a:rPr>
+              <a:t>Research</a:t>
+            </a:r>
           </a:p>
           <a:p>
             <a:pPr algn="l">
@@ -3116,16 +8466,52 @@
               </a:spcBef>
             </a:pPr>
             <a:r>
-              <a:rPr lang="en-GB" sz="2200" dirty="0">
+              <a:rPr lang="en-GB" sz="2800" dirty="0"/>
+              <a:t>Research proves that we learn better once we reach a “zone of proximal development” (Walker, R.A., 2010) which is better accessed through a Intelligent Tutoring System in which the lesson is responsive as opposed to a linear taught lesson (</a:t>
+            </a:r>
+            <a:r>
+              <a:rPr lang="en-GB" sz="2800" dirty="0" err="1"/>
+              <a:t>Yuksel</a:t>
+            </a:r>
+            <a:r>
+              <a:rPr lang="en-GB" sz="2800" dirty="0"/>
+              <a:t> et al., 2016)</a:t>
+            </a:r>
+            <a:r>
+              <a:rPr lang="en-GB" sz="2800" b="0" i="0" dirty="0">
                 <a:effectLst/>
               </a:rPr>
-              <a:t>	</a:t>
-            </a:r>
-            <a:r>
-              <a:rPr lang="en-GB" sz="2200" b="1" u="sng" dirty="0">
+              <a:t> (</a:t>
+            </a:r>
+            <a:r>
+              <a:rPr lang="en-GB" sz="2800" b="0" i="0" dirty="0" err="1">
                 <a:effectLst/>
               </a:rPr>
-              <a:t>Research</a:t>
+              <a:t>Graesser</a:t>
+            </a:r>
+            <a:r>
+              <a:rPr lang="en-GB" sz="2800" b="0" i="0" dirty="0">
+                <a:effectLst/>
+              </a:rPr>
+              <a:t>, A.C. et al., 2012)</a:t>
+            </a:r>
+            <a:r>
+              <a:rPr lang="en-GB" sz="2800" dirty="0"/>
+              <a:t>. Responsive lessons are adaptive to a users ability and reinforce the theory to human learning (Skinner, 2012) whereas a linear lesson is taught with a pre-planned path.</a:t>
+            </a:r>
+          </a:p>
+          <a:p>
+            <a:pPr>
+              <a:lnSpc>
+                <a:spcPct val="100000"/>
+              </a:lnSpc>
+              <a:spcBef>
+                <a:spcPts val="600"/>
+              </a:spcBef>
+            </a:pPr>
+            <a:r>
+              <a:rPr lang="en-GB" sz="6000" dirty="0"/>
+              <a:t>Similar Applications</a:t>
             </a:r>
           </a:p>
           <a:p>
@@ -3138,16 +8524,10 @@
               </a:spcBef>
             </a:pPr>
             <a:r>
-              <a:rPr lang="en-GB" sz="2200" dirty="0"/>
-              <a:t>Research proves that we learn better once we reach a “zone of proximal development” which is better accessed through a responsive lesson opposed to a linear taught lesson (</a:t>
-            </a:r>
-            <a:r>
-              <a:rPr lang="en-GB" sz="2200" dirty="0" err="1"/>
-              <a:t>Yuksel</a:t>
-            </a:r>
-            <a:r>
-              <a:rPr lang="en-GB" sz="2200" dirty="0"/>
-              <a:t> et al., 2016). </a:t>
+              <a:rPr lang="en-GB" sz="2800" dirty="0">
+                <a:effectLst/>
+              </a:rPr>
+              <a:t>Basic applications that teach using a linear path through the use of video tutorials to teach songs or how to read music such as ‘Harmony City’ and ‘Tenuto’ (Educational App Store, 2022). </a:t>
             </a:r>
           </a:p>
           <a:p>
@@ -3159,10 +8539,9 @@
                 <a:spcPts val="600"/>
               </a:spcBef>
             </a:pPr>
-            <a:r>
-              <a:rPr lang="en-GB" sz="2200" dirty="0"/>
-              <a:t>Responsive lessons are adaptive to a users ability whereas a linear lesson is taught with a pre-planned path.</a:t>
-            </a:r>
+            <a:endParaRPr lang="en-GB" sz="2800" dirty="0">
+              <a:effectLst/>
+            </a:endParaRPr>
           </a:p>
           <a:p>
             <a:pPr algn="l">
@@ -3173,14 +8552,9 @@
                 <a:spcPts val="600"/>
               </a:spcBef>
             </a:pPr>
-            <a:r>
-              <a:rPr lang="en-GB" sz="2200" dirty="0"/>
-              <a:t>	</a:t>
-            </a:r>
-            <a:r>
-              <a:rPr lang="en-GB" sz="2200" b="1" u="sng" dirty="0"/>
-              <a:t>Similar Applications</a:t>
-            </a:r>
+            <a:endParaRPr lang="en-GB" sz="2000" dirty="0">
+              <a:effectLst/>
+            </a:endParaRPr>
           </a:p>
           <a:p>
             <a:pPr algn="l">
@@ -3191,13 +8565,7 @@
                 <a:spcPts val="600"/>
               </a:spcBef>
             </a:pPr>
-            <a:r>
-              <a:rPr lang="en-GB" sz="2200" dirty="0">
-                <a:effectLst/>
-              </a:rPr>
-              <a:t>Basic applications that teach using a linear path through the use of video tutorials to teach songs or how to read music such as ‘Harmony City’ and ‘Tenuto’. </a:t>
-            </a:r>
-            <a:endParaRPr lang="en-GB" sz="2200" dirty="0"/>
+            <a:endParaRPr lang="en-GB" sz="2000" dirty="0"/>
           </a:p>
           <a:p>
             <a:pPr algn="l">
@@ -3208,7 +8576,7 @@
                 <a:spcPts val="600"/>
               </a:spcBef>
             </a:pPr>
-            <a:endParaRPr lang="en-GB" sz="2200" dirty="0">
+            <a:endParaRPr lang="en-GB" sz="2000" dirty="0">
               <a:effectLst/>
             </a:endParaRPr>
           </a:p>
@@ -3221,7 +8589,7 @@
                 <a:spcPts val="600"/>
               </a:spcBef>
             </a:pPr>
-            <a:endParaRPr lang="en-GB" sz="2200" dirty="0"/>
+            <a:endParaRPr lang="en-GB" sz="2000" dirty="0"/>
           </a:p>
           <a:p>
             <a:pPr algn="l">
@@ -3232,7 +8600,7 @@
                 <a:spcPts val="600"/>
               </a:spcBef>
             </a:pPr>
-            <a:endParaRPr lang="en-GB" sz="2200" dirty="0">
+            <a:endParaRPr lang="en-GB" sz="2000" dirty="0">
               <a:effectLst/>
             </a:endParaRPr>
           </a:p>
@@ -3245,9 +8613,7 @@
                 <a:spcPts val="600"/>
               </a:spcBef>
             </a:pPr>
-            <a:endParaRPr lang="en-GB" sz="2200" dirty="0">
-              <a:effectLst/>
-            </a:endParaRPr>
+            <a:endParaRPr lang="en-GB" sz="2000" dirty="0"/>
           </a:p>
           <a:p>
             <a:pPr algn="l">
@@ -3258,7 +8624,9 @@
                 <a:spcPts val="600"/>
               </a:spcBef>
             </a:pPr>
-            <a:endParaRPr lang="en-GB" sz="2200" dirty="0"/>
+            <a:endParaRPr lang="en-GB" sz="2000" dirty="0">
+              <a:effectLst/>
+            </a:endParaRPr>
           </a:p>
           <a:p>
             <a:pPr algn="l">
@@ -3269,9 +8637,7 @@
                 <a:spcPts val="600"/>
               </a:spcBef>
             </a:pPr>
-            <a:endParaRPr lang="en-GB" sz="2200" dirty="0">
-              <a:effectLst/>
-            </a:endParaRPr>
+            <a:endParaRPr lang="en-GB" sz="2000" dirty="0"/>
           </a:p>
           <a:p>
             <a:pPr algn="l">
@@ -3282,7 +8648,7 @@
                 <a:spcPts val="600"/>
               </a:spcBef>
             </a:pPr>
-            <a:endParaRPr lang="en-GB" sz="2200" dirty="0">
+            <a:endParaRPr lang="en-GB" sz="2000" dirty="0">
               <a:effectLst/>
             </a:endParaRPr>
           </a:p>
@@ -3295,9 +8661,7 @@
                 <a:spcPts val="600"/>
               </a:spcBef>
             </a:pPr>
-            <a:endParaRPr lang="en-GB" sz="2200" dirty="0">
-              <a:effectLst/>
-            </a:endParaRPr>
+            <a:endParaRPr lang="en-GB" sz="2000" dirty="0"/>
           </a:p>
           <a:p>
             <a:pPr algn="l">
@@ -3308,7 +8672,7 @@
                 <a:spcPts val="600"/>
               </a:spcBef>
             </a:pPr>
-            <a:endParaRPr lang="en-GB" sz="2200" dirty="0"/>
+            <a:endParaRPr lang="en-GB" sz="2000" dirty="0"/>
           </a:p>
           <a:p>
             <a:pPr algn="l">
@@ -3319,9 +8683,7 @@
                 <a:spcPts val="600"/>
               </a:spcBef>
             </a:pPr>
-            <a:endParaRPr lang="en-GB" sz="2200" dirty="0">
-              <a:effectLst/>
-            </a:endParaRPr>
+            <a:endParaRPr lang="en-GB" sz="2000" dirty="0"/>
           </a:p>
           <a:p>
             <a:pPr algn="l">
@@ -3332,7 +8694,7 @@
                 <a:spcPts val="600"/>
               </a:spcBef>
             </a:pPr>
-            <a:endParaRPr lang="en-GB" sz="2200" dirty="0"/>
+            <a:endParaRPr lang="en-GB" sz="2000" dirty="0"/>
           </a:p>
           <a:p>
             <a:pPr algn="l">
@@ -3343,7 +8705,7 @@
                 <a:spcPts val="600"/>
               </a:spcBef>
             </a:pPr>
-            <a:endParaRPr lang="en-GB" sz="2200" dirty="0"/>
+            <a:endParaRPr lang="en-GB" sz="2000" dirty="0"/>
           </a:p>
           <a:p>
             <a:pPr algn="l">
@@ -3354,12 +8716,10 @@
                 <a:spcPts val="600"/>
               </a:spcBef>
             </a:pPr>
-            <a:endParaRPr lang="en-GB" sz="2200" dirty="0">
-              <a:effectLst/>
-            </a:endParaRPr>
-          </a:p>
-          <a:p>
-            <a:pPr algn="l">
+            <a:endParaRPr lang="en-GB" sz="2000" dirty="0"/>
+          </a:p>
+          <a:p>
+            <a:pPr>
               <a:lnSpc>
                 <a:spcPct val="100000"/>
               </a:lnSpc>
@@ -3368,13 +8728,7 @@
               </a:spcBef>
             </a:pPr>
             <a:r>
-              <a:rPr lang="en-GB" sz="2200" dirty="0">
-                <a:effectLst/>
-              </a:rPr>
-              <a:t>	</a:t>
-            </a:r>
-            <a:r>
-              <a:rPr lang="en-GB" sz="2200" b="1" u="sng" dirty="0">
+              <a:rPr lang="en-GB" sz="6000" dirty="0">
                 <a:effectLst/>
               </a:rPr>
               <a:t>My Project</a:t>
@@ -3392,7 +8746,7 @@
               <a:buChar char="•"/>
             </a:pPr>
             <a:r>
-              <a:rPr lang="en-GB" sz="2200" b="0" dirty="0">
+              <a:rPr lang="en-GB" sz="2800" b="0" dirty="0">
                 <a:effectLst/>
               </a:rPr>
               <a:t>To create an application that teaches users to how to read and play sheet music on a piano using a MIDI keyboard.</a:t>
@@ -3410,10 +8764,10 @@
               <a:buChar char="•"/>
             </a:pPr>
             <a:r>
-              <a:rPr lang="en-GB" sz="2200" b="0" dirty="0">
+              <a:rPr lang="en-GB" sz="2800" b="0" dirty="0">
                 <a:effectLst/>
               </a:rPr>
-              <a:t>The application will keep score on whether the user is hitting the note on time or not and adjust the speed and                         difficulty based on this to enable users to reach the ‘zone of proximal development’.</a:t>
+              <a:t>The application will keep score on whether the user is hitting the note on time or not and adjust the speed and difficulty based on this to enable users to reach the ‘zone of proximal development’.</a:t>
             </a:r>
           </a:p>
           <a:p>
@@ -3428,8 +8782,8 @@
               <a:buChar char="•"/>
             </a:pPr>
             <a:r>
-              <a:rPr lang="en-GB" sz="2200" dirty="0"/>
-              <a:t>It will be built by using JavaScript within HTML allowing ease of access if it were to be made a commonly accessible                application. It would be accessible in all browsers that enable the capability of MIDI device input such as Edge, Chrome                    and Opera.</a:t>
+              <a:rPr lang="en-GB" sz="2800" dirty="0"/>
+              <a:t>It will be built by using JavaScript within HTML allowing ease of access if it were to be made a commonly accessible application. It would be accessible in all browsers that enable the capability of MIDI device input such as Edge, Chrome and Opera.</a:t>
             </a:r>
           </a:p>
         </p:txBody>
@@ -3448,8 +8802,8 @@
         </p:nvSpPr>
         <p:spPr>
           <a:xfrm>
-            <a:off x="1176603" y="5403715"/>
-            <a:ext cx="4222711" cy="4324261"/>
+            <a:off x="1046892" y="6573627"/>
+            <a:ext cx="3487007" cy="5216813"/>
           </a:xfrm>
           <a:prstGeom prst="rect">
             <a:avLst/>
@@ -3508,7 +8862,7 @@
                 <a:spcPts val="600"/>
               </a:spcBef>
             </a:pPr>
-            <a:endParaRPr lang="en-GB" sz="2000" dirty="0"/>
+            <a:endParaRPr lang="en-GB" dirty="0"/>
           </a:p>
           <a:p>
             <a:pPr>
@@ -3530,54 +8884,32 @@
                 <a:spcPts val="600"/>
               </a:spcBef>
             </a:pPr>
-            <a:endParaRPr lang="en-GB" sz="2000" dirty="0"/>
-          </a:p>
-          <a:p>
-            <a:pPr>
-              <a:lnSpc>
-                <a:spcPct val="100000"/>
-              </a:lnSpc>
-              <a:spcBef>
-                <a:spcPts val="600"/>
-              </a:spcBef>
-            </a:pPr>
-            <a:endParaRPr lang="en-GB" sz="2000" dirty="0"/>
-          </a:p>
-          <a:p>
-            <a:pPr>
-              <a:lnSpc>
-                <a:spcPct val="100000"/>
-              </a:lnSpc>
-              <a:spcBef>
-                <a:spcPts val="600"/>
-              </a:spcBef>
-            </a:pPr>
-            <a:r>
-              <a:rPr lang="en-GB" sz="2000" dirty="0"/>
+            <a:r>
+              <a:rPr lang="en-GB" sz="2600" dirty="0"/>
               <a:t>‘</a:t>
             </a:r>
             <a:r>
-              <a:rPr lang="en-GB" sz="2000" dirty="0" err="1"/>
+              <a:rPr lang="en-GB" sz="2600" dirty="0" err="1"/>
               <a:t>BACh</a:t>
             </a:r>
             <a:r>
-              <a:rPr lang="en-GB" sz="2000" dirty="0"/>
+              <a:rPr lang="en-GB" sz="2600" dirty="0"/>
               <a:t>’ is an application that measures users cognitive ability using a </a:t>
             </a:r>
             <a:r>
-              <a:rPr lang="en-GB" sz="2000" dirty="0" err="1"/>
+              <a:rPr lang="en-GB" sz="2600" dirty="0" err="1"/>
               <a:t>fNIRS</a:t>
             </a:r>
             <a:r>
-              <a:rPr lang="en-GB" sz="2000" dirty="0"/>
+              <a:rPr lang="en-GB" sz="2600" dirty="0"/>
               <a:t> sensor to adapt the lesson and allow the user to reach a ‘zone of proximal development’ (</a:t>
             </a:r>
             <a:r>
-              <a:rPr lang="en-GB" sz="2000" dirty="0" err="1"/>
+              <a:rPr lang="en-GB" sz="2600" dirty="0" err="1"/>
               <a:t>Yuksel</a:t>
             </a:r>
             <a:r>
-              <a:rPr lang="en-GB" sz="2000" dirty="0"/>
+              <a:rPr lang="en-GB" sz="2600" dirty="0"/>
               <a:t> et al., 2016).</a:t>
             </a:r>
           </a:p>
@@ -3624,45 +8956,6 @@
       </p:sp>
       <p:sp>
         <p:nvSpPr>
-          <p:cNvPr id="6" name="TextBox 5">
-            <a:extLst>
-              <a:ext uri="{FF2B5EF4-FFF2-40B4-BE49-F238E27FC236}">
-                <a16:creationId xmlns:a16="http://schemas.microsoft.com/office/drawing/2014/main" id="{B2E9B88D-52C7-4FCC-BB8D-5A7C1FFAFB1B}"/>
-              </a:ext>
-            </a:extLst>
-          </p:cNvPr>
-          <p:cNvSpPr txBox="1"/>
-          <p:nvPr/>
-        </p:nvSpPr>
-        <p:spPr>
-          <a:xfrm rot="5400000">
-            <a:off x="-10062394" y="10421110"/>
-            <a:ext cx="20880000" cy="360000"/>
-          </a:xfrm>
-          <a:prstGeom prst="rect">
-            <a:avLst/>
-          </a:prstGeom>
-          <a:solidFill>
-            <a:schemeClr val="tx1"/>
-          </a:solidFill>
-          <a:ln>
-            <a:solidFill>
-              <a:schemeClr val="tx1"/>
-            </a:solidFill>
-          </a:ln>
-        </p:spPr>
-        <p:txBody>
-          <a:bodyPr wrap="square" rtlCol="0">
-            <a:spAutoFit/>
-          </a:bodyPr>
-          <a:lstStyle/>
-          <a:p>
-            <a:endParaRPr lang="en-GB" dirty="0"/>
-          </a:p>
-        </p:txBody>
-      </p:sp>
-      <p:sp>
-        <p:nvSpPr>
           <p:cNvPr id="8" name="TextBox 7">
             <a:extLst>
               <a:ext uri="{FF2B5EF4-FFF2-40B4-BE49-F238E27FC236}">
@@ -3675,8 +8968,8 @@
         </p:nvSpPr>
         <p:spPr>
           <a:xfrm rot="5400000">
-            <a:off x="19457606" y="10421110"/>
-            <a:ext cx="20880000" cy="360000"/>
+            <a:off x="19428520" y="10510576"/>
+            <a:ext cx="21058931" cy="360000"/>
           </a:xfrm>
           <a:prstGeom prst="rect">
             <a:avLst/>
@@ -3753,8 +9046,8 @@
         </p:nvSpPr>
         <p:spPr>
           <a:xfrm>
-            <a:off x="557606" y="521110"/>
-            <a:ext cx="29160000" cy="1661993"/>
+            <a:off x="554431" y="524285"/>
+            <a:ext cx="29160000" cy="1446550"/>
           </a:xfrm>
           <a:prstGeom prst="rect">
             <a:avLst/>
@@ -3769,7 +9062,7 @@
           <a:p>
             <a:pPr algn="just"/>
             <a:r>
-              <a:rPr lang="en-GB" sz="10200" b="1" dirty="0">
+              <a:rPr lang="en-GB" sz="8800" b="1" dirty="0">
                 <a:effectLst/>
                 <a:latin typeface="+mj-lt"/>
               </a:rPr>
@@ -3794,13 +9087,13 @@
         </p:nvSpPr>
         <p:spPr>
           <a:xfrm>
-            <a:off x="915032" y="12329029"/>
-            <a:ext cx="14219999" cy="8205782"/>
+            <a:off x="921382" y="16040296"/>
+            <a:ext cx="14219999" cy="4494515"/>
           </a:xfrm>
           <a:prstGeom prst="rect">
             <a:avLst/>
           </a:prstGeom>
-          <a:ln>
+          <a:ln w="12700">
             <a:solidFill>
               <a:schemeClr val="tx1"/>
             </a:solidFill>
@@ -3975,55 +9268,7 @@
             </a:lvl9pPr>
           </a:lstStyle>
           <a:p>
-            <a:r>
-              <a:rPr lang="en-GB" sz="6000" dirty="0"/>
-              <a:t>Project Management</a:t>
-            </a:r>
-          </a:p>
-          <a:p>
-            <a:pPr algn="l"/>
-            <a:r>
-              <a:rPr lang="en-GB" sz="2000" dirty="0"/>
-              <a:t>Creating this project will be done so using the Agile approach, the project will be split into 3 milestones each with 5 bi-weekly sprints. The reviews at the end of each milestone will evaluate a Minimum Viable Product (MVP) and set new objectives by allowing user feedback from a varied audience to attain                                                                                                                                                                    new scope for the development of the                                                                                                                                                                    project. The varied audience will consist of                                                                                                                                                                 both music literate and illiterate individuals.</a:t>
-            </a:r>
-          </a:p>
-          <a:p>
-            <a:pPr marL="285750" indent="-285750" algn="just">
-              <a:buFont typeface="Arial" panose="020B0604020202020204" pitchFamily="34" charset="0"/>
-              <a:buChar char="•"/>
-            </a:pPr>
-            <a:r>
-              <a:rPr lang="en-GB" sz="2000" dirty="0"/>
-              <a:t>Milestone 1: September 19</a:t>
-            </a:r>
-            <a:r>
-              <a:rPr lang="en-GB" sz="2000" baseline="30000" dirty="0"/>
-              <a:t>th</a:t>
-            </a:r>
-            <a:r>
-              <a:rPr lang="en-GB" sz="2000" dirty="0"/>
-              <a:t> – January ????</a:t>
-            </a:r>
-          </a:p>
-          <a:p>
-            <a:pPr marL="285750" indent="-285750" algn="just">
-              <a:buFont typeface="Arial" panose="020B0604020202020204" pitchFamily="34" charset="0"/>
-              <a:buChar char="•"/>
-            </a:pPr>
-            <a:r>
-              <a:rPr lang="en-GB" sz="2000" dirty="0"/>
-              <a:t>Milestone 2: January ???? – March ????</a:t>
-            </a:r>
-          </a:p>
-          <a:p>
-            <a:pPr marL="285750" indent="-285750" algn="just">
-              <a:buFont typeface="Arial" panose="020B0604020202020204" pitchFamily="34" charset="0"/>
-              <a:buChar char="•"/>
-            </a:pPr>
-            <a:r>
-              <a:rPr lang="en-GB" sz="2000" dirty="0"/>
-              <a:t>Milestone 3: March ???? – May???</a:t>
-            </a:r>
+            <a:endParaRPr lang="en-GB" sz="6000" dirty="0"/>
           </a:p>
         </p:txBody>
       </p:sp>
@@ -4043,13 +9288,215 @@
         </p:nvSpPr>
         <p:spPr>
           <a:xfrm>
-            <a:off x="15137603" y="2183101"/>
-            <a:ext cx="14219998" cy="8508710"/>
+            <a:off x="15137604" y="2183101"/>
+            <a:ext cx="6031063" cy="7341899"/>
           </a:xfrm>
           <a:prstGeom prst="rect">
             <a:avLst/>
           </a:prstGeom>
-          <a:ln>
+          <a:ln w="12700">
+            <a:noFill/>
+          </a:ln>
+        </p:spPr>
+        <p:txBody>
+          <a:bodyPr vert="horz" lIns="91440" tIns="45720" rIns="91440" bIns="45720" rtlCol="0">
+            <a:normAutofit/>
+          </a:bodyPr>
+          <a:lstStyle>
+            <a:lvl1pPr marL="0" indent="0" algn="ctr" defTabSz="2138324" rtl="0" eaLnBrk="1" latinLnBrk="0" hangingPunct="1">
+              <a:lnSpc>
+                <a:spcPct val="90000"/>
+              </a:lnSpc>
+              <a:spcBef>
+                <a:spcPts val="2339"/>
+              </a:spcBef>
+              <a:buFont typeface="Arial" panose="020B0604020202020204" pitchFamily="34" charset="0"/>
+              <a:buNone/>
+              <a:defRPr sz="5612" kern="1200">
+                <a:solidFill>
+                  <a:schemeClr val="tx1"/>
+                </a:solidFill>
+                <a:latin typeface="+mn-lt"/>
+                <a:ea typeface="+mn-ea"/>
+                <a:cs typeface="+mn-cs"/>
+              </a:defRPr>
+            </a:lvl1pPr>
+            <a:lvl2pPr marL="1069162" indent="0" algn="ctr" defTabSz="2138324" rtl="0" eaLnBrk="1" latinLnBrk="0" hangingPunct="1">
+              <a:lnSpc>
+                <a:spcPct val="90000"/>
+              </a:lnSpc>
+              <a:spcBef>
+                <a:spcPts val="1169"/>
+              </a:spcBef>
+              <a:buFont typeface="Arial" panose="020B0604020202020204" pitchFamily="34" charset="0"/>
+              <a:buNone/>
+              <a:defRPr sz="4677" kern="1200">
+                <a:solidFill>
+                  <a:schemeClr val="tx1"/>
+                </a:solidFill>
+                <a:latin typeface="+mn-lt"/>
+                <a:ea typeface="+mn-ea"/>
+                <a:cs typeface="+mn-cs"/>
+              </a:defRPr>
+            </a:lvl2pPr>
+            <a:lvl3pPr marL="2138324" indent="0" algn="ctr" defTabSz="2138324" rtl="0" eaLnBrk="1" latinLnBrk="0" hangingPunct="1">
+              <a:lnSpc>
+                <a:spcPct val="90000"/>
+              </a:lnSpc>
+              <a:spcBef>
+                <a:spcPts val="1169"/>
+              </a:spcBef>
+              <a:buFont typeface="Arial" panose="020B0604020202020204" pitchFamily="34" charset="0"/>
+              <a:buNone/>
+              <a:defRPr sz="4209" kern="1200">
+                <a:solidFill>
+                  <a:schemeClr val="tx1"/>
+                </a:solidFill>
+                <a:latin typeface="+mn-lt"/>
+                <a:ea typeface="+mn-ea"/>
+                <a:cs typeface="+mn-cs"/>
+              </a:defRPr>
+            </a:lvl3pPr>
+            <a:lvl4pPr marL="3207487" indent="0" algn="ctr" defTabSz="2138324" rtl="0" eaLnBrk="1" latinLnBrk="0" hangingPunct="1">
+              <a:lnSpc>
+                <a:spcPct val="90000"/>
+              </a:lnSpc>
+              <a:spcBef>
+                <a:spcPts val="1169"/>
+              </a:spcBef>
+              <a:buFont typeface="Arial" panose="020B0604020202020204" pitchFamily="34" charset="0"/>
+              <a:buNone/>
+              <a:defRPr sz="3742" kern="1200">
+                <a:solidFill>
+                  <a:schemeClr val="tx1"/>
+                </a:solidFill>
+                <a:latin typeface="+mn-lt"/>
+                <a:ea typeface="+mn-ea"/>
+                <a:cs typeface="+mn-cs"/>
+              </a:defRPr>
+            </a:lvl4pPr>
+            <a:lvl5pPr marL="4276649" indent="0" algn="ctr" defTabSz="2138324" rtl="0" eaLnBrk="1" latinLnBrk="0" hangingPunct="1">
+              <a:lnSpc>
+                <a:spcPct val="90000"/>
+              </a:lnSpc>
+              <a:spcBef>
+                <a:spcPts val="1169"/>
+              </a:spcBef>
+              <a:buFont typeface="Arial" panose="020B0604020202020204" pitchFamily="34" charset="0"/>
+              <a:buNone/>
+              <a:defRPr sz="3742" kern="1200">
+                <a:solidFill>
+                  <a:schemeClr val="tx1"/>
+                </a:solidFill>
+                <a:latin typeface="+mn-lt"/>
+                <a:ea typeface="+mn-ea"/>
+                <a:cs typeface="+mn-cs"/>
+              </a:defRPr>
+            </a:lvl5pPr>
+            <a:lvl6pPr marL="5345811" indent="0" algn="ctr" defTabSz="2138324" rtl="0" eaLnBrk="1" latinLnBrk="0" hangingPunct="1">
+              <a:lnSpc>
+                <a:spcPct val="90000"/>
+              </a:lnSpc>
+              <a:spcBef>
+                <a:spcPts val="1169"/>
+              </a:spcBef>
+              <a:buFont typeface="Arial" panose="020B0604020202020204" pitchFamily="34" charset="0"/>
+              <a:buNone/>
+              <a:defRPr sz="3742" kern="1200">
+                <a:solidFill>
+                  <a:schemeClr val="tx1"/>
+                </a:solidFill>
+                <a:latin typeface="+mn-lt"/>
+                <a:ea typeface="+mn-ea"/>
+                <a:cs typeface="+mn-cs"/>
+              </a:defRPr>
+            </a:lvl6pPr>
+            <a:lvl7pPr marL="6414973" indent="0" algn="ctr" defTabSz="2138324" rtl="0" eaLnBrk="1" latinLnBrk="0" hangingPunct="1">
+              <a:lnSpc>
+                <a:spcPct val="90000"/>
+              </a:lnSpc>
+              <a:spcBef>
+                <a:spcPts val="1169"/>
+              </a:spcBef>
+              <a:buFont typeface="Arial" panose="020B0604020202020204" pitchFamily="34" charset="0"/>
+              <a:buNone/>
+              <a:defRPr sz="3742" kern="1200">
+                <a:solidFill>
+                  <a:schemeClr val="tx1"/>
+                </a:solidFill>
+                <a:latin typeface="+mn-lt"/>
+                <a:ea typeface="+mn-ea"/>
+                <a:cs typeface="+mn-cs"/>
+              </a:defRPr>
+            </a:lvl7pPr>
+            <a:lvl8pPr marL="7484135" indent="0" algn="ctr" defTabSz="2138324" rtl="0" eaLnBrk="1" latinLnBrk="0" hangingPunct="1">
+              <a:lnSpc>
+                <a:spcPct val="90000"/>
+              </a:lnSpc>
+              <a:spcBef>
+                <a:spcPts val="1169"/>
+              </a:spcBef>
+              <a:buFont typeface="Arial" panose="020B0604020202020204" pitchFamily="34" charset="0"/>
+              <a:buNone/>
+              <a:defRPr sz="3742" kern="1200">
+                <a:solidFill>
+                  <a:schemeClr val="tx1"/>
+                </a:solidFill>
+                <a:latin typeface="+mn-lt"/>
+                <a:ea typeface="+mn-ea"/>
+                <a:cs typeface="+mn-cs"/>
+              </a:defRPr>
+            </a:lvl8pPr>
+            <a:lvl9pPr marL="8553298" indent="0" algn="ctr" defTabSz="2138324" rtl="0" eaLnBrk="1" latinLnBrk="0" hangingPunct="1">
+              <a:lnSpc>
+                <a:spcPct val="90000"/>
+              </a:lnSpc>
+              <a:spcBef>
+                <a:spcPts val="1169"/>
+              </a:spcBef>
+              <a:buFont typeface="Arial" panose="020B0604020202020204" pitchFamily="34" charset="0"/>
+              <a:buNone/>
+              <a:defRPr sz="3742" kern="1200">
+                <a:solidFill>
+                  <a:schemeClr val="tx1"/>
+                </a:solidFill>
+                <a:latin typeface="+mn-lt"/>
+                <a:ea typeface="+mn-ea"/>
+                <a:cs typeface="+mn-cs"/>
+              </a:defRPr>
+            </a:lvl9pPr>
+          </a:lstStyle>
+          <a:p>
+            <a:endParaRPr lang="en-GB" sz="2800" dirty="0"/>
+          </a:p>
+        </p:txBody>
+      </p:sp>
+      <p:sp>
+        <p:nvSpPr>
+          <p:cNvPr id="17" name="Subtitle 2">
+            <a:extLst>
+              <a:ext uri="{FF2B5EF4-FFF2-40B4-BE49-F238E27FC236}">
+                <a16:creationId xmlns:a16="http://schemas.microsoft.com/office/drawing/2014/main" id="{56B58F79-9BBF-40A5-80ED-DA892BF2CEEA}"/>
+              </a:ext>
+            </a:extLst>
+          </p:cNvPr>
+          <p:cNvSpPr txBox="1">
+            <a:spLocks/>
+          </p:cNvSpPr>
+          <p:nvPr/>
+        </p:nvSpPr>
+        <p:spPr>
+          <a:xfrm>
+            <a:off x="15137603" y="8047554"/>
+            <a:ext cx="14219998" cy="12487258"/>
+          </a:xfrm>
+          <a:prstGeom prst="rect">
+            <a:avLst/>
+          </a:prstGeom>
+          <a:solidFill>
+            <a:schemeClr val="bg1"/>
+          </a:solidFill>
+          <a:ln w="12700">
             <a:solidFill>
               <a:schemeClr val="tx1"/>
             </a:solidFill>
@@ -4225,258 +9672,16 @@
           </a:lstStyle>
           <a:p>
             <a:r>
-              <a:rPr lang="en-GB" sz="6000" dirty="0"/>
-              <a:t>Method of Code</a:t>
-            </a:r>
-            <a:endParaRPr lang="en-GB" sz="2800" dirty="0"/>
+              <a:rPr lang="en-GB" sz="5600" dirty="0"/>
+              <a:t>       Statistical Analysis for Level Progression</a:t>
+            </a:r>
           </a:p>
           <a:p>
             <a:pPr algn="l"/>
             <a:r>
-              <a:rPr lang="en-GB" sz="2000" dirty="0"/>
-              <a:t>All actions for the application are dependent                                                                                                                                                                 on the MIDI device input:</a:t>
-            </a:r>
-          </a:p>
-          <a:p>
-            <a:pPr marL="285750" indent="-285750" algn="l">
-              <a:buFont typeface="Arial" panose="020B0604020202020204" pitchFamily="34" charset="0"/>
-              <a:buChar char="•"/>
-            </a:pPr>
-            <a:r>
-              <a:rPr lang="en-GB" sz="2000" dirty="0"/>
-              <a:t>The sound comes from the note input being                                                                                                                                                registered as a number from the MIDI device                                                                                                                                                             input.</a:t>
-            </a:r>
-          </a:p>
-          <a:p>
-            <a:pPr marL="285750" indent="-285750" algn="l">
-              <a:buFont typeface="Arial" panose="020B0604020202020204" pitchFamily="34" charset="0"/>
-              <a:buChar char="•"/>
-            </a:pPr>
-            <a:r>
-              <a:rPr lang="en-GB" sz="2000" dirty="0"/>
-              <a:t>The visual representation on both the                                                                                                                                                                    keyboard and the staff comes from the note                                                                                                                                                      number given by the MIDI device input.</a:t>
-            </a:r>
-          </a:p>
-          <a:p>
-            <a:pPr marL="285750" indent="-285750" algn="l">
-              <a:buFont typeface="Arial" panose="020B0604020202020204" pitchFamily="34" charset="0"/>
-              <a:buChar char="•"/>
-            </a:pPr>
-            <a:r>
-              <a:rPr lang="en-GB" sz="2000" dirty="0"/>
-              <a:t>The difficulty is adjusted based on whether                                                                                                                                                             the user strikes the right note at the right                              				             time represented on the stave. </a:t>
-            </a:r>
-          </a:p>
-        </p:txBody>
-      </p:sp>
-      <p:sp>
-        <p:nvSpPr>
-          <p:cNvPr id="17" name="Subtitle 2">
-            <a:extLst>
-              <a:ext uri="{FF2B5EF4-FFF2-40B4-BE49-F238E27FC236}">
-                <a16:creationId xmlns:a16="http://schemas.microsoft.com/office/drawing/2014/main" id="{56B58F79-9BBF-40A5-80ED-DA892BF2CEEA}"/>
-              </a:ext>
-            </a:extLst>
-          </p:cNvPr>
-          <p:cNvSpPr txBox="1">
-            <a:spLocks/>
-          </p:cNvSpPr>
-          <p:nvPr/>
-        </p:nvSpPr>
-        <p:spPr>
-          <a:xfrm>
-            <a:off x="15137603" y="10691811"/>
-            <a:ext cx="14219998" cy="9843000"/>
-          </a:xfrm>
-          <a:prstGeom prst="rect">
-            <a:avLst/>
-          </a:prstGeom>
-          <a:ln>
-            <a:solidFill>
-              <a:schemeClr val="tx1"/>
-            </a:solidFill>
-          </a:ln>
-        </p:spPr>
-        <p:txBody>
-          <a:bodyPr vert="horz" lIns="91440" tIns="45720" rIns="91440" bIns="45720" rtlCol="0">
-            <a:normAutofit/>
-          </a:bodyPr>
-          <a:lstStyle>
-            <a:lvl1pPr marL="0" indent="0" algn="ctr" defTabSz="2138324" rtl="0" eaLnBrk="1" latinLnBrk="0" hangingPunct="1">
-              <a:lnSpc>
-                <a:spcPct val="90000"/>
-              </a:lnSpc>
-              <a:spcBef>
-                <a:spcPts val="2339"/>
-              </a:spcBef>
-              <a:buFont typeface="Arial" panose="020B0604020202020204" pitchFamily="34" charset="0"/>
-              <a:buNone/>
-              <a:defRPr sz="5612" kern="1200">
-                <a:solidFill>
-                  <a:schemeClr val="tx1"/>
-                </a:solidFill>
-                <a:latin typeface="+mn-lt"/>
-                <a:ea typeface="+mn-ea"/>
-                <a:cs typeface="+mn-cs"/>
-              </a:defRPr>
-            </a:lvl1pPr>
-            <a:lvl2pPr marL="1069162" indent="0" algn="ctr" defTabSz="2138324" rtl="0" eaLnBrk="1" latinLnBrk="0" hangingPunct="1">
-              <a:lnSpc>
-                <a:spcPct val="90000"/>
-              </a:lnSpc>
-              <a:spcBef>
-                <a:spcPts val="1169"/>
-              </a:spcBef>
-              <a:buFont typeface="Arial" panose="020B0604020202020204" pitchFamily="34" charset="0"/>
-              <a:buNone/>
-              <a:defRPr sz="4677" kern="1200">
-                <a:solidFill>
-                  <a:schemeClr val="tx1"/>
-                </a:solidFill>
-                <a:latin typeface="+mn-lt"/>
-                <a:ea typeface="+mn-ea"/>
-                <a:cs typeface="+mn-cs"/>
-              </a:defRPr>
-            </a:lvl2pPr>
-            <a:lvl3pPr marL="2138324" indent="0" algn="ctr" defTabSz="2138324" rtl="0" eaLnBrk="1" latinLnBrk="0" hangingPunct="1">
-              <a:lnSpc>
-                <a:spcPct val="90000"/>
-              </a:lnSpc>
-              <a:spcBef>
-                <a:spcPts val="1169"/>
-              </a:spcBef>
-              <a:buFont typeface="Arial" panose="020B0604020202020204" pitchFamily="34" charset="0"/>
-              <a:buNone/>
-              <a:defRPr sz="4209" kern="1200">
-                <a:solidFill>
-                  <a:schemeClr val="tx1"/>
-                </a:solidFill>
-                <a:latin typeface="+mn-lt"/>
-                <a:ea typeface="+mn-ea"/>
-                <a:cs typeface="+mn-cs"/>
-              </a:defRPr>
-            </a:lvl3pPr>
-            <a:lvl4pPr marL="3207487" indent="0" algn="ctr" defTabSz="2138324" rtl="0" eaLnBrk="1" latinLnBrk="0" hangingPunct="1">
-              <a:lnSpc>
-                <a:spcPct val="90000"/>
-              </a:lnSpc>
-              <a:spcBef>
-                <a:spcPts val="1169"/>
-              </a:spcBef>
-              <a:buFont typeface="Arial" panose="020B0604020202020204" pitchFamily="34" charset="0"/>
-              <a:buNone/>
-              <a:defRPr sz="3742" kern="1200">
-                <a:solidFill>
-                  <a:schemeClr val="tx1"/>
-                </a:solidFill>
-                <a:latin typeface="+mn-lt"/>
-                <a:ea typeface="+mn-ea"/>
-                <a:cs typeface="+mn-cs"/>
-              </a:defRPr>
-            </a:lvl4pPr>
-            <a:lvl5pPr marL="4276649" indent="0" algn="ctr" defTabSz="2138324" rtl="0" eaLnBrk="1" latinLnBrk="0" hangingPunct="1">
-              <a:lnSpc>
-                <a:spcPct val="90000"/>
-              </a:lnSpc>
-              <a:spcBef>
-                <a:spcPts val="1169"/>
-              </a:spcBef>
-              <a:buFont typeface="Arial" panose="020B0604020202020204" pitchFamily="34" charset="0"/>
-              <a:buNone/>
-              <a:defRPr sz="3742" kern="1200">
-                <a:solidFill>
-                  <a:schemeClr val="tx1"/>
-                </a:solidFill>
-                <a:latin typeface="+mn-lt"/>
-                <a:ea typeface="+mn-ea"/>
-                <a:cs typeface="+mn-cs"/>
-              </a:defRPr>
-            </a:lvl5pPr>
-            <a:lvl6pPr marL="5345811" indent="0" algn="ctr" defTabSz="2138324" rtl="0" eaLnBrk="1" latinLnBrk="0" hangingPunct="1">
-              <a:lnSpc>
-                <a:spcPct val="90000"/>
-              </a:lnSpc>
-              <a:spcBef>
-                <a:spcPts val="1169"/>
-              </a:spcBef>
-              <a:buFont typeface="Arial" panose="020B0604020202020204" pitchFamily="34" charset="0"/>
-              <a:buNone/>
-              <a:defRPr sz="3742" kern="1200">
-                <a:solidFill>
-                  <a:schemeClr val="tx1"/>
-                </a:solidFill>
-                <a:latin typeface="+mn-lt"/>
-                <a:ea typeface="+mn-ea"/>
-                <a:cs typeface="+mn-cs"/>
-              </a:defRPr>
-            </a:lvl6pPr>
-            <a:lvl7pPr marL="6414973" indent="0" algn="ctr" defTabSz="2138324" rtl="0" eaLnBrk="1" latinLnBrk="0" hangingPunct="1">
-              <a:lnSpc>
-                <a:spcPct val="90000"/>
-              </a:lnSpc>
-              <a:spcBef>
-                <a:spcPts val="1169"/>
-              </a:spcBef>
-              <a:buFont typeface="Arial" panose="020B0604020202020204" pitchFamily="34" charset="0"/>
-              <a:buNone/>
-              <a:defRPr sz="3742" kern="1200">
-                <a:solidFill>
-                  <a:schemeClr val="tx1"/>
-                </a:solidFill>
-                <a:latin typeface="+mn-lt"/>
-                <a:ea typeface="+mn-ea"/>
-                <a:cs typeface="+mn-cs"/>
-              </a:defRPr>
-            </a:lvl7pPr>
-            <a:lvl8pPr marL="7484135" indent="0" algn="ctr" defTabSz="2138324" rtl="0" eaLnBrk="1" latinLnBrk="0" hangingPunct="1">
-              <a:lnSpc>
-                <a:spcPct val="90000"/>
-              </a:lnSpc>
-              <a:spcBef>
-                <a:spcPts val="1169"/>
-              </a:spcBef>
-              <a:buFont typeface="Arial" panose="020B0604020202020204" pitchFamily="34" charset="0"/>
-              <a:buNone/>
-              <a:defRPr sz="3742" kern="1200">
-                <a:solidFill>
-                  <a:schemeClr val="tx1"/>
-                </a:solidFill>
-                <a:latin typeface="+mn-lt"/>
-                <a:ea typeface="+mn-ea"/>
-                <a:cs typeface="+mn-cs"/>
-              </a:defRPr>
-            </a:lvl8pPr>
-            <a:lvl9pPr marL="8553298" indent="0" algn="ctr" defTabSz="2138324" rtl="0" eaLnBrk="1" latinLnBrk="0" hangingPunct="1">
-              <a:lnSpc>
-                <a:spcPct val="90000"/>
-              </a:lnSpc>
-              <a:spcBef>
-                <a:spcPts val="1169"/>
-              </a:spcBef>
-              <a:buFont typeface="Arial" panose="020B0604020202020204" pitchFamily="34" charset="0"/>
-              <a:buNone/>
-              <a:defRPr sz="3742" kern="1200">
-                <a:solidFill>
-                  <a:schemeClr val="tx1"/>
-                </a:solidFill>
-                <a:latin typeface="+mn-lt"/>
-                <a:ea typeface="+mn-ea"/>
-                <a:cs typeface="+mn-cs"/>
-              </a:defRPr>
-            </a:lvl9pPr>
-          </a:lstStyle>
-          <a:p>
-            <a:r>
-              <a:rPr lang="en-GB" sz="4800" dirty="0"/>
-              <a:t>Statistical Analysis</a:t>
-            </a:r>
-          </a:p>
-          <a:p>
-            <a:endParaRPr lang="en-GB" sz="1600" dirty="0"/>
-          </a:p>
-          <a:p>
-            <a:pPr algn="just"/>
-            <a:endParaRPr lang="en-GB" sz="2000" dirty="0"/>
+              <a:rPr lang="en-GB" sz="1600" dirty="0"/>
+              <a:t>			</a:t>
+            </a:r>
           </a:p>
         </p:txBody>
       </p:sp>
@@ -4494,8 +9699,8 @@
         </p:nvSpPr>
         <p:spPr>
           <a:xfrm>
-            <a:off x="5553800" y="5389216"/>
-            <a:ext cx="9343422" cy="1938992"/>
+            <a:off x="9565303" y="6573627"/>
+            <a:ext cx="4955562" cy="5216813"/>
           </a:xfrm>
           <a:prstGeom prst="rect">
             <a:avLst/>
@@ -4521,121 +9726,68 @@
                 <a:spcPts val="600"/>
               </a:spcBef>
             </a:pPr>
-            <a:r>
-              <a:rPr lang="en-GB" sz="2000" dirty="0"/>
-              <a:t>‘P.I.A.N.O.’ has an interactive visualisation                                                                                       of the keyboard to help understand key                                                                                          notes on the keyboard and where users                                                                                          hands should be. It also has a rolling note                                                                                                             visualiser for learning how to read music                                                                                     (Rogers et al., 2014).</a:t>
+            <a:endParaRPr lang="en-GB" sz="2000" dirty="0"/>
+          </a:p>
+          <a:p>
+            <a:pPr>
+              <a:lnSpc>
+                <a:spcPct val="100000"/>
+              </a:lnSpc>
+              <a:spcBef>
+                <a:spcPts val="600"/>
+              </a:spcBef>
+            </a:pPr>
+            <a:endParaRPr lang="en-GB" sz="2000" dirty="0"/>
+          </a:p>
+          <a:p>
+            <a:pPr>
+              <a:lnSpc>
+                <a:spcPct val="100000"/>
+              </a:lnSpc>
+              <a:spcBef>
+                <a:spcPts val="600"/>
+              </a:spcBef>
+            </a:pPr>
+            <a:endParaRPr lang="en-GB" sz="2000" dirty="0"/>
+          </a:p>
+          <a:p>
+            <a:pPr>
+              <a:lnSpc>
+                <a:spcPct val="100000"/>
+              </a:lnSpc>
+              <a:spcBef>
+                <a:spcPts val="600"/>
+              </a:spcBef>
+            </a:pPr>
+            <a:endParaRPr lang="en-GB" sz="2000" dirty="0"/>
+          </a:p>
+          <a:p>
+            <a:pPr>
+              <a:lnSpc>
+                <a:spcPct val="100000"/>
+              </a:lnSpc>
+              <a:spcBef>
+                <a:spcPts val="600"/>
+              </a:spcBef>
+            </a:pPr>
+            <a:endParaRPr lang="en-GB" sz="2000" dirty="0"/>
+          </a:p>
+          <a:p>
+            <a:pPr>
+              <a:lnSpc>
+                <a:spcPct val="100000"/>
+              </a:lnSpc>
+              <a:spcBef>
+                <a:spcPts val="600"/>
+              </a:spcBef>
+            </a:pPr>
+            <a:r>
+              <a:rPr lang="en-GB" sz="2600" dirty="0"/>
+              <a:t>‘P.I.A.N.O.’ has an interactive visualisation of the keyboard 	      to help understand key notes         on the keyboard and where       users hands should be. It also       has a rolling note visualiser            for learning how to read            music (Rogers et al., 2014).</a:t>
             </a:r>
           </a:p>
         </p:txBody>
       </p:sp>
-      <p:pic>
-        <p:nvPicPr>
-          <p:cNvPr id="28" name="Picture 27">
-            <a:extLst>
-              <a:ext uri="{FF2B5EF4-FFF2-40B4-BE49-F238E27FC236}">
-                <a16:creationId xmlns:a16="http://schemas.microsoft.com/office/drawing/2014/main" id="{06DE7134-B069-4CC2-99E0-A8380830A827}"/>
-              </a:ext>
-            </a:extLst>
-          </p:cNvPr>
-          <p:cNvPicPr>
-            <a:picLocks noChangeAspect="1"/>
-          </p:cNvPicPr>
-          <p:nvPr/>
-        </p:nvPicPr>
-        <p:blipFill rotWithShape="1">
-          <a:blip r:embed="rId2"/>
-          <a:srcRect l="1" t="7283" r="-1358" b="-235"/>
-          <a:stretch/>
-        </p:blipFill>
-        <p:spPr>
-          <a:xfrm>
-            <a:off x="5966249" y="14268003"/>
-            <a:ext cx="8930973" cy="5820833"/>
-          </a:xfrm>
-          <a:prstGeom prst="rect">
-            <a:avLst/>
-          </a:prstGeom>
-          <a:ln w="12700" cap="sq">
-            <a:solidFill>
-              <a:srgbClr val="000000"/>
-            </a:solidFill>
-            <a:miter lim="800000"/>
-          </a:ln>
-          <a:effectLst/>
-        </p:spPr>
-      </p:pic>
-      <p:pic>
-        <p:nvPicPr>
-          <p:cNvPr id="29" name="Picture 28">
-            <a:extLst>
-              <a:ext uri="{FF2B5EF4-FFF2-40B4-BE49-F238E27FC236}">
-                <a16:creationId xmlns:a16="http://schemas.microsoft.com/office/drawing/2014/main" id="{3747BA6E-F4D0-4B6A-9A4E-58C4C3C1BEA0}"/>
-              </a:ext>
-            </a:extLst>
-          </p:cNvPr>
-          <p:cNvPicPr>
-            <a:picLocks noChangeAspect="1"/>
-          </p:cNvPicPr>
-          <p:nvPr/>
-        </p:nvPicPr>
-        <p:blipFill rotWithShape="1">
-          <a:blip r:embed="rId3"/>
-          <a:srcRect l="8942" t="2780" r="9587" b="582"/>
-          <a:stretch/>
-        </p:blipFill>
-        <p:spPr>
-          <a:xfrm>
-            <a:off x="20446986" y="3279488"/>
-            <a:ext cx="8632134" cy="6860526"/>
-          </a:xfrm>
-          <a:prstGeom prst="rect">
-            <a:avLst/>
-          </a:prstGeom>
-          <a:ln w="12700" cap="sq">
-            <a:solidFill>
-              <a:schemeClr val="tx1"/>
-            </a:solidFill>
-            <a:miter lim="800000"/>
-          </a:ln>
-          <a:effectLst/>
-        </p:spPr>
-      </p:pic>
-      <p:pic>
-        <p:nvPicPr>
-          <p:cNvPr id="12" name="Picture 11" descr="Logo&#10;&#10;Description automatically generated">
-            <a:extLst>
-              <a:ext uri="{FF2B5EF4-FFF2-40B4-BE49-F238E27FC236}">
-                <a16:creationId xmlns:a16="http://schemas.microsoft.com/office/drawing/2014/main" id="{728D4163-7724-4968-A626-C01297D74C3A}"/>
-              </a:ext>
-            </a:extLst>
-          </p:cNvPr>
-          <p:cNvPicPr>
-            <a:picLocks noChangeAspect="1"/>
-          </p:cNvPicPr>
-          <p:nvPr/>
-        </p:nvPicPr>
-        <p:blipFill>
-          <a:blip r:embed="rId4">
-            <a:extLst>
-              <a:ext uri="{28A0092B-C50C-407E-A947-70E740481C1C}">
-                <a14:useLocalDpi xmlns:a14="http://schemas.microsoft.com/office/drawing/2010/main" val="0"/>
-              </a:ext>
-            </a:extLst>
-          </a:blip>
-          <a:stretch>
-            <a:fillRect/>
-          </a:stretch>
-        </p:blipFill>
-        <p:spPr>
-          <a:xfrm>
-            <a:off x="13716721" y="9251812"/>
-            <a:ext cx="2841770" cy="2880000"/>
-          </a:xfrm>
-          <a:prstGeom prst="rect">
-            <a:avLst/>
-          </a:prstGeom>
-        </p:spPr>
-      </p:pic>
       <p:pic>
         <p:nvPicPr>
           <p:cNvPr id="31" name="Picture 30" descr="A person wearing headphones and sitting at a desk with a computer&#10;&#10;Description automatically generated with low confidence">
@@ -4651,7 +9803,7 @@
           <p:nvPr/>
         </p:nvPicPr>
         <p:blipFill rotWithShape="1">
-          <a:blip r:embed="rId5">
+          <a:blip r:embed="rId2">
             <a:extLst>
               <a:ext uri="{28A0092B-C50C-407E-A947-70E740481C1C}">
                 <a14:useLocalDpi xmlns:a14="http://schemas.microsoft.com/office/drawing/2010/main" val="0"/>
@@ -4663,43 +9815,8 @@
         </p:blipFill>
         <p:spPr>
           <a:xfrm>
-            <a:off x="1385403" y="5523509"/>
-            <a:ext cx="3848482" cy="2520000"/>
-          </a:xfrm>
-          <a:prstGeom prst="rect">
-            <a:avLst/>
-          </a:prstGeom>
-        </p:spPr>
-      </p:pic>
-      <p:pic>
-        <p:nvPicPr>
-          <p:cNvPr id="33" name="Picture 32" descr="A person playing a piano&#10;&#10;Description automatically generated with low confidence">
-            <a:extLst>
-              <a:ext uri="{FF2B5EF4-FFF2-40B4-BE49-F238E27FC236}">
-                <a16:creationId xmlns:a16="http://schemas.microsoft.com/office/drawing/2014/main" id="{488333FF-4E66-44BB-8EA3-989BC100BD12}"/>
-              </a:ext>
-            </a:extLst>
-          </p:cNvPr>
-          <p:cNvPicPr>
-            <a:picLocks noChangeAspect="1"/>
-          </p:cNvPicPr>
-          <p:nvPr/>
-        </p:nvPicPr>
-        <p:blipFill rotWithShape="1">
-          <a:blip r:embed="rId6">
-            <a:extLst>
-              <a:ext uri="{28A0092B-C50C-407E-A947-70E740481C1C}">
-                <a14:useLocalDpi xmlns:a14="http://schemas.microsoft.com/office/drawing/2010/main" val="0"/>
-              </a:ext>
-            </a:extLst>
-          </a:blip>
-          <a:srcRect l="1128" t="1357" r="1589" b="2360"/>
-          <a:stretch/>
-        </p:blipFill>
-        <p:spPr>
-          <a:xfrm>
-            <a:off x="12320337" y="5453797"/>
-            <a:ext cx="2492308" cy="1800000"/>
+            <a:off x="1274704" y="6651035"/>
+            <a:ext cx="2744841" cy="1800000"/>
           </a:xfrm>
           <a:prstGeom prst="rect">
             <a:avLst/>
@@ -4721,7 +9838,7 @@
           <p:nvPr/>
         </p:nvPicPr>
         <p:blipFill rotWithShape="1">
-          <a:blip r:embed="rId7">
+          <a:blip r:embed="rId3">
             <a:extLst>
               <a:ext uri="{28A0092B-C50C-407E-A947-70E740481C1C}">
                 <a14:useLocalDpi xmlns:a14="http://schemas.microsoft.com/office/drawing/2010/main" val="0"/>
@@ -4733,7 +9850,7 @@
         </p:blipFill>
         <p:spPr>
           <a:xfrm>
-            <a:off x="10118895" y="5458333"/>
+            <a:off x="9739718" y="6636618"/>
             <a:ext cx="2234272" cy="1800000"/>
           </a:xfrm>
           <a:prstGeom prst="rect">
@@ -4755,8 +9872,8 @@
         </p:nvSpPr>
         <p:spPr>
           <a:xfrm>
-            <a:off x="5557930" y="7471970"/>
-            <a:ext cx="7899360" cy="2554545"/>
+            <a:off x="4579837" y="6568220"/>
+            <a:ext cx="4898069" cy="5239896"/>
           </a:xfrm>
           <a:prstGeom prst="rect">
             <a:avLst/>
@@ -4786,52 +9903,93 @@
           </a:bodyPr>
           <a:lstStyle/>
           <a:p>
-            <a:r>
-              <a:rPr lang="en-GB" sz="2000" dirty="0">
+            <a:pPr>
+              <a:lnSpc>
+                <a:spcPct val="100000"/>
+              </a:lnSpc>
+              <a:spcBef>
+                <a:spcPts val="600"/>
+              </a:spcBef>
+            </a:pPr>
+            <a:endParaRPr lang="en-GB" sz="2000" dirty="0"/>
+          </a:p>
+          <a:p>
+            <a:pPr>
+              <a:lnSpc>
+                <a:spcPct val="100000"/>
+              </a:lnSpc>
+              <a:spcBef>
+                <a:spcPts val="600"/>
+              </a:spcBef>
+            </a:pPr>
+            <a:endParaRPr lang="en-GB" sz="2000" dirty="0"/>
+          </a:p>
+          <a:p>
+            <a:pPr>
+              <a:lnSpc>
+                <a:spcPct val="100000"/>
+              </a:lnSpc>
+              <a:spcBef>
+                <a:spcPts val="600"/>
+              </a:spcBef>
+            </a:pPr>
+            <a:endParaRPr lang="en-GB" sz="2000" dirty="0"/>
+          </a:p>
+          <a:p>
+            <a:pPr>
+              <a:lnSpc>
+                <a:spcPct val="100000"/>
+              </a:lnSpc>
+              <a:spcBef>
+                <a:spcPts val="600"/>
+              </a:spcBef>
+            </a:pPr>
+            <a:endParaRPr lang="en-GB" sz="2000" dirty="0"/>
+          </a:p>
+          <a:p>
+            <a:pPr>
+              <a:lnSpc>
+                <a:spcPct val="100000"/>
+              </a:lnSpc>
+              <a:spcBef>
+                <a:spcPts val="600"/>
+              </a:spcBef>
+            </a:pPr>
+            <a:endParaRPr lang="en-GB" sz="2000" dirty="0"/>
+          </a:p>
+          <a:p>
+            <a:r>
+              <a:rPr lang="en-GB" sz="2600" dirty="0">
                 <a:effectLst/>
               </a:rPr>
-              <a:t>                                                      	‘</a:t>
-            </a:r>
-            <a:r>
-              <a:rPr lang="en-GB" sz="2000" dirty="0" err="1">
+              <a:t>‘</a:t>
+            </a:r>
+            <a:r>
+              <a:rPr lang="en-GB" sz="2600" dirty="0" err="1">
                 <a:effectLst/>
               </a:rPr>
               <a:t>Synthesia</a:t>
             </a:r>
             <a:r>
-              <a:rPr lang="en-GB" sz="2000" dirty="0">
+              <a:rPr lang="en-GB" sz="2600" dirty="0">
                 <a:effectLst/>
               </a:rPr>
               <a:t>’ uses a MIDI keyboard input </a:t>
             </a:r>
             <a:r>
-              <a:rPr lang="en-GB" sz="2000" dirty="0"/>
-              <a:t>and 							has</a:t>
-            </a:r>
-            <a:r>
-              <a:rPr lang="en-GB" sz="2000" dirty="0">
+              <a:rPr lang="en-GB" sz="2600" dirty="0"/>
+              <a:t>and has</a:t>
+            </a:r>
+            <a:r>
+              <a:rPr lang="en-GB" sz="2600" dirty="0">
                 <a:effectLst/>
               </a:rPr>
               <a:t> a note visualisation like </a:t>
             </a:r>
             <a:r>
-              <a:rPr lang="en-GB" sz="2000" dirty="0"/>
-              <a:t>‘P.I.A.N.O.’. It 							contains a mass library of songs for users to 							learn, and also contains helpful hints for 							hand placement called “Finger Number 								Hints” (</a:t>
-            </a:r>
-            <a:r>
-              <a:rPr lang="en-GB" sz="2000" dirty="0" err="1"/>
-              <a:t>Synthesia</a:t>
-            </a:r>
-            <a:r>
-              <a:rPr lang="en-GB" sz="2000" dirty="0"/>
-              <a:t> Game, 2022).</a:t>
-            </a:r>
-          </a:p>
-          <a:p>
-            <a:endParaRPr lang="en-GB" sz="2000" dirty="0"/>
-          </a:p>
-          <a:p>
-            <a:endParaRPr lang="en-GB" sz="2000" dirty="0"/>
+              <a:rPr lang="en-GB" sz="2600" dirty="0"/>
+              <a:t>‘P.I.A.N.O.’. It contains a mass library of songs for users to learn, and also contains helpful hints for hand placement called “Finger Number Hints” (Synthesia Game, 2022).</a:t>
+            </a:r>
           </a:p>
         </p:txBody>
       </p:sp>
@@ -4850,7 +10008,7 @@
           <p:nvPr/>
         </p:nvPicPr>
         <p:blipFill>
-          <a:blip r:embed="rId8">
+          <a:blip r:embed="rId4">
             <a:extLst>
               <a:ext uri="{28A0092B-C50C-407E-A947-70E740481C1C}">
                 <a14:useLocalDpi xmlns:a14="http://schemas.microsoft.com/office/drawing/2010/main" val="0"/>
@@ -4863,8 +10021,1034 @@
         </p:blipFill>
         <p:spPr>
           <a:xfrm>
-            <a:off x="5649673" y="7562680"/>
-            <a:ext cx="3011951" cy="2380231"/>
+            <a:off x="5346434" y="6595898"/>
+            <a:ext cx="2613350" cy="1800000"/>
+          </a:xfrm>
+          <a:prstGeom prst="rect">
+            <a:avLst/>
+          </a:prstGeom>
+        </p:spPr>
+      </p:pic>
+      <p:sp>
+        <p:nvSpPr>
+          <p:cNvPr id="36" name="TextBox 35">
+            <a:extLst>
+              <a:ext uri="{FF2B5EF4-FFF2-40B4-BE49-F238E27FC236}">
+                <a16:creationId xmlns:a16="http://schemas.microsoft.com/office/drawing/2014/main" id="{FDDC05FB-5BC9-4852-AB22-E0016ACE8EE0}"/>
+              </a:ext>
+            </a:extLst>
+          </p:cNvPr>
+          <p:cNvSpPr txBox="1"/>
+          <p:nvPr/>
+        </p:nvSpPr>
+        <p:spPr>
+          <a:xfrm>
+            <a:off x="20248212" y="9030501"/>
+            <a:ext cx="8881062" cy="4493538"/>
+          </a:xfrm>
+          <a:prstGeom prst="rect">
+            <a:avLst/>
+          </a:prstGeom>
+          <a:noFill/>
+        </p:spPr>
+        <p:txBody>
+          <a:bodyPr wrap="square" rtlCol="0">
+            <a:spAutoFit/>
+          </a:bodyPr>
+          <a:lstStyle/>
+          <a:p>
+            <a:pPr algn="l"/>
+            <a:r>
+              <a:rPr lang="en-GB" sz="2600" dirty="0"/>
+              <a:t>The frequency of generation of notes will be determined by that of the players accuracy. A player cannot progress onto a harder difficulty without attaining a level of accuracy over a duration of notes. </a:t>
+            </a:r>
+          </a:p>
+          <a:p>
+            <a:pPr algn="l"/>
+            <a:r>
+              <a:rPr lang="en-GB" sz="2600" dirty="0"/>
+              <a:t>The short term benefits of this are that it enables a dynamic difficulty enabling the user to reach the ‘zone of proximal development’.</a:t>
+            </a:r>
+          </a:p>
+          <a:p>
+            <a:pPr algn="l"/>
+            <a:r>
+              <a:rPr lang="en-GB" sz="2600" dirty="0"/>
+              <a:t>Long term benefits include:</a:t>
+            </a:r>
+          </a:p>
+          <a:p>
+            <a:pPr marL="285750" indent="-285750" algn="l">
+              <a:buFont typeface="Arial" panose="020B0604020202020204" pitchFamily="34" charset="0"/>
+              <a:buChar char="•"/>
+            </a:pPr>
+            <a:r>
+              <a:rPr lang="en-GB" sz="2600" dirty="0"/>
+              <a:t>The ability to measure progress over time</a:t>
+            </a:r>
+          </a:p>
+          <a:p>
+            <a:pPr marL="285750" indent="-285750" algn="l">
+              <a:buFont typeface="Arial" panose="020B0604020202020204" pitchFamily="34" charset="0"/>
+              <a:buChar char="•"/>
+            </a:pPr>
+            <a:r>
+              <a:rPr lang="en-GB" sz="2600" dirty="0"/>
+              <a:t>Potential to be linked to piano grades and provide a rough idea as to the grade you are currently performing at. </a:t>
+            </a:r>
+          </a:p>
+        </p:txBody>
+      </p:sp>
+      <p:graphicFrame>
+        <p:nvGraphicFramePr>
+          <p:cNvPr id="37" name="Diagram 36">
+            <a:extLst>
+              <a:ext uri="{FF2B5EF4-FFF2-40B4-BE49-F238E27FC236}">
+                <a16:creationId xmlns:a16="http://schemas.microsoft.com/office/drawing/2014/main" id="{3ADEDAD1-B1B7-412D-BBC8-887CCFCA93D9}"/>
+              </a:ext>
+            </a:extLst>
+          </p:cNvPr>
+          <p:cNvGraphicFramePr/>
+          <p:nvPr>
+            <p:extLst>
+              <p:ext uri="{D42A27DB-BD31-4B8C-83A1-F6EECF244321}">
+                <p14:modId xmlns:p14="http://schemas.microsoft.com/office/powerpoint/2010/main" val="186348611"/>
+              </p:ext>
+            </p:extLst>
+          </p:nvPr>
+        </p:nvGraphicFramePr>
+        <p:xfrm>
+          <a:off x="15091702" y="8902178"/>
+          <a:ext cx="5132571" cy="11632633"/>
+        </p:xfrm>
+        <a:graphic>
+          <a:graphicData uri="http://schemas.openxmlformats.org/drawingml/2006/diagram">
+            <dgm:relIds xmlns:dgm="http://schemas.openxmlformats.org/drawingml/2006/diagram" xmlns:r="http://schemas.openxmlformats.org/officeDocument/2006/relationships" r:dm="rId5" r:lo="rId6" r:qs="rId7" r:cs="rId8"/>
+          </a:graphicData>
+        </a:graphic>
+      </p:graphicFrame>
+      <p:sp>
+        <p:nvSpPr>
+          <p:cNvPr id="53" name="TextBox 52">
+            <a:extLst>
+              <a:ext uri="{FF2B5EF4-FFF2-40B4-BE49-F238E27FC236}">
+                <a16:creationId xmlns:a16="http://schemas.microsoft.com/office/drawing/2014/main" id="{82AD68DD-F93D-4B5F-87FC-3D4116092ED1}"/>
+              </a:ext>
+            </a:extLst>
+          </p:cNvPr>
+          <p:cNvSpPr txBox="1"/>
+          <p:nvPr/>
+        </p:nvSpPr>
+        <p:spPr>
+          <a:xfrm>
+            <a:off x="1023890" y="16121027"/>
+            <a:ext cx="9245073" cy="4154984"/>
+          </a:xfrm>
+          <a:prstGeom prst="rect">
+            <a:avLst/>
+          </a:prstGeom>
+          <a:noFill/>
+        </p:spPr>
+        <p:txBody>
+          <a:bodyPr wrap="square" rtlCol="0">
+            <a:spAutoFit/>
+          </a:bodyPr>
+          <a:lstStyle/>
+          <a:p>
+            <a:pPr algn="ctr"/>
+            <a:r>
+              <a:rPr lang="en-GB" sz="5600" dirty="0"/>
+              <a:t>Conditional Flow Diagram</a:t>
+            </a:r>
+          </a:p>
+          <a:p>
+            <a:pPr algn="l"/>
+            <a:r>
+              <a:rPr lang="en-GB" sz="2600" dirty="0"/>
+              <a:t>All actions for the application are dependent on the MIDI device input:</a:t>
+            </a:r>
+          </a:p>
+          <a:p>
+            <a:pPr marL="285750" indent="-285750" algn="l">
+              <a:buFont typeface="Arial" panose="020B0604020202020204" pitchFamily="34" charset="0"/>
+              <a:buChar char="•"/>
+            </a:pPr>
+            <a:r>
+              <a:rPr lang="en-GB" sz="2600" dirty="0"/>
+              <a:t>The sound comes from the note input being registered as a number from the MIDI device input.</a:t>
+            </a:r>
+          </a:p>
+          <a:p>
+            <a:pPr marL="1657350" lvl="3" indent="-285750">
+              <a:buFont typeface="Arial" panose="020B0604020202020204" pitchFamily="34" charset="0"/>
+              <a:buChar char="•"/>
+            </a:pPr>
+            <a:r>
+              <a:rPr lang="en-GB" sz="2600" dirty="0"/>
+              <a:t>The visual representation on both the keyboard and the staff comes from the note number given by the MIDI device input.</a:t>
+            </a:r>
+          </a:p>
+          <a:p>
+            <a:pPr marL="1657350" lvl="3" indent="-285750">
+              <a:buFont typeface="Arial" panose="020B0604020202020204" pitchFamily="34" charset="0"/>
+              <a:buChar char="•"/>
+            </a:pPr>
+            <a:r>
+              <a:rPr lang="en-GB" sz="2600" dirty="0"/>
+              <a:t>The difficulty is adjusted based on the users’ score.</a:t>
+            </a:r>
+          </a:p>
+        </p:txBody>
+      </p:sp>
+      <p:sp>
+        <p:nvSpPr>
+          <p:cNvPr id="54" name="TextBox 53">
+            <a:extLst>
+              <a:ext uri="{FF2B5EF4-FFF2-40B4-BE49-F238E27FC236}">
+                <a16:creationId xmlns:a16="http://schemas.microsoft.com/office/drawing/2014/main" id="{8AB4B443-C22A-4467-9F8E-AE3C30676C43}"/>
+              </a:ext>
+            </a:extLst>
+          </p:cNvPr>
+          <p:cNvSpPr txBox="1"/>
+          <p:nvPr/>
+        </p:nvSpPr>
+        <p:spPr>
+          <a:xfrm>
+            <a:off x="15259549" y="3248181"/>
+            <a:ext cx="6879575" cy="4093428"/>
+          </a:xfrm>
+          <a:prstGeom prst="rect">
+            <a:avLst/>
+          </a:prstGeom>
+          <a:noFill/>
+        </p:spPr>
+        <p:txBody>
+          <a:bodyPr wrap="square" rtlCol="0">
+            <a:spAutoFit/>
+          </a:bodyPr>
+          <a:lstStyle/>
+          <a:p>
+            <a:pPr algn="l"/>
+            <a:r>
+              <a:rPr lang="en-GB" sz="2600" dirty="0"/>
+              <a:t>Creating this project will be done so using the Agile approach, the project will be split into 3 milestones each with bi-weekly sprints. The reviews at the end of each milestone will evaluate a Minimum Viable Product (MVP) and set new objectives by allowing user feedback from a varied audience to attain new scope for the development of the project. The varied audience will consist of both music literate and illiterate individuals.</a:t>
+            </a:r>
+          </a:p>
+        </p:txBody>
+      </p:sp>
+      <p:cxnSp>
+        <p:nvCxnSpPr>
+          <p:cNvPr id="59" name="Straight Connector 58">
+            <a:extLst>
+              <a:ext uri="{FF2B5EF4-FFF2-40B4-BE49-F238E27FC236}">
+                <a16:creationId xmlns:a16="http://schemas.microsoft.com/office/drawing/2014/main" id="{93525516-4487-452F-A0BB-AD72EFD15781}"/>
+              </a:ext>
+            </a:extLst>
+          </p:cNvPr>
+          <p:cNvCxnSpPr/>
+          <p:nvPr/>
+        </p:nvCxnSpPr>
+        <p:spPr>
+          <a:xfrm>
+            <a:off x="915032" y="4958987"/>
+            <a:ext cx="14219999" cy="0"/>
+          </a:xfrm>
+          <a:prstGeom prst="line">
+            <a:avLst/>
+          </a:prstGeom>
+          <a:ln w="12700"/>
+        </p:spPr>
+        <p:style>
+          <a:lnRef idx="1">
+            <a:schemeClr val="dk1"/>
+          </a:lnRef>
+          <a:fillRef idx="0">
+            <a:schemeClr val="dk1"/>
+          </a:fillRef>
+          <a:effectRef idx="0">
+            <a:schemeClr val="dk1"/>
+          </a:effectRef>
+          <a:fontRef idx="minor">
+            <a:schemeClr val="tx1"/>
+          </a:fontRef>
+        </p:style>
+      </p:cxnSp>
+      <p:cxnSp>
+        <p:nvCxnSpPr>
+          <p:cNvPr id="60" name="Straight Connector 59">
+            <a:extLst>
+              <a:ext uri="{FF2B5EF4-FFF2-40B4-BE49-F238E27FC236}">
+                <a16:creationId xmlns:a16="http://schemas.microsoft.com/office/drawing/2014/main" id="{F821FD6C-26F3-46AE-9E06-84F99C7B4B8D}"/>
+              </a:ext>
+            </a:extLst>
+          </p:cNvPr>
+          <p:cNvCxnSpPr/>
+          <p:nvPr/>
+        </p:nvCxnSpPr>
+        <p:spPr>
+          <a:xfrm>
+            <a:off x="915032" y="12104910"/>
+            <a:ext cx="14219999" cy="0"/>
+          </a:xfrm>
+          <a:prstGeom prst="line">
+            <a:avLst/>
+          </a:prstGeom>
+          <a:ln w="12700"/>
+        </p:spPr>
+        <p:style>
+          <a:lnRef idx="1">
+            <a:schemeClr val="dk1"/>
+          </a:lnRef>
+          <a:fillRef idx="0">
+            <a:schemeClr val="dk1"/>
+          </a:fillRef>
+          <a:effectRef idx="0">
+            <a:schemeClr val="dk1"/>
+          </a:effectRef>
+          <a:fontRef idx="minor">
+            <a:schemeClr val="tx1"/>
+          </a:fontRef>
+        </p:style>
+      </p:cxnSp>
+      <p:pic>
+        <p:nvPicPr>
+          <p:cNvPr id="62" name="Picture 61">
+            <a:extLst>
+              <a:ext uri="{FF2B5EF4-FFF2-40B4-BE49-F238E27FC236}">
+                <a16:creationId xmlns:a16="http://schemas.microsoft.com/office/drawing/2014/main" id="{D3297346-B289-4470-A4D8-75F426DE2B66}"/>
+              </a:ext>
+            </a:extLst>
+          </p:cNvPr>
+          <p:cNvPicPr>
+            <a:picLocks noChangeAspect="1"/>
+          </p:cNvPicPr>
+          <p:nvPr/>
+        </p:nvPicPr>
+        <p:blipFill>
+          <a:blip r:embed="rId10"/>
+          <a:stretch>
+            <a:fillRect/>
+          </a:stretch>
+        </p:blipFill>
+        <p:spPr>
+          <a:xfrm>
+            <a:off x="10311094" y="16216140"/>
+            <a:ext cx="4646255" cy="4174582"/>
+          </a:xfrm>
+          <a:prstGeom prst="rect">
+            <a:avLst/>
+          </a:prstGeom>
+          <a:ln w="12700">
+            <a:solidFill>
+              <a:schemeClr val="tx1"/>
+            </a:solidFill>
+          </a:ln>
+        </p:spPr>
+      </p:pic>
+      <p:sp>
+        <p:nvSpPr>
+          <p:cNvPr id="66" name="TextBox 65">
+            <a:extLst>
+              <a:ext uri="{FF2B5EF4-FFF2-40B4-BE49-F238E27FC236}">
+                <a16:creationId xmlns:a16="http://schemas.microsoft.com/office/drawing/2014/main" id="{C9BE840D-4768-4EB3-A6E2-CF7BDDDBB635}"/>
+              </a:ext>
+            </a:extLst>
+          </p:cNvPr>
+          <p:cNvSpPr txBox="1"/>
+          <p:nvPr/>
+        </p:nvSpPr>
+        <p:spPr>
+          <a:xfrm>
+            <a:off x="20224273" y="16256717"/>
+            <a:ext cx="9087428" cy="4278094"/>
+          </a:xfrm>
+          <a:prstGeom prst="rect">
+            <a:avLst/>
+          </a:prstGeom>
+          <a:noFill/>
+          <a:ln w="12700">
+            <a:solidFill>
+              <a:schemeClr val="tx1"/>
+            </a:solidFill>
+          </a:ln>
+        </p:spPr>
+        <p:txBody>
+          <a:bodyPr wrap="square" rtlCol="0">
+            <a:spAutoFit/>
+          </a:bodyPr>
+          <a:lstStyle/>
+          <a:p>
+            <a:r>
+              <a:rPr lang="en-GB" sz="2000" dirty="0"/>
+              <a:t>References</a:t>
+            </a:r>
+          </a:p>
+          <a:p>
+            <a:r>
+              <a:rPr lang="en-GB" b="0" i="0" dirty="0" err="1">
+                <a:effectLst/>
+              </a:rPr>
+              <a:t>Graesser</a:t>
+            </a:r>
+            <a:r>
+              <a:rPr lang="en-GB" b="0" i="0" dirty="0">
+                <a:effectLst/>
+              </a:rPr>
+              <a:t>, A.C. et al.(2012) ‘Intelligent tutoring systems’, </a:t>
+            </a:r>
+            <a:r>
+              <a:rPr lang="en-GB" b="0" i="1" dirty="0">
+                <a:effectLst/>
+              </a:rPr>
+              <a:t>APA educational psychology handbook, </a:t>
+            </a:r>
+            <a:r>
+              <a:rPr lang="en-GB" b="0" i="0" dirty="0">
+                <a:effectLst/>
+              </a:rPr>
+              <a:t>pp. 451-473.</a:t>
+            </a:r>
+          </a:p>
+          <a:p>
+            <a:r>
+              <a:rPr lang="en-GB" b="0" i="0" dirty="0">
+                <a:effectLst/>
+              </a:rPr>
+              <a:t>Rogers, K. et al. (2014) ‘P.I.A.N.O.: Faster Piano Learning with Interactive Projection’, </a:t>
+            </a:r>
+            <a:r>
+              <a:rPr lang="en-GB" b="0" i="1" dirty="0">
+                <a:effectLst/>
+              </a:rPr>
+              <a:t>Proceedings of the Ninth ACM International Conference on Interactive Tabletops and Surfaces</a:t>
+            </a:r>
+            <a:r>
+              <a:rPr lang="en-GB" b="0" i="0" dirty="0">
+                <a:effectLst/>
+              </a:rPr>
+              <a:t>, pp. 149-158.</a:t>
+            </a:r>
+          </a:p>
+          <a:p>
+            <a:r>
+              <a:rPr lang="en-GB" b="0" i="0" dirty="0">
+                <a:effectLst/>
+              </a:rPr>
+              <a:t>Skinner, B. (2012) ‘The science of learning and the art of teaching’, </a:t>
+            </a:r>
+            <a:r>
+              <a:rPr lang="en-GB" b="0" i="1" dirty="0">
+                <a:effectLst/>
+              </a:rPr>
+              <a:t>Educational Psychology</a:t>
+            </a:r>
+            <a:r>
+              <a:rPr lang="en-GB" dirty="0"/>
+              <a:t>, </a:t>
+            </a:r>
+            <a:r>
+              <a:rPr lang="en-GB" b="0" i="0" dirty="0">
+                <a:effectLst/>
+              </a:rPr>
+              <a:t>66, pp. 301.</a:t>
+            </a:r>
+          </a:p>
+          <a:p>
+            <a:r>
+              <a:rPr lang="en-GB" b="0" i="0" dirty="0">
+                <a:effectLst/>
+              </a:rPr>
+              <a:t>Synthesia (2022) </a:t>
+            </a:r>
+            <a:r>
+              <a:rPr lang="en-GB" b="0" i="0" u="none" strike="noStrike" dirty="0">
+                <a:effectLst/>
+                <a:hlinkClick r:id="rId11">
+                  <a:extLst>
+                    <a:ext uri="{A12FA001-AC4F-418D-AE19-62706E023703}">
+                      <ahyp:hlinkClr xmlns:ahyp="http://schemas.microsoft.com/office/drawing/2018/hyperlinkcolor" val="tx"/>
+                    </a:ext>
+                  </a:extLst>
+                </a:hlinkClick>
+              </a:rPr>
+              <a:t>Synthesia Game</a:t>
+            </a:r>
+            <a:r>
+              <a:rPr lang="en-GB" b="0" i="0" u="none" strike="noStrike" dirty="0">
+                <a:effectLst/>
+              </a:rPr>
+              <a:t> Available at: </a:t>
+            </a:r>
+            <a:r>
+              <a:rPr lang="en-GB" dirty="0">
+                <a:hlinkClick r:id="rId11"/>
+              </a:rPr>
+              <a:t>https://synthesiagame.com/</a:t>
+            </a:r>
+            <a:r>
+              <a:rPr lang="en-GB" dirty="0"/>
+              <a:t> (Accessed: 30/11/2022)</a:t>
+            </a:r>
+            <a:endParaRPr lang="en-GB" b="0" i="0" u="none" strike="noStrike" dirty="0">
+              <a:effectLst/>
+            </a:endParaRPr>
+          </a:p>
+          <a:p>
+            <a:r>
+              <a:rPr lang="en-GB" b="0" i="0" dirty="0">
+                <a:solidFill>
+                  <a:srgbClr val="222222"/>
+                </a:solidFill>
+                <a:effectLst/>
+                <a:latin typeface="Arial" panose="020B0604020202020204" pitchFamily="34" charset="0"/>
+              </a:rPr>
+              <a:t>Walker, R.A. (2010) ‘Sociocultural issues in motivation’, </a:t>
+            </a:r>
+            <a:r>
+              <a:rPr lang="en-GB" b="0" i="1" dirty="0">
+                <a:solidFill>
+                  <a:srgbClr val="222222"/>
+                </a:solidFill>
+                <a:effectLst/>
+                <a:latin typeface="Arial" panose="020B0604020202020204" pitchFamily="34" charset="0"/>
+              </a:rPr>
+              <a:t>Social and emotional aspects of learning</a:t>
+            </a:r>
+            <a:r>
+              <a:rPr lang="en-GB" b="0" i="0" dirty="0">
+                <a:solidFill>
+                  <a:srgbClr val="222222"/>
+                </a:solidFill>
+                <a:effectLst/>
+                <a:latin typeface="Arial" panose="020B0604020202020204" pitchFamily="34" charset="0"/>
+              </a:rPr>
+              <a:t>, pp.712-717.</a:t>
+            </a:r>
+            <a:endParaRPr lang="en-GB" b="0" i="0" dirty="0">
+              <a:effectLst/>
+            </a:endParaRPr>
+          </a:p>
+          <a:p>
+            <a:r>
+              <a:rPr lang="en-GB" b="0" i="0" dirty="0" err="1">
+                <a:effectLst/>
+              </a:rPr>
+              <a:t>Yuksel</a:t>
+            </a:r>
+            <a:r>
+              <a:rPr lang="en-GB" b="0" i="0" dirty="0">
+                <a:effectLst/>
+              </a:rPr>
+              <a:t>, B.F. et al. (2016) ‘Learn piano with </a:t>
+            </a:r>
+            <a:r>
+              <a:rPr lang="en-GB" b="0" i="0" dirty="0" err="1">
+                <a:effectLst/>
+              </a:rPr>
+              <a:t>BACh</a:t>
+            </a:r>
+            <a:r>
+              <a:rPr lang="en-GB" b="0" i="0" dirty="0">
+                <a:effectLst/>
+              </a:rPr>
+              <a:t>: An adaptive learning interface that adjusts task difficulty based on brain state’, </a:t>
+            </a:r>
+            <a:r>
+              <a:rPr lang="en-GB" b="0" i="1" dirty="0">
+                <a:effectLst/>
+              </a:rPr>
+              <a:t>Proceedings of the 2016 chi conference on human factors in computing systems</a:t>
+            </a:r>
+            <a:r>
+              <a:rPr lang="en-GB" b="0" i="0" dirty="0">
+                <a:effectLst/>
+              </a:rPr>
+              <a:t>, pp. 5372-5384.</a:t>
+            </a:r>
+            <a:endParaRPr lang="en-GB" dirty="0"/>
+          </a:p>
+        </p:txBody>
+      </p:sp>
+      <p:sp>
+        <p:nvSpPr>
+          <p:cNvPr id="70" name="Rectangle 69">
+            <a:extLst>
+              <a:ext uri="{FF2B5EF4-FFF2-40B4-BE49-F238E27FC236}">
+                <a16:creationId xmlns:a16="http://schemas.microsoft.com/office/drawing/2014/main" id="{27FECCE0-0C77-466F-B1AC-0F8A9FFCA44C}"/>
+              </a:ext>
+            </a:extLst>
+          </p:cNvPr>
+          <p:cNvSpPr/>
+          <p:nvPr/>
+        </p:nvSpPr>
+        <p:spPr>
+          <a:xfrm>
+            <a:off x="915032" y="2203157"/>
+            <a:ext cx="28438799" cy="18331654"/>
+          </a:xfrm>
+          <a:prstGeom prst="rect">
+            <a:avLst/>
+          </a:prstGeom>
+          <a:noFill/>
+          <a:ln w="57150">
+            <a:solidFill>
+              <a:schemeClr val="tx1"/>
+            </a:solidFill>
+          </a:ln>
+        </p:spPr>
+        <p:style>
+          <a:lnRef idx="2">
+            <a:schemeClr val="accent1">
+              <a:shade val="50000"/>
+            </a:schemeClr>
+          </a:lnRef>
+          <a:fillRef idx="1">
+            <a:schemeClr val="accent1"/>
+          </a:fillRef>
+          <a:effectRef idx="0">
+            <a:schemeClr val="accent1"/>
+          </a:effectRef>
+          <a:fontRef idx="minor">
+            <a:schemeClr val="lt1"/>
+          </a:fontRef>
+        </p:style>
+        <p:txBody>
+          <a:bodyPr rtlCol="0" anchor="ctr"/>
+          <a:lstStyle/>
+          <a:p>
+            <a:pPr algn="ctr"/>
+            <a:endParaRPr lang="en-GB"/>
+          </a:p>
+        </p:txBody>
+      </p:sp>
+      <p:cxnSp>
+        <p:nvCxnSpPr>
+          <p:cNvPr id="74" name="Straight Connector 73">
+            <a:extLst>
+              <a:ext uri="{FF2B5EF4-FFF2-40B4-BE49-F238E27FC236}">
+                <a16:creationId xmlns:a16="http://schemas.microsoft.com/office/drawing/2014/main" id="{FDA51851-D8AA-4EFB-9DC0-7C81E690B972}"/>
+              </a:ext>
+            </a:extLst>
+          </p:cNvPr>
+          <p:cNvCxnSpPr>
+            <a:cxnSpLocks/>
+            <a:endCxn id="70" idx="2"/>
+          </p:cNvCxnSpPr>
+          <p:nvPr/>
+        </p:nvCxnSpPr>
+        <p:spPr>
+          <a:xfrm flipH="1">
+            <a:off x="15134432" y="2179926"/>
+            <a:ext cx="599" cy="18354885"/>
+          </a:xfrm>
+          <a:prstGeom prst="line">
+            <a:avLst/>
+          </a:prstGeom>
+          <a:ln w="57150"/>
+        </p:spPr>
+        <p:style>
+          <a:lnRef idx="1">
+            <a:schemeClr val="dk1"/>
+          </a:lnRef>
+          <a:fillRef idx="0">
+            <a:schemeClr val="dk1"/>
+          </a:fillRef>
+          <a:effectRef idx="0">
+            <a:schemeClr val="dk1"/>
+          </a:effectRef>
+          <a:fontRef idx="minor">
+            <a:schemeClr val="tx1"/>
+          </a:fontRef>
+        </p:style>
+      </p:cxnSp>
+      <p:pic>
+        <p:nvPicPr>
+          <p:cNvPr id="12" name="Picture 11" descr="Logo&#10;&#10;Description automatically generated">
+            <a:extLst>
+              <a:ext uri="{FF2B5EF4-FFF2-40B4-BE49-F238E27FC236}">
+                <a16:creationId xmlns:a16="http://schemas.microsoft.com/office/drawing/2014/main" id="{728D4163-7724-4968-A626-C01297D74C3A}"/>
+              </a:ext>
+            </a:extLst>
+          </p:cNvPr>
+          <p:cNvPicPr>
+            <a:picLocks noChangeAspect="1"/>
+          </p:cNvPicPr>
+          <p:nvPr/>
+        </p:nvPicPr>
+        <p:blipFill rotWithShape="1">
+          <a:blip r:embed="rId12">
+            <a:extLst>
+              <a:ext uri="{28A0092B-C50C-407E-A947-70E740481C1C}">
+                <a14:useLocalDpi xmlns:a14="http://schemas.microsoft.com/office/drawing/2010/main" val="0"/>
+              </a:ext>
+            </a:extLst>
+          </a:blip>
+          <a:srcRect l="1944" t="9337" r="772" b="1464"/>
+          <a:stretch/>
+        </p:blipFill>
+        <p:spPr>
+          <a:xfrm>
+            <a:off x="238125" y="19235212"/>
+            <a:ext cx="2100867" cy="1952180"/>
+          </a:xfrm>
+          <a:prstGeom prst="rect">
+            <a:avLst/>
+          </a:prstGeom>
+        </p:spPr>
+      </p:pic>
+      <p:cxnSp>
+        <p:nvCxnSpPr>
+          <p:cNvPr id="57" name="Straight Connector 56">
+            <a:extLst>
+              <a:ext uri="{FF2B5EF4-FFF2-40B4-BE49-F238E27FC236}">
+                <a16:creationId xmlns:a16="http://schemas.microsoft.com/office/drawing/2014/main" id="{88EB92DC-1E0C-41B9-929C-A273A27350F6}"/>
+              </a:ext>
+            </a:extLst>
+          </p:cNvPr>
+          <p:cNvCxnSpPr/>
+          <p:nvPr/>
+        </p:nvCxnSpPr>
+        <p:spPr>
+          <a:xfrm>
+            <a:off x="15134929" y="8386383"/>
+            <a:ext cx="0" cy="242754"/>
+          </a:xfrm>
+          <a:prstGeom prst="line">
+            <a:avLst/>
+          </a:prstGeom>
+          <a:ln w="57150"/>
+        </p:spPr>
+        <p:style>
+          <a:lnRef idx="1">
+            <a:schemeClr val="dk1"/>
+          </a:lnRef>
+          <a:fillRef idx="0">
+            <a:schemeClr val="dk1"/>
+          </a:fillRef>
+          <a:effectRef idx="0">
+            <a:schemeClr val="dk1"/>
+          </a:effectRef>
+          <a:fontRef idx="minor">
+            <a:schemeClr val="tx1"/>
+          </a:fontRef>
+        </p:style>
+      </p:cxnSp>
+      <p:pic>
+        <p:nvPicPr>
+          <p:cNvPr id="80" name="Picture 79">
+            <a:extLst>
+              <a:ext uri="{FF2B5EF4-FFF2-40B4-BE49-F238E27FC236}">
+                <a16:creationId xmlns:a16="http://schemas.microsoft.com/office/drawing/2014/main" id="{56C35071-6EE5-4E04-BEBD-46EDF496AD16}"/>
+              </a:ext>
+            </a:extLst>
+          </p:cNvPr>
+          <p:cNvPicPr>
+            <a:picLocks noChangeAspect="1"/>
+          </p:cNvPicPr>
+          <p:nvPr/>
+        </p:nvPicPr>
+        <p:blipFill rotWithShape="1">
+          <a:blip r:embed="rId13"/>
+          <a:srcRect l="1373" t="2489" r="2676" b="1320"/>
+          <a:stretch/>
+        </p:blipFill>
+        <p:spPr>
+          <a:xfrm>
+            <a:off x="22423559" y="3243006"/>
+            <a:ext cx="6683777" cy="4560093"/>
+          </a:xfrm>
+          <a:prstGeom prst="rect">
+            <a:avLst/>
+          </a:prstGeom>
+          <a:ln w="12700">
+            <a:solidFill>
+              <a:schemeClr val="tx1"/>
+            </a:solidFill>
+          </a:ln>
+        </p:spPr>
+      </p:pic>
+      <p:sp>
+        <p:nvSpPr>
+          <p:cNvPr id="81" name="TextBox 80">
+            <a:extLst>
+              <a:ext uri="{FF2B5EF4-FFF2-40B4-BE49-F238E27FC236}">
+                <a16:creationId xmlns:a16="http://schemas.microsoft.com/office/drawing/2014/main" id="{23AA6E63-4FDA-4D9A-9D31-B55B09FEFFA2}"/>
+              </a:ext>
+            </a:extLst>
+          </p:cNvPr>
+          <p:cNvSpPr txBox="1"/>
+          <p:nvPr/>
+        </p:nvSpPr>
+        <p:spPr>
+          <a:xfrm>
+            <a:off x="15128983" y="2208909"/>
+            <a:ext cx="14189395" cy="954107"/>
+          </a:xfrm>
+          <a:prstGeom prst="rect">
+            <a:avLst/>
+          </a:prstGeom>
+          <a:noFill/>
+        </p:spPr>
+        <p:txBody>
+          <a:bodyPr wrap="square" rtlCol="0">
+            <a:spAutoFit/>
+          </a:bodyPr>
+          <a:lstStyle/>
+          <a:p>
+            <a:pPr algn="ctr"/>
+            <a:r>
+              <a:rPr lang="en-GB" sz="5600" dirty="0"/>
+              <a:t>Project Management</a:t>
+            </a:r>
+          </a:p>
+        </p:txBody>
+      </p:sp>
+      <p:graphicFrame>
+        <p:nvGraphicFramePr>
+          <p:cNvPr id="84" name="Chart 83">
+            <a:extLst>
+              <a:ext uri="{FF2B5EF4-FFF2-40B4-BE49-F238E27FC236}">
+                <a16:creationId xmlns:a16="http://schemas.microsoft.com/office/drawing/2014/main" id="{96EEE6C5-2AD9-4FF8-86D3-FC27B3D212FA}"/>
+              </a:ext>
+            </a:extLst>
+          </p:cNvPr>
+          <p:cNvGraphicFramePr/>
+          <p:nvPr>
+            <p:extLst>
+              <p:ext uri="{D42A27DB-BD31-4B8C-83A1-F6EECF244321}">
+                <p14:modId xmlns:p14="http://schemas.microsoft.com/office/powerpoint/2010/main" val="1228058837"/>
+              </p:ext>
+            </p:extLst>
+          </p:nvPr>
+        </p:nvGraphicFramePr>
+        <p:xfrm>
+          <a:off x="20102661" y="13647496"/>
+          <a:ext cx="9031957" cy="2887776"/>
+        </p:xfrm>
+        <a:graphic>
+          <a:graphicData uri="http://schemas.openxmlformats.org/drawingml/2006/chart">
+            <c:chart xmlns:c="http://schemas.openxmlformats.org/drawingml/2006/chart" xmlns:r="http://schemas.openxmlformats.org/officeDocument/2006/relationships" r:id="rId14"/>
+          </a:graphicData>
+        </a:graphic>
+      </p:graphicFrame>
+      <p:sp>
+        <p:nvSpPr>
+          <p:cNvPr id="2" name="TextBox 1">
+            <a:extLst>
+              <a:ext uri="{FF2B5EF4-FFF2-40B4-BE49-F238E27FC236}">
+                <a16:creationId xmlns:a16="http://schemas.microsoft.com/office/drawing/2014/main" id="{3526C5F5-B1A0-4FDB-B894-42877F469DF8}"/>
+              </a:ext>
+            </a:extLst>
+          </p:cNvPr>
+          <p:cNvSpPr txBox="1"/>
+          <p:nvPr/>
+        </p:nvSpPr>
+        <p:spPr>
+          <a:xfrm>
+            <a:off x="24846407" y="1590538"/>
+            <a:ext cx="4503748" cy="800219"/>
+          </a:xfrm>
+          <a:prstGeom prst="rect">
+            <a:avLst/>
+          </a:prstGeom>
+          <a:noFill/>
+          <a:ln w="12700">
+            <a:noFill/>
+          </a:ln>
+        </p:spPr>
+        <p:txBody>
+          <a:bodyPr wrap="square" rtlCol="0">
+            <a:spAutoFit/>
+          </a:bodyPr>
+          <a:lstStyle/>
+          <a:p>
+            <a:pPr algn="r"/>
+            <a:r>
+              <a:rPr lang="en-GB" sz="2800" dirty="0"/>
+              <a:t>Kieran Best</a:t>
+            </a:r>
+            <a:endParaRPr lang="en-GB" dirty="0"/>
+          </a:p>
+          <a:p>
+            <a:pPr algn="r"/>
+            <a:endParaRPr lang="en-GB" dirty="0"/>
+          </a:p>
+        </p:txBody>
+      </p:sp>
+      <p:pic>
+        <p:nvPicPr>
+          <p:cNvPr id="41" name="Graphic 40">
+            <a:extLst>
+              <a:ext uri="{FF2B5EF4-FFF2-40B4-BE49-F238E27FC236}">
+                <a16:creationId xmlns:a16="http://schemas.microsoft.com/office/drawing/2014/main" id="{0A31D412-8A47-44D5-824C-46F85AEBA4DF}"/>
+              </a:ext>
+            </a:extLst>
+          </p:cNvPr>
+          <p:cNvPicPr>
+            <a:picLocks noChangeAspect="1"/>
+          </p:cNvPicPr>
+          <p:nvPr/>
+        </p:nvPicPr>
+        <p:blipFill>
+          <a:blip r:embed="rId15">
+            <a:extLst>
+              <a:ext uri="{96DAC541-7B7A-43D3-8B79-37D633B846F1}">
+                <asvg:svgBlip xmlns:asvg="http://schemas.microsoft.com/office/drawing/2016/SVG/main" r:embed="rId16"/>
+              </a:ext>
+            </a:extLst>
+          </a:blip>
+          <a:stretch>
+            <a:fillRect/>
+          </a:stretch>
+        </p:blipFill>
+        <p:spPr>
+          <a:xfrm>
+            <a:off x="26963211" y="863129"/>
+            <a:ext cx="2394390" cy="746303"/>
+          </a:xfrm>
+          <a:prstGeom prst="rect">
+            <a:avLst/>
+          </a:prstGeom>
+        </p:spPr>
+      </p:pic>
+      <p:pic>
+        <p:nvPicPr>
+          <p:cNvPr id="33" name="Picture 32" descr="A person playing a piano&#10;&#10;Description automatically generated with low confidence">
+            <a:extLst>
+              <a:ext uri="{FF2B5EF4-FFF2-40B4-BE49-F238E27FC236}">
+                <a16:creationId xmlns:a16="http://schemas.microsoft.com/office/drawing/2014/main" id="{488333FF-4E66-44BB-8EA3-989BC100BD12}"/>
+              </a:ext>
+            </a:extLst>
+          </p:cNvPr>
+          <p:cNvPicPr>
+            <a:picLocks noChangeAspect="1"/>
+          </p:cNvPicPr>
+          <p:nvPr/>
+        </p:nvPicPr>
+        <p:blipFill rotWithShape="1">
+          <a:blip r:embed="rId17">
+            <a:extLst>
+              <a:ext uri="{28A0092B-C50C-407E-A947-70E740481C1C}">
+                <a14:useLocalDpi xmlns:a14="http://schemas.microsoft.com/office/drawing/2010/main" val="0"/>
+              </a:ext>
+            </a:extLst>
+          </a:blip>
+          <a:srcRect l="1128" t="1357" r="1589" b="2360"/>
+          <a:stretch/>
+        </p:blipFill>
+        <p:spPr>
+          <a:xfrm>
+            <a:off x="11941160" y="6632082"/>
+            <a:ext cx="2492308" cy="1800000"/>
+          </a:xfrm>
+          <a:prstGeom prst="rect">
+            <a:avLst/>
+          </a:prstGeom>
+        </p:spPr>
+      </p:pic>
+      <p:sp>
+        <p:nvSpPr>
+          <p:cNvPr id="6" name="TextBox 5">
+            <a:extLst>
+              <a:ext uri="{FF2B5EF4-FFF2-40B4-BE49-F238E27FC236}">
+                <a16:creationId xmlns:a16="http://schemas.microsoft.com/office/drawing/2014/main" id="{B2E9B88D-52C7-4FCC-BB8D-5A7C1FFAFB1B}"/>
+              </a:ext>
+            </a:extLst>
+          </p:cNvPr>
+          <p:cNvSpPr txBox="1"/>
+          <p:nvPr/>
+        </p:nvSpPr>
+        <p:spPr>
+          <a:xfrm rot="5400000">
+            <a:off x="-9182726" y="9541443"/>
+            <a:ext cx="19120664" cy="360000"/>
+          </a:xfrm>
+          <a:prstGeom prst="rect">
+            <a:avLst/>
+          </a:prstGeom>
+          <a:solidFill>
+            <a:schemeClr val="tx1"/>
+          </a:solidFill>
+          <a:ln>
+            <a:solidFill>
+              <a:schemeClr val="tx1"/>
+            </a:solidFill>
+          </a:ln>
+        </p:spPr>
+        <p:txBody>
+          <a:bodyPr wrap="square" rtlCol="0">
+            <a:spAutoFit/>
+          </a:bodyPr>
+          <a:lstStyle/>
+          <a:p>
+            <a:endParaRPr lang="en-GB" dirty="0"/>
+          </a:p>
+        </p:txBody>
+      </p:sp>
+      <p:pic>
+        <p:nvPicPr>
+          <p:cNvPr id="43" name="Picture 42" descr="Logo&#10;&#10;Description automatically generated">
+            <a:extLst>
+              <a:ext uri="{FF2B5EF4-FFF2-40B4-BE49-F238E27FC236}">
+                <a16:creationId xmlns:a16="http://schemas.microsoft.com/office/drawing/2014/main" id="{C5BF20AB-5C78-472F-AECF-54A40584D75F}"/>
+              </a:ext>
+            </a:extLst>
+          </p:cNvPr>
+          <p:cNvPicPr>
+            <a:picLocks noChangeAspect="1"/>
+          </p:cNvPicPr>
+          <p:nvPr/>
+        </p:nvPicPr>
+        <p:blipFill rotWithShape="1">
+          <a:blip r:embed="rId12">
+            <a:extLst>
+              <a:ext uri="{28A0092B-C50C-407E-A947-70E740481C1C}">
+                <a14:useLocalDpi xmlns:a14="http://schemas.microsoft.com/office/drawing/2010/main" val="0"/>
+              </a:ext>
+            </a:extLst>
+          </a:blip>
+          <a:srcRect l="56651" t="-1" r="24669" b="44504"/>
+          <a:stretch/>
+        </p:blipFill>
+        <p:spPr>
+          <a:xfrm>
+            <a:off x="1412081" y="19039749"/>
+            <a:ext cx="413886" cy="1246122"/>
+          </a:xfrm>
+          <a:prstGeom prst="rect">
+            <a:avLst/>
+          </a:prstGeom>
+        </p:spPr>
+      </p:pic>
+      <p:pic>
+        <p:nvPicPr>
+          <p:cNvPr id="44" name="Picture 43" descr="Logo&#10;&#10;Description automatically generated">
+            <a:extLst>
+              <a:ext uri="{FF2B5EF4-FFF2-40B4-BE49-F238E27FC236}">
+                <a16:creationId xmlns:a16="http://schemas.microsoft.com/office/drawing/2014/main" id="{B404ACA1-7523-4A5F-910A-E45BEFF13A55}"/>
+              </a:ext>
+            </a:extLst>
+          </p:cNvPr>
+          <p:cNvPicPr>
+            <a:picLocks noChangeAspect="1"/>
+          </p:cNvPicPr>
+          <p:nvPr/>
+        </p:nvPicPr>
+        <p:blipFill rotWithShape="1">
+          <a:blip r:embed="rId12">
+            <a:extLst>
+              <a:ext uri="{28A0092B-C50C-407E-A947-70E740481C1C}">
+                <a14:useLocalDpi xmlns:a14="http://schemas.microsoft.com/office/drawing/2010/main" val="0"/>
+              </a:ext>
+            </a:extLst>
+          </a:blip>
+          <a:srcRect l="56651" t="-1" r="24669" b="44504"/>
+          <a:stretch/>
+        </p:blipFill>
+        <p:spPr>
+          <a:xfrm>
+            <a:off x="735234" y="19039748"/>
+            <a:ext cx="413886" cy="1246122"/>
           </a:xfrm>
           <a:prstGeom prst="rect">
             <a:avLst/>
